--- a/LDA_Project3/ResultsPresentation.pptx
+++ b/LDA_Project3/ResultsPresentation.pptx
@@ -6,13 +6,13 @@
   </p:sldMasterIdLst>
   <p:sldIdLst>
     <p:sldId id="256" r:id="rId2"/>
-    <p:sldId id="260" r:id="rId3"/>
-    <p:sldId id="258" r:id="rId4"/>
-    <p:sldId id="261" r:id="rId5"/>
-    <p:sldId id="264" r:id="rId6"/>
-    <p:sldId id="257" r:id="rId7"/>
-    <p:sldId id="259" r:id="rId8"/>
-    <p:sldId id="263" r:id="rId9"/>
+    <p:sldId id="265" r:id="rId3"/>
+    <p:sldId id="266" r:id="rId4"/>
+    <p:sldId id="260" r:id="rId5"/>
+    <p:sldId id="258" r:id="rId6"/>
+    <p:sldId id="261" r:id="rId7"/>
+    <p:sldId id="257" r:id="rId8"/>
+    <p:sldId id="259" r:id="rId9"/>
     <p:sldId id="262" r:id="rId10"/>
   </p:sldIdLst>
   <p:sldSz cx="12192000" cy="6858000"/>
@@ -170,7 +170,7 @@
           <a:noFill/>
           <a:extLst>
             <a:ext uri="{909E8E84-426E-40dd-AFC4-6F175D3DCCD1}">
-              <a14:hiddenFill xmlns="" xmlns:a14="http://schemas.microsoft.com/office/drawing/2010/main">
+              <a14:hiddenFill xmlns:a14="http://schemas.microsoft.com/office/drawing/2010/main" xmlns="">
                 <a:solidFill>
                   <a:srgbClr val="FFFFFF"/>
                 </a:solidFill>
@@ -230,7 +230,7 @@
             </a:ln>
             <a:extLst>
               <a:ext uri="{91240B29-F687-4f45-9708-019B960494DF}">
-                <a14:hiddenLine xmlns="" xmlns:a14="http://schemas.microsoft.com/office/drawing/2010/main" w="9525">
+                <a14:hiddenLine xmlns:a14="http://schemas.microsoft.com/office/drawing/2010/main" xmlns="" w="9525">
                   <a:solidFill>
                     <a:srgbClr val="000000"/>
                   </a:solidFill>
@@ -320,7 +320,7 @@
             </a:ln>
             <a:extLst>
               <a:ext uri="{91240B29-F687-4f45-9708-019B960494DF}">
-                <a14:hiddenLine xmlns="" xmlns:a14="http://schemas.microsoft.com/office/drawing/2010/main" w="9525">
+                <a14:hiddenLine xmlns:a14="http://schemas.microsoft.com/office/drawing/2010/main" xmlns="" w="9525">
                   <a:solidFill>
                     <a:srgbClr val="000000"/>
                   </a:solidFill>
@@ -410,7 +410,7 @@
             </a:ln>
             <a:extLst>
               <a:ext uri="{91240B29-F687-4f45-9708-019B960494DF}">
-                <a14:hiddenLine xmlns="" xmlns:a14="http://schemas.microsoft.com/office/drawing/2010/main" w="9525">
+                <a14:hiddenLine xmlns:a14="http://schemas.microsoft.com/office/drawing/2010/main" xmlns="" w="9525">
                   <a:solidFill>
                     <a:srgbClr val="000000"/>
                   </a:solidFill>
@@ -444,7 +444,7 @@
             </a:ln>
             <a:extLst>
               <a:ext uri="{91240B29-F687-4f45-9708-019B960494DF}">
-                <a14:hiddenLine xmlns="" xmlns:a14="http://schemas.microsoft.com/office/drawing/2010/main" w="9525">
+                <a14:hiddenLine xmlns:a14="http://schemas.microsoft.com/office/drawing/2010/main" xmlns="" w="9525">
                   <a:solidFill>
                     <a:srgbClr val="000000"/>
                   </a:solidFill>
@@ -534,7 +534,7 @@
             </a:ln>
             <a:extLst>
               <a:ext uri="{91240B29-F687-4f45-9708-019B960494DF}">
-                <a14:hiddenLine xmlns="" xmlns:a14="http://schemas.microsoft.com/office/drawing/2010/main" w="9525">
+                <a14:hiddenLine xmlns:a14="http://schemas.microsoft.com/office/drawing/2010/main" xmlns="" w="9525">
                   <a:solidFill>
                     <a:srgbClr val="000000"/>
                   </a:solidFill>
@@ -596,7 +596,7 @@
             </a:ln>
             <a:extLst>
               <a:ext uri="{91240B29-F687-4f45-9708-019B960494DF}">
-                <a14:hiddenLine xmlns="" xmlns:a14="http://schemas.microsoft.com/office/drawing/2010/main" w="9525">
+                <a14:hiddenLine xmlns:a14="http://schemas.microsoft.com/office/drawing/2010/main" xmlns="" w="9525">
                   <a:solidFill>
                     <a:srgbClr val="000000"/>
                   </a:solidFill>
@@ -658,7 +658,7 @@
             </a:ln>
             <a:extLst>
               <a:ext uri="{91240B29-F687-4f45-9708-019B960494DF}">
-                <a14:hiddenLine xmlns="" xmlns:a14="http://schemas.microsoft.com/office/drawing/2010/main" w="9525">
+                <a14:hiddenLine xmlns:a14="http://schemas.microsoft.com/office/drawing/2010/main" xmlns="" w="9525">
                   <a:solidFill>
                     <a:srgbClr val="000000"/>
                   </a:solidFill>
@@ -748,7 +748,7 @@
             </a:ln>
             <a:extLst>
               <a:ext uri="{91240B29-F687-4f45-9708-019B960494DF}">
-                <a14:hiddenLine xmlns="" xmlns:a14="http://schemas.microsoft.com/office/drawing/2010/main" w="9525">
+                <a14:hiddenLine xmlns:a14="http://schemas.microsoft.com/office/drawing/2010/main" xmlns="" w="9525">
                   <a:solidFill>
                     <a:srgbClr val="000000"/>
                   </a:solidFill>
@@ -810,7 +810,7 @@
             </a:ln>
             <a:extLst>
               <a:ext uri="{91240B29-F687-4f45-9708-019B960494DF}">
-                <a14:hiddenLine xmlns="" xmlns:a14="http://schemas.microsoft.com/office/drawing/2010/main" w="9525">
+                <a14:hiddenLine xmlns:a14="http://schemas.microsoft.com/office/drawing/2010/main" xmlns="" w="9525">
                   <a:solidFill>
                     <a:srgbClr val="000000"/>
                   </a:solidFill>
@@ -872,7 +872,7 @@
             </a:ln>
             <a:extLst>
               <a:ext uri="{91240B29-F687-4f45-9708-019B960494DF}">
-                <a14:hiddenLine xmlns="" xmlns:a14="http://schemas.microsoft.com/office/drawing/2010/main" w="9525">
+                <a14:hiddenLine xmlns:a14="http://schemas.microsoft.com/office/drawing/2010/main" xmlns="" w="9525">
                   <a:solidFill>
                     <a:srgbClr val="000000"/>
                   </a:solidFill>
@@ -962,7 +962,7 @@
             </a:ln>
             <a:extLst>
               <a:ext uri="{91240B29-F687-4f45-9708-019B960494DF}">
-                <a14:hiddenLine xmlns="" xmlns:a14="http://schemas.microsoft.com/office/drawing/2010/main" w="9525">
+                <a14:hiddenLine xmlns:a14="http://schemas.microsoft.com/office/drawing/2010/main" xmlns="" w="9525">
                   <a:solidFill>
                     <a:srgbClr val="000000"/>
                   </a:solidFill>
@@ -1052,7 +1052,7 @@
             </a:ln>
             <a:extLst>
               <a:ext uri="{91240B29-F687-4f45-9708-019B960494DF}">
-                <a14:hiddenLine xmlns="" xmlns:a14="http://schemas.microsoft.com/office/drawing/2010/main" w="9525">
+                <a14:hiddenLine xmlns:a14="http://schemas.microsoft.com/office/drawing/2010/main" xmlns="" w="9525">
                   <a:solidFill>
                     <a:srgbClr val="000000"/>
                   </a:solidFill>
@@ -1114,7 +1114,7 @@
             </a:ln>
             <a:extLst>
               <a:ext uri="{91240B29-F687-4f45-9708-019B960494DF}">
-                <a14:hiddenLine xmlns="" xmlns:a14="http://schemas.microsoft.com/office/drawing/2010/main" w="9525">
+                <a14:hiddenLine xmlns:a14="http://schemas.microsoft.com/office/drawing/2010/main" xmlns="" w="9525">
                   <a:solidFill>
                     <a:srgbClr val="000000"/>
                   </a:solidFill>
@@ -1224,7 +1224,7 @@
             </a:ln>
             <a:extLst>
               <a:ext uri="{91240B29-F687-4f45-9708-019B960494DF}">
-                <a14:hiddenLine xmlns="" xmlns:a14="http://schemas.microsoft.com/office/drawing/2010/main" w="9525">
+                <a14:hiddenLine xmlns:a14="http://schemas.microsoft.com/office/drawing/2010/main" xmlns="" w="9525">
                   <a:solidFill>
                     <a:srgbClr val="000000"/>
                   </a:solidFill>
@@ -1286,7 +1286,7 @@
             </a:ln>
             <a:extLst>
               <a:ext uri="{91240B29-F687-4f45-9708-019B960494DF}">
-                <a14:hiddenLine xmlns="" xmlns:a14="http://schemas.microsoft.com/office/drawing/2010/main" w="9525">
+                <a14:hiddenLine xmlns:a14="http://schemas.microsoft.com/office/drawing/2010/main" xmlns="" w="9525">
                   <a:solidFill>
                     <a:srgbClr val="000000"/>
                   </a:solidFill>
@@ -1376,7 +1376,7 @@
             </a:ln>
             <a:extLst>
               <a:ext uri="{91240B29-F687-4f45-9708-019B960494DF}">
-                <a14:hiddenLine xmlns="" xmlns:a14="http://schemas.microsoft.com/office/drawing/2010/main" w="9525">
+                <a14:hiddenLine xmlns:a14="http://schemas.microsoft.com/office/drawing/2010/main" xmlns="" w="9525">
                   <a:solidFill>
                     <a:srgbClr val="000000"/>
                   </a:solidFill>
@@ -1466,7 +1466,7 @@
             </a:ln>
             <a:extLst>
               <a:ext uri="{91240B29-F687-4f45-9708-019B960494DF}">
-                <a14:hiddenLine xmlns="" xmlns:a14="http://schemas.microsoft.com/office/drawing/2010/main" w="9525">
+                <a14:hiddenLine xmlns:a14="http://schemas.microsoft.com/office/drawing/2010/main" xmlns="" w="9525">
                   <a:solidFill>
                     <a:srgbClr val="000000"/>
                   </a:solidFill>
@@ -1528,7 +1528,7 @@
             </a:ln>
             <a:extLst>
               <a:ext uri="{91240B29-F687-4f45-9708-019B960494DF}">
-                <a14:hiddenLine xmlns="" xmlns:a14="http://schemas.microsoft.com/office/drawing/2010/main" w="9525">
+                <a14:hiddenLine xmlns:a14="http://schemas.microsoft.com/office/drawing/2010/main" xmlns="" w="9525">
                   <a:solidFill>
                     <a:srgbClr val="000000"/>
                   </a:solidFill>
@@ -1618,7 +1618,7 @@
             </a:ln>
             <a:extLst>
               <a:ext uri="{91240B29-F687-4f45-9708-019B960494DF}">
-                <a14:hiddenLine xmlns="" xmlns:a14="http://schemas.microsoft.com/office/drawing/2010/main" w="9525">
+                <a14:hiddenLine xmlns:a14="http://schemas.microsoft.com/office/drawing/2010/main" xmlns="" w="9525">
                   <a:solidFill>
                     <a:srgbClr val="000000"/>
                   </a:solidFill>
@@ -1708,7 +1708,7 @@
             </a:ln>
             <a:extLst>
               <a:ext uri="{91240B29-F687-4f45-9708-019B960494DF}">
-                <a14:hiddenLine xmlns="" xmlns:a14="http://schemas.microsoft.com/office/drawing/2010/main" w="9525">
+                <a14:hiddenLine xmlns:a14="http://schemas.microsoft.com/office/drawing/2010/main" xmlns="" w="9525">
                   <a:solidFill>
                     <a:srgbClr val="000000"/>
                   </a:solidFill>
@@ -1764,7 +1764,7 @@
             </a:ln>
             <a:extLst>
               <a:ext uri="{91240B29-F687-4f45-9708-019B960494DF}">
-                <a14:hiddenLine xmlns="" xmlns:a14="http://schemas.microsoft.com/office/drawing/2010/main" w="9525">
+                <a14:hiddenLine xmlns:a14="http://schemas.microsoft.com/office/drawing/2010/main" xmlns="" w="9525">
                   <a:solidFill>
                     <a:srgbClr val="000000"/>
                   </a:solidFill>
@@ -1854,7 +1854,7 @@
             </a:ln>
             <a:extLst>
               <a:ext uri="{91240B29-F687-4f45-9708-019B960494DF}">
-                <a14:hiddenLine xmlns="" xmlns:a14="http://schemas.microsoft.com/office/drawing/2010/main" w="9525">
+                <a14:hiddenLine xmlns:a14="http://schemas.microsoft.com/office/drawing/2010/main" xmlns="" w="9525">
                   <a:solidFill>
                     <a:srgbClr val="000000"/>
                   </a:solidFill>
@@ -1910,7 +1910,7 @@
             </a:ln>
             <a:extLst>
               <a:ext uri="{91240B29-F687-4f45-9708-019B960494DF}">
-                <a14:hiddenLine xmlns="" xmlns:a14="http://schemas.microsoft.com/office/drawing/2010/main" w="9525">
+                <a14:hiddenLine xmlns:a14="http://schemas.microsoft.com/office/drawing/2010/main" xmlns="" w="9525">
                   <a:solidFill>
                     <a:srgbClr val="000000"/>
                   </a:solidFill>
@@ -2000,7 +2000,7 @@
             </a:ln>
             <a:extLst>
               <a:ext uri="{91240B29-F687-4f45-9708-019B960494DF}">
-                <a14:hiddenLine xmlns="" xmlns:a14="http://schemas.microsoft.com/office/drawing/2010/main" w="9525">
+                <a14:hiddenLine xmlns:a14="http://schemas.microsoft.com/office/drawing/2010/main" xmlns="" w="9525">
                   <a:solidFill>
                     <a:srgbClr val="000000"/>
                   </a:solidFill>
@@ -2068,7 +2068,7 @@
             </a:ln>
             <a:extLst>
               <a:ext uri="{91240B29-F687-4f45-9708-019B960494DF}">
-                <a14:hiddenLine xmlns="" xmlns:a14="http://schemas.microsoft.com/office/drawing/2010/main" w="9525">
+                <a14:hiddenLine xmlns:a14="http://schemas.microsoft.com/office/drawing/2010/main" xmlns="" w="9525">
                   <a:solidFill>
                     <a:srgbClr val="000000"/>
                   </a:solidFill>
@@ -2158,7 +2158,7 @@
             </a:ln>
             <a:extLst>
               <a:ext uri="{91240B29-F687-4f45-9708-019B960494DF}">
-                <a14:hiddenLine xmlns="" xmlns:a14="http://schemas.microsoft.com/office/drawing/2010/main" w="9525">
+                <a14:hiddenLine xmlns:a14="http://schemas.microsoft.com/office/drawing/2010/main" xmlns="" w="9525">
                   <a:solidFill>
                     <a:srgbClr val="000000"/>
                   </a:solidFill>
@@ -2226,7 +2226,7 @@
             </a:ln>
             <a:extLst>
               <a:ext uri="{91240B29-F687-4f45-9708-019B960494DF}">
-                <a14:hiddenLine xmlns="" xmlns:a14="http://schemas.microsoft.com/office/drawing/2010/main" w="9525">
+                <a14:hiddenLine xmlns:a14="http://schemas.microsoft.com/office/drawing/2010/main" xmlns="" w="9525">
                   <a:solidFill>
                     <a:srgbClr val="000000"/>
                   </a:solidFill>
@@ -2316,7 +2316,7 @@
             </a:ln>
             <a:extLst>
               <a:ext uri="{91240B29-F687-4f45-9708-019B960494DF}">
-                <a14:hiddenLine xmlns="" xmlns:a14="http://schemas.microsoft.com/office/drawing/2010/main" w="9525">
+                <a14:hiddenLine xmlns:a14="http://schemas.microsoft.com/office/drawing/2010/main" xmlns="" w="9525">
                   <a:solidFill>
                     <a:srgbClr val="000000"/>
                   </a:solidFill>
@@ -2350,7 +2350,7 @@
             </a:ln>
             <a:extLst>
               <a:ext uri="{91240B29-F687-4f45-9708-019B960494DF}">
-                <a14:hiddenLine xmlns="" xmlns:a14="http://schemas.microsoft.com/office/drawing/2010/main" w="9525">
+                <a14:hiddenLine xmlns:a14="http://schemas.microsoft.com/office/drawing/2010/main" xmlns="" w="9525">
                   <a:solidFill>
                     <a:srgbClr val="000000"/>
                   </a:solidFill>
@@ -2440,7 +2440,7 @@
             </a:ln>
             <a:extLst>
               <a:ext uri="{91240B29-F687-4f45-9708-019B960494DF}">
-                <a14:hiddenLine xmlns="" xmlns:a14="http://schemas.microsoft.com/office/drawing/2010/main" w="9525">
+                <a14:hiddenLine xmlns:a14="http://schemas.microsoft.com/office/drawing/2010/main" xmlns="" w="9525">
                   <a:solidFill>
                     <a:srgbClr val="000000"/>
                   </a:solidFill>
@@ -2502,7 +2502,7 @@
             </a:ln>
             <a:extLst>
               <a:ext uri="{91240B29-F687-4f45-9708-019B960494DF}">
-                <a14:hiddenLine xmlns="" xmlns:a14="http://schemas.microsoft.com/office/drawing/2010/main" w="9525">
+                <a14:hiddenLine xmlns:a14="http://schemas.microsoft.com/office/drawing/2010/main" xmlns="" w="9525">
                   <a:solidFill>
                     <a:srgbClr val="000000"/>
                   </a:solidFill>
@@ -2564,7 +2564,7 @@
             </a:ln>
             <a:extLst>
               <a:ext uri="{91240B29-F687-4f45-9708-019B960494DF}">
-                <a14:hiddenLine xmlns="" xmlns:a14="http://schemas.microsoft.com/office/drawing/2010/main" w="9525">
+                <a14:hiddenLine xmlns:a14="http://schemas.microsoft.com/office/drawing/2010/main" xmlns="" w="9525">
                   <a:solidFill>
                     <a:srgbClr val="000000"/>
                   </a:solidFill>
@@ -2654,7 +2654,7 @@
             </a:ln>
             <a:extLst>
               <a:ext uri="{91240B29-F687-4f45-9708-019B960494DF}">
-                <a14:hiddenLine xmlns="" xmlns:a14="http://schemas.microsoft.com/office/drawing/2010/main" w="9525">
+                <a14:hiddenLine xmlns:a14="http://schemas.microsoft.com/office/drawing/2010/main" xmlns="" w="9525">
                   <a:solidFill>
                     <a:srgbClr val="000000"/>
                   </a:solidFill>
@@ -2722,7 +2722,7 @@
             </a:ln>
             <a:extLst>
               <a:ext uri="{91240B29-F687-4f45-9708-019B960494DF}">
-                <a14:hiddenLine xmlns="" xmlns:a14="http://schemas.microsoft.com/office/drawing/2010/main" w="9525">
+                <a14:hiddenLine xmlns:a14="http://schemas.microsoft.com/office/drawing/2010/main" xmlns="" w="9525">
                   <a:solidFill>
                     <a:srgbClr val="000000"/>
                   </a:solidFill>
@@ -2784,7 +2784,7 @@
             </a:ln>
             <a:extLst>
               <a:ext uri="{91240B29-F687-4f45-9708-019B960494DF}">
-                <a14:hiddenLine xmlns="" xmlns:a14="http://schemas.microsoft.com/office/drawing/2010/main" w="9525">
+                <a14:hiddenLine xmlns:a14="http://schemas.microsoft.com/office/drawing/2010/main" xmlns="" w="9525">
                   <a:solidFill>
                     <a:srgbClr val="000000"/>
                   </a:solidFill>
@@ -2874,7 +2874,7 @@
             </a:ln>
             <a:extLst>
               <a:ext uri="{91240B29-F687-4f45-9708-019B960494DF}">
-                <a14:hiddenLine xmlns="" xmlns:a14="http://schemas.microsoft.com/office/drawing/2010/main" w="9525">
+                <a14:hiddenLine xmlns:a14="http://schemas.microsoft.com/office/drawing/2010/main" xmlns="" w="9525">
                   <a:solidFill>
                     <a:srgbClr val="000000"/>
                   </a:solidFill>
@@ -2936,7 +2936,7 @@
             </a:ln>
             <a:extLst>
               <a:ext uri="{91240B29-F687-4f45-9708-019B960494DF}">
-                <a14:hiddenLine xmlns="" xmlns:a14="http://schemas.microsoft.com/office/drawing/2010/main" w="9525">
+                <a14:hiddenLine xmlns:a14="http://schemas.microsoft.com/office/drawing/2010/main" xmlns="" w="9525">
                   <a:solidFill>
                     <a:srgbClr val="000000"/>
                   </a:solidFill>
@@ -3026,7 +3026,7 @@
             </a:ln>
             <a:extLst>
               <a:ext uri="{91240B29-F687-4f45-9708-019B960494DF}">
-                <a14:hiddenLine xmlns="" xmlns:a14="http://schemas.microsoft.com/office/drawing/2010/main" w="9525">
+                <a14:hiddenLine xmlns:a14="http://schemas.microsoft.com/office/drawing/2010/main" xmlns="" w="9525">
                   <a:solidFill>
                     <a:srgbClr val="000000"/>
                   </a:solidFill>
@@ -3088,7 +3088,7 @@
             </a:ln>
             <a:extLst>
               <a:ext uri="{91240B29-F687-4f45-9708-019B960494DF}">
-                <a14:hiddenLine xmlns="" xmlns:a14="http://schemas.microsoft.com/office/drawing/2010/main" w="9525">
+                <a14:hiddenLine xmlns:a14="http://schemas.microsoft.com/office/drawing/2010/main" xmlns="" w="9525">
                   <a:solidFill>
                     <a:srgbClr val="000000"/>
                   </a:solidFill>
@@ -3178,7 +3178,7 @@
             </a:ln>
             <a:extLst>
               <a:ext uri="{91240B29-F687-4f45-9708-019B960494DF}">
-                <a14:hiddenLine xmlns="" xmlns:a14="http://schemas.microsoft.com/office/drawing/2010/main" w="9525">
+                <a14:hiddenLine xmlns:a14="http://schemas.microsoft.com/office/drawing/2010/main" xmlns="" w="9525">
                   <a:solidFill>
                     <a:srgbClr val="000000"/>
                   </a:solidFill>
@@ -3212,7 +3212,7 @@
             </a:ln>
             <a:extLst>
               <a:ext uri="{91240B29-F687-4f45-9708-019B960494DF}">
-                <a14:hiddenLine xmlns="" xmlns:a14="http://schemas.microsoft.com/office/drawing/2010/main" w="9525">
+                <a14:hiddenLine xmlns:a14="http://schemas.microsoft.com/office/drawing/2010/main" xmlns="" w="9525">
                   <a:solidFill>
                     <a:srgbClr val="000000"/>
                   </a:solidFill>
@@ -3277,7 +3277,7 @@
             </a:ln>
             <a:extLst>
               <a:ext uri="{91240B29-F687-4f45-9708-019B960494DF}">
-                <a14:hiddenLine xmlns="" xmlns:a14="http://schemas.microsoft.com/office/drawing/2010/main" w="9525">
+                <a14:hiddenLine xmlns:a14="http://schemas.microsoft.com/office/drawing/2010/main" xmlns="" w="9525">
                   <a:solidFill>
                     <a:srgbClr val="000000"/>
                   </a:solidFill>
@@ -3367,7 +3367,7 @@
             </a:ln>
             <a:extLst>
               <a:ext uri="{91240B29-F687-4f45-9708-019B960494DF}">
-                <a14:hiddenLine xmlns="" xmlns:a14="http://schemas.microsoft.com/office/drawing/2010/main" w="9525">
+                <a14:hiddenLine xmlns:a14="http://schemas.microsoft.com/office/drawing/2010/main" xmlns="" w="9525">
                   <a:solidFill>
                     <a:srgbClr val="000000"/>
                   </a:solidFill>
@@ -3429,7 +3429,7 @@
             </a:ln>
             <a:extLst>
               <a:ext uri="{91240B29-F687-4f45-9708-019B960494DF}">
-                <a14:hiddenLine xmlns="" xmlns:a14="http://schemas.microsoft.com/office/drawing/2010/main" w="9525">
+                <a14:hiddenLine xmlns:a14="http://schemas.microsoft.com/office/drawing/2010/main" xmlns="" w="9525">
                   <a:solidFill>
                     <a:srgbClr val="000000"/>
                   </a:solidFill>
@@ -3519,7 +3519,7 @@
             </a:ln>
             <a:extLst>
               <a:ext uri="{91240B29-F687-4f45-9708-019B960494DF}">
-                <a14:hiddenLine xmlns="" xmlns:a14="http://schemas.microsoft.com/office/drawing/2010/main" w="9525">
+                <a14:hiddenLine xmlns:a14="http://schemas.microsoft.com/office/drawing/2010/main" xmlns="" w="9525">
                   <a:solidFill>
                     <a:srgbClr val="000000"/>
                   </a:solidFill>
@@ -3609,7 +3609,7 @@
             </a:ln>
             <a:extLst>
               <a:ext uri="{91240B29-F687-4f45-9708-019B960494DF}">
-                <a14:hiddenLine xmlns="" xmlns:a14="http://schemas.microsoft.com/office/drawing/2010/main" w="9525">
+                <a14:hiddenLine xmlns:a14="http://schemas.microsoft.com/office/drawing/2010/main" xmlns="" w="9525">
                   <a:solidFill>
                     <a:srgbClr val="000000"/>
                   </a:solidFill>
@@ -3674,7 +3674,7 @@
             </a:ln>
             <a:extLst>
               <a:ext uri="{91240B29-F687-4f45-9708-019B960494DF}">
-                <a14:hiddenLine xmlns="" xmlns:a14="http://schemas.microsoft.com/office/drawing/2010/main" w="9525">
+                <a14:hiddenLine xmlns:a14="http://schemas.microsoft.com/office/drawing/2010/main" xmlns="" w="9525">
                   <a:solidFill>
                     <a:srgbClr val="000000"/>
                   </a:solidFill>
@@ -3736,7 +3736,7 @@
             </a:ln>
             <a:extLst>
               <a:ext uri="{91240B29-F687-4f45-9708-019B960494DF}">
-                <a14:hiddenLine xmlns="" xmlns:a14="http://schemas.microsoft.com/office/drawing/2010/main" w="9525">
+                <a14:hiddenLine xmlns:a14="http://schemas.microsoft.com/office/drawing/2010/main" xmlns="" w="9525">
                   <a:solidFill>
                     <a:srgbClr val="000000"/>
                   </a:solidFill>
@@ -3826,7 +3826,7 @@
             </a:ln>
             <a:extLst>
               <a:ext uri="{91240B29-F687-4f45-9708-019B960494DF}">
-                <a14:hiddenLine xmlns="" xmlns:a14="http://schemas.microsoft.com/office/drawing/2010/main" w="9525">
+                <a14:hiddenLine xmlns:a14="http://schemas.microsoft.com/office/drawing/2010/main" xmlns="" w="9525">
                   <a:solidFill>
                     <a:srgbClr val="000000"/>
                   </a:solidFill>
@@ -3916,7 +3916,7 @@
             </a:ln>
             <a:extLst>
               <a:ext uri="{91240B29-F687-4f45-9708-019B960494DF}">
-                <a14:hiddenLine xmlns="" xmlns:a14="http://schemas.microsoft.com/office/drawing/2010/main" w="9525">
+                <a14:hiddenLine xmlns:a14="http://schemas.microsoft.com/office/drawing/2010/main" xmlns="" w="9525">
                   <a:solidFill>
                     <a:srgbClr val="000000"/>
                   </a:solidFill>
@@ -3978,7 +3978,7 @@
             </a:ln>
             <a:extLst>
               <a:ext uri="{91240B29-F687-4f45-9708-019B960494DF}">
-                <a14:hiddenLine xmlns="" xmlns:a14="http://schemas.microsoft.com/office/drawing/2010/main" w="9525">
+                <a14:hiddenLine xmlns:a14="http://schemas.microsoft.com/office/drawing/2010/main" xmlns="" w="9525">
                   <a:solidFill>
                     <a:srgbClr val="000000"/>
                   </a:solidFill>
@@ -4098,7 +4098,7 @@
             </a:ln>
             <a:extLst>
               <a:ext uri="{91240B29-F687-4f45-9708-019B960494DF}">
-                <a14:hiddenLine xmlns="" xmlns:a14="http://schemas.microsoft.com/office/drawing/2010/main" w="9525">
+                <a14:hiddenLine xmlns:a14="http://schemas.microsoft.com/office/drawing/2010/main" xmlns="" w="9525">
                   <a:solidFill>
                     <a:srgbClr val="000000"/>
                   </a:solidFill>
@@ -4166,7 +4166,7 @@
             </a:ln>
             <a:extLst>
               <a:ext uri="{91240B29-F687-4f45-9708-019B960494DF}">
-                <a14:hiddenLine xmlns="" xmlns:a14="http://schemas.microsoft.com/office/drawing/2010/main" w="9525">
+                <a14:hiddenLine xmlns:a14="http://schemas.microsoft.com/office/drawing/2010/main" xmlns="" w="9525">
                   <a:solidFill>
                     <a:srgbClr val="000000"/>
                   </a:solidFill>
@@ -4256,7 +4256,7 @@
             </a:ln>
             <a:extLst>
               <a:ext uri="{91240B29-F687-4f45-9708-019B960494DF}">
-                <a14:hiddenLine xmlns="" xmlns:a14="http://schemas.microsoft.com/office/drawing/2010/main" w="9525">
+                <a14:hiddenLine xmlns:a14="http://schemas.microsoft.com/office/drawing/2010/main" xmlns="" w="9525">
                   <a:solidFill>
                     <a:srgbClr val="000000"/>
                   </a:solidFill>
@@ -4396,7 +4396,7 @@
           <a:p>
             <a:fld id="{48A87A34-81AB-432B-8DAE-1953F412C126}" type="datetimeFigureOut">
               <a:rPr lang="en-US" dirty="0"/>
-              <a:t>4/10/2018</a:t>
+              <a:t>4/11/2018</a:t>
             </a:fld>
             <a:endParaRPr lang="en-US" dirty="0"/>
           </a:p>
@@ -4658,7 +4658,7 @@
           <a:p>
             <a:fld id="{48A87A34-81AB-432B-8DAE-1953F412C126}" type="datetimeFigureOut">
               <a:rPr lang="en-US" dirty="0"/>
-              <a:t>4/10/2018</a:t>
+              <a:t>4/11/2018</a:t>
             </a:fld>
             <a:endParaRPr lang="en-US" dirty="0"/>
           </a:p>
@@ -4849,7 +4849,7 @@
           <a:p>
             <a:fld id="{48A87A34-81AB-432B-8DAE-1953F412C126}" type="datetimeFigureOut">
               <a:rPr lang="en-US" dirty="0"/>
-              <a:t>4/10/2018</a:t>
+              <a:t>4/11/2018</a:t>
             </a:fld>
             <a:endParaRPr lang="en-US" dirty="0"/>
           </a:p>
@@ -5107,7 +5107,7 @@
           <a:p>
             <a:fld id="{48A87A34-81AB-432B-8DAE-1953F412C126}" type="datetimeFigureOut">
               <a:rPr lang="en-US" dirty="0"/>
-              <a:t>4/10/2018</a:t>
+              <a:t>4/11/2018</a:t>
             </a:fld>
             <a:endParaRPr lang="en-US" dirty="0"/>
           </a:p>
@@ -5536,7 +5536,7 @@
           <a:p>
             <a:fld id="{48A87A34-81AB-432B-8DAE-1953F412C126}" type="datetimeFigureOut">
               <a:rPr lang="en-US" dirty="0"/>
-              <a:t>4/10/2018</a:t>
+              <a:t>4/11/2018</a:t>
             </a:fld>
             <a:endParaRPr lang="en-US" dirty="0"/>
           </a:p>
@@ -6077,7 +6077,7 @@
           <a:p>
             <a:fld id="{48A87A34-81AB-432B-8DAE-1953F412C126}" type="datetimeFigureOut">
               <a:rPr lang="en-US" dirty="0"/>
-              <a:t>4/10/2018</a:t>
+              <a:t>4/11/2018</a:t>
             </a:fld>
             <a:endParaRPr lang="en-US" dirty="0"/>
           </a:p>
@@ -6792,7 +6792,7 @@
           <a:p>
             <a:fld id="{48A87A34-81AB-432B-8DAE-1953F412C126}" type="datetimeFigureOut">
               <a:rPr lang="en-US" dirty="0"/>
-              <a:t>4/10/2018</a:t>
+              <a:t>4/11/2018</a:t>
             </a:fld>
             <a:endParaRPr lang="en-US" dirty="0"/>
           </a:p>
@@ -6957,7 +6957,7 @@
           <a:p>
             <a:fld id="{48A87A34-81AB-432B-8DAE-1953F412C126}" type="datetimeFigureOut">
               <a:rPr lang="en-US" dirty="0"/>
-              <a:t>4/10/2018</a:t>
+              <a:t>4/11/2018</a:t>
             </a:fld>
             <a:endParaRPr lang="en-US" dirty="0"/>
           </a:p>
@@ -7132,7 +7132,7 @@
           <a:p>
             <a:fld id="{48A87A34-81AB-432B-8DAE-1953F412C126}" type="datetimeFigureOut">
               <a:rPr lang="en-US" dirty="0"/>
-              <a:t>4/10/2018</a:t>
+              <a:t>4/11/2018</a:t>
             </a:fld>
             <a:endParaRPr lang="en-US" dirty="0"/>
           </a:p>
@@ -7297,7 +7297,7 @@
           <a:p>
             <a:fld id="{48A87A34-81AB-432B-8DAE-1953F412C126}" type="datetimeFigureOut">
               <a:rPr lang="en-US" dirty="0"/>
-              <a:t>4/10/2018</a:t>
+              <a:t>4/11/2018</a:t>
             </a:fld>
             <a:endParaRPr lang="en-US" dirty="0"/>
           </a:p>
@@ -7542,7 +7542,7 @@
           <a:p>
             <a:fld id="{48A87A34-81AB-432B-8DAE-1953F412C126}" type="datetimeFigureOut">
               <a:rPr lang="en-US" dirty="0"/>
-              <a:t>4/10/2018</a:t>
+              <a:t>4/11/2018</a:t>
             </a:fld>
             <a:endParaRPr lang="en-US" dirty="0"/>
           </a:p>
@@ -7769,7 +7769,7 @@
           <a:p>
             <a:fld id="{48A87A34-81AB-432B-8DAE-1953F412C126}" type="datetimeFigureOut">
               <a:rPr lang="en-US" dirty="0"/>
-              <a:t>4/10/2018</a:t>
+              <a:t>4/11/2018</a:t>
             </a:fld>
             <a:endParaRPr lang="en-US" dirty="0"/>
           </a:p>
@@ -8145,7 +8145,7 @@
           <a:p>
             <a:fld id="{48A87A34-81AB-432B-8DAE-1953F412C126}" type="datetimeFigureOut">
               <a:rPr lang="en-US" dirty="0"/>
-              <a:t>4/10/2018</a:t>
+              <a:t>4/11/2018</a:t>
             </a:fld>
             <a:endParaRPr lang="en-US" dirty="0"/>
           </a:p>
@@ -8258,7 +8258,7 @@
           <a:p>
             <a:fld id="{48A87A34-81AB-432B-8DAE-1953F412C126}" type="datetimeFigureOut">
               <a:rPr lang="en-US" dirty="0"/>
-              <a:t>4/10/2018</a:t>
+              <a:t>4/11/2018</a:t>
             </a:fld>
             <a:endParaRPr lang="en-US" dirty="0"/>
           </a:p>
@@ -8348,7 +8348,7 @@
           <a:p>
             <a:fld id="{48A87A34-81AB-432B-8DAE-1953F412C126}" type="datetimeFigureOut">
               <a:rPr lang="en-US" dirty="0"/>
-              <a:t>4/10/2018</a:t>
+              <a:t>4/11/2018</a:t>
             </a:fld>
             <a:endParaRPr lang="en-US" dirty="0"/>
           </a:p>
@@ -8592,7 +8592,7 @@
           <a:p>
             <a:fld id="{48A87A34-81AB-432B-8DAE-1953F412C126}" type="datetimeFigureOut">
               <a:rPr lang="en-US" dirty="0"/>
-              <a:t>4/10/2018</a:t>
+              <a:t>4/11/2018</a:t>
             </a:fld>
             <a:endParaRPr lang="en-US" dirty="0"/>
           </a:p>
@@ -8867,7 +8867,7 @@
           <a:p>
             <a:fld id="{48A87A34-81AB-432B-8DAE-1953F412C126}" type="datetimeFigureOut">
               <a:rPr lang="en-US" dirty="0"/>
-              <a:t>4/10/2018</a:t>
+              <a:t>4/11/2018</a:t>
             </a:fld>
             <a:endParaRPr lang="en-US" dirty="0"/>
           </a:p>
@@ -8978,7 +8978,7 @@
           <a:noFill/>
           <a:extLst>
             <a:ext uri="{909E8E84-426E-40dd-AFC4-6F175D3DCCD1}">
-              <a14:hiddenFill xmlns="" xmlns:a14="http://schemas.microsoft.com/office/drawing/2010/main">
+              <a14:hiddenFill xmlns:a14="http://schemas.microsoft.com/office/drawing/2010/main" xmlns="">
                 <a:solidFill>
                   <a:srgbClr val="FFFFFF"/>
                 </a:solidFill>
@@ -9052,7 +9052,7 @@
               </a:ln>
               <a:extLst>
                 <a:ext uri="{91240B29-F687-4f45-9708-019B960494DF}">
-                  <a14:hiddenLine xmlns="" xmlns:a14="http://schemas.microsoft.com/office/drawing/2010/main" w="9525">
+                  <a14:hiddenLine xmlns:a14="http://schemas.microsoft.com/office/drawing/2010/main" xmlns="" w="9525">
                     <a:solidFill>
                       <a:srgbClr val="000000"/>
                     </a:solidFill>
@@ -9142,7 +9142,7 @@
               </a:ln>
               <a:extLst>
                 <a:ext uri="{91240B29-F687-4f45-9708-019B960494DF}">
-                  <a14:hiddenLine xmlns="" xmlns:a14="http://schemas.microsoft.com/office/drawing/2010/main" w="9525">
+                  <a14:hiddenLine xmlns:a14="http://schemas.microsoft.com/office/drawing/2010/main" xmlns="" w="9525">
                     <a:solidFill>
                       <a:srgbClr val="000000"/>
                     </a:solidFill>
@@ -9232,7 +9232,7 @@
               </a:ln>
               <a:extLst>
                 <a:ext uri="{91240B29-F687-4f45-9708-019B960494DF}">
-                  <a14:hiddenLine xmlns="" xmlns:a14="http://schemas.microsoft.com/office/drawing/2010/main" w="9525">
+                  <a14:hiddenLine xmlns:a14="http://schemas.microsoft.com/office/drawing/2010/main" xmlns="" w="9525">
                     <a:solidFill>
                       <a:srgbClr val="000000"/>
                     </a:solidFill>
@@ -9294,7 +9294,7 @@
               </a:ln>
               <a:extLst>
                 <a:ext uri="{91240B29-F687-4f45-9708-019B960494DF}">
-                  <a14:hiddenLine xmlns="" xmlns:a14="http://schemas.microsoft.com/office/drawing/2010/main" w="9525">
+                  <a14:hiddenLine xmlns:a14="http://schemas.microsoft.com/office/drawing/2010/main" xmlns="" w="9525">
                     <a:solidFill>
                       <a:srgbClr val="000000"/>
                     </a:solidFill>
@@ -9384,7 +9384,7 @@
               </a:ln>
               <a:extLst>
                 <a:ext uri="{91240B29-F687-4f45-9708-019B960494DF}">
-                  <a14:hiddenLine xmlns="" xmlns:a14="http://schemas.microsoft.com/office/drawing/2010/main" w="9525">
+                  <a14:hiddenLine xmlns:a14="http://schemas.microsoft.com/office/drawing/2010/main" xmlns="" w="9525">
                     <a:solidFill>
                       <a:srgbClr val="000000"/>
                     </a:solidFill>
@@ -9446,7 +9446,7 @@
               </a:ln>
               <a:extLst>
                 <a:ext uri="{91240B29-F687-4f45-9708-019B960494DF}">
-                  <a14:hiddenLine xmlns="" xmlns:a14="http://schemas.microsoft.com/office/drawing/2010/main" w="9525">
+                  <a14:hiddenLine xmlns:a14="http://schemas.microsoft.com/office/drawing/2010/main" xmlns="" w="9525">
                     <a:solidFill>
                       <a:srgbClr val="000000"/>
                     </a:solidFill>
@@ -9508,7 +9508,7 @@
               </a:ln>
               <a:extLst>
                 <a:ext uri="{91240B29-F687-4f45-9708-019B960494DF}">
-                  <a14:hiddenLine xmlns="" xmlns:a14="http://schemas.microsoft.com/office/drawing/2010/main" w="9525">
+                  <a14:hiddenLine xmlns:a14="http://schemas.microsoft.com/office/drawing/2010/main" xmlns="" w="9525">
                     <a:solidFill>
                       <a:srgbClr val="000000"/>
                     </a:solidFill>
@@ -9598,7 +9598,7 @@
               </a:ln>
               <a:extLst>
                 <a:ext uri="{91240B29-F687-4f45-9708-019B960494DF}">
-                  <a14:hiddenLine xmlns="" xmlns:a14="http://schemas.microsoft.com/office/drawing/2010/main" w="9525">
+                  <a14:hiddenLine xmlns:a14="http://schemas.microsoft.com/office/drawing/2010/main" xmlns="" w="9525">
                     <a:solidFill>
                       <a:srgbClr val="000000"/>
                     </a:solidFill>
@@ -9688,7 +9688,7 @@
               </a:ln>
               <a:extLst>
                 <a:ext uri="{91240B29-F687-4f45-9708-019B960494DF}">
-                  <a14:hiddenLine xmlns="" xmlns:a14="http://schemas.microsoft.com/office/drawing/2010/main" w="9525">
+                  <a14:hiddenLine xmlns:a14="http://schemas.microsoft.com/office/drawing/2010/main" xmlns="" w="9525">
                     <a:solidFill>
                       <a:srgbClr val="000000"/>
                     </a:solidFill>
@@ -9750,7 +9750,7 @@
               </a:ln>
               <a:extLst>
                 <a:ext uri="{91240B29-F687-4f45-9708-019B960494DF}">
-                  <a14:hiddenLine xmlns="" xmlns:a14="http://schemas.microsoft.com/office/drawing/2010/main" w="9525">
+                  <a14:hiddenLine xmlns:a14="http://schemas.microsoft.com/office/drawing/2010/main" xmlns="" w="9525">
                     <a:solidFill>
                       <a:srgbClr val="000000"/>
                     </a:solidFill>
@@ -9860,7 +9860,7 @@
               </a:ln>
               <a:extLst>
                 <a:ext uri="{91240B29-F687-4f45-9708-019B960494DF}">
-                  <a14:hiddenLine xmlns="" xmlns:a14="http://schemas.microsoft.com/office/drawing/2010/main" w="9525">
+                  <a14:hiddenLine xmlns:a14="http://schemas.microsoft.com/office/drawing/2010/main" xmlns="" w="9525">
                     <a:solidFill>
                       <a:srgbClr val="000000"/>
                     </a:solidFill>
@@ -9944,7 +9944,7 @@
               </a:ln>
               <a:extLst>
                 <a:ext uri="{91240B29-F687-4f45-9708-019B960494DF}">
-                  <a14:hiddenLine xmlns="" xmlns:a14="http://schemas.microsoft.com/office/drawing/2010/main" w="9525">
+                  <a14:hiddenLine xmlns:a14="http://schemas.microsoft.com/office/drawing/2010/main" xmlns="" w="9525">
                     <a:solidFill>
                       <a:srgbClr val="000000"/>
                     </a:solidFill>
@@ -10006,7 +10006,7 @@
               </a:ln>
               <a:extLst>
                 <a:ext uri="{91240B29-F687-4f45-9708-019B960494DF}">
-                  <a14:hiddenLine xmlns="" xmlns:a14="http://schemas.microsoft.com/office/drawing/2010/main" w="9525">
+                  <a14:hiddenLine xmlns:a14="http://schemas.microsoft.com/office/drawing/2010/main" xmlns="" w="9525">
                     <a:solidFill>
                       <a:srgbClr val="000000"/>
                     </a:solidFill>
@@ -10068,7 +10068,7 @@
               </a:ln>
               <a:extLst>
                 <a:ext uri="{91240B29-F687-4f45-9708-019B960494DF}">
-                  <a14:hiddenLine xmlns="" xmlns:a14="http://schemas.microsoft.com/office/drawing/2010/main" w="9525">
+                  <a14:hiddenLine xmlns:a14="http://schemas.microsoft.com/office/drawing/2010/main" xmlns="" w="9525">
                     <a:solidFill>
                       <a:srgbClr val="000000"/>
                     </a:solidFill>
@@ -10158,7 +10158,7 @@
               </a:ln>
               <a:extLst>
                 <a:ext uri="{91240B29-F687-4f45-9708-019B960494DF}">
-                  <a14:hiddenLine xmlns="" xmlns:a14="http://schemas.microsoft.com/office/drawing/2010/main" w="9525">
+                  <a14:hiddenLine xmlns:a14="http://schemas.microsoft.com/office/drawing/2010/main" xmlns="" w="9525">
                     <a:solidFill>
                       <a:srgbClr val="000000"/>
                     </a:solidFill>
@@ -10192,7 +10192,7 @@
               </a:ln>
               <a:extLst>
                 <a:ext uri="{91240B29-F687-4f45-9708-019B960494DF}">
-                  <a14:hiddenLine xmlns="" xmlns:a14="http://schemas.microsoft.com/office/drawing/2010/main" w="9525">
+                  <a14:hiddenLine xmlns:a14="http://schemas.microsoft.com/office/drawing/2010/main" xmlns="" w="9525">
                     <a:solidFill>
                       <a:srgbClr val="000000"/>
                     </a:solidFill>
@@ -10257,7 +10257,7 @@
               </a:ln>
               <a:extLst>
                 <a:ext uri="{91240B29-F687-4f45-9708-019B960494DF}">
-                  <a14:hiddenLine xmlns="" xmlns:a14="http://schemas.microsoft.com/office/drawing/2010/main" w="9525">
+                  <a14:hiddenLine xmlns:a14="http://schemas.microsoft.com/office/drawing/2010/main" xmlns="" w="9525">
                     <a:solidFill>
                       <a:srgbClr val="000000"/>
                     </a:solidFill>
@@ -10347,7 +10347,7 @@
               </a:ln>
               <a:extLst>
                 <a:ext uri="{91240B29-F687-4f45-9708-019B960494DF}">
-                  <a14:hiddenLine xmlns="" xmlns:a14="http://schemas.microsoft.com/office/drawing/2010/main" w="9525">
+                  <a14:hiddenLine xmlns:a14="http://schemas.microsoft.com/office/drawing/2010/main" xmlns="" w="9525">
                     <a:solidFill>
                       <a:srgbClr val="000000"/>
                     </a:solidFill>
@@ -10409,7 +10409,7 @@
               </a:ln>
               <a:extLst>
                 <a:ext uri="{91240B29-F687-4f45-9708-019B960494DF}">
-                  <a14:hiddenLine xmlns="" xmlns:a14="http://schemas.microsoft.com/office/drawing/2010/main" w="9525">
+                  <a14:hiddenLine xmlns:a14="http://schemas.microsoft.com/office/drawing/2010/main" xmlns="" w="9525">
                     <a:solidFill>
                       <a:srgbClr val="000000"/>
                     </a:solidFill>
@@ -10499,7 +10499,7 @@
               </a:ln>
               <a:extLst>
                 <a:ext uri="{91240B29-F687-4f45-9708-019B960494DF}">
-                  <a14:hiddenLine xmlns="" xmlns:a14="http://schemas.microsoft.com/office/drawing/2010/main" w="9525">
+                  <a14:hiddenLine xmlns:a14="http://schemas.microsoft.com/office/drawing/2010/main" xmlns="" w="9525">
                     <a:solidFill>
                       <a:srgbClr val="000000"/>
                     </a:solidFill>
@@ -10564,7 +10564,7 @@
               </a:ln>
               <a:extLst>
                 <a:ext uri="{91240B29-F687-4f45-9708-019B960494DF}">
-                  <a14:hiddenLine xmlns="" xmlns:a14="http://schemas.microsoft.com/office/drawing/2010/main" w="9525">
+                  <a14:hiddenLine xmlns:a14="http://schemas.microsoft.com/office/drawing/2010/main" xmlns="" w="9525">
                     <a:solidFill>
                       <a:srgbClr val="000000"/>
                     </a:solidFill>
@@ -10626,7 +10626,7 @@
               </a:ln>
               <a:extLst>
                 <a:ext uri="{91240B29-F687-4f45-9708-019B960494DF}">
-                  <a14:hiddenLine xmlns="" xmlns:a14="http://schemas.microsoft.com/office/drawing/2010/main" w="9525">
+                  <a14:hiddenLine xmlns:a14="http://schemas.microsoft.com/office/drawing/2010/main" xmlns="" w="9525">
                     <a:solidFill>
                       <a:srgbClr val="000000"/>
                     </a:solidFill>
@@ -10716,7 +10716,7 @@
               </a:ln>
               <a:extLst>
                 <a:ext uri="{91240B29-F687-4f45-9708-019B960494DF}">
-                  <a14:hiddenLine xmlns="" xmlns:a14="http://schemas.microsoft.com/office/drawing/2010/main" w="9525">
+                  <a14:hiddenLine xmlns:a14="http://schemas.microsoft.com/office/drawing/2010/main" xmlns="" w="9525">
                     <a:solidFill>
                       <a:srgbClr val="000000"/>
                     </a:solidFill>
@@ -10806,7 +10806,7 @@
               </a:ln>
               <a:extLst>
                 <a:ext uri="{91240B29-F687-4f45-9708-019B960494DF}">
-                  <a14:hiddenLine xmlns="" xmlns:a14="http://schemas.microsoft.com/office/drawing/2010/main" w="9525">
+                  <a14:hiddenLine xmlns:a14="http://schemas.microsoft.com/office/drawing/2010/main" xmlns="" w="9525">
                     <a:solidFill>
                       <a:srgbClr val="000000"/>
                     </a:solidFill>
@@ -10871,7 +10871,7 @@
               </a:ln>
               <a:extLst>
                 <a:ext uri="{91240B29-F687-4f45-9708-019B960494DF}">
-                  <a14:hiddenLine xmlns="" xmlns:a14="http://schemas.microsoft.com/office/drawing/2010/main" w="9525">
+                  <a14:hiddenLine xmlns:a14="http://schemas.microsoft.com/office/drawing/2010/main" xmlns="" w="9525">
                     <a:solidFill>
                       <a:srgbClr val="000000"/>
                     </a:solidFill>
@@ -10991,7 +10991,7 @@
               </a:ln>
               <a:extLst>
                 <a:ext uri="{91240B29-F687-4f45-9708-019B960494DF}">
-                  <a14:hiddenLine xmlns="" xmlns:a14="http://schemas.microsoft.com/office/drawing/2010/main" w="9525">
+                  <a14:hiddenLine xmlns:a14="http://schemas.microsoft.com/office/drawing/2010/main" xmlns="" w="9525">
                     <a:solidFill>
                       <a:srgbClr val="000000"/>
                     </a:solidFill>
@@ -11089,7 +11089,7 @@
               </a:ln>
               <a:extLst>
                 <a:ext uri="{91240B29-F687-4f45-9708-019B960494DF}">
-                  <a14:hiddenLine xmlns="" xmlns:a14="http://schemas.microsoft.com/office/drawing/2010/main" w="9525">
+                  <a14:hiddenLine xmlns:a14="http://schemas.microsoft.com/office/drawing/2010/main" xmlns="" w="9525">
                     <a:solidFill>
                       <a:srgbClr val="000000"/>
                     </a:solidFill>
@@ -11204,7 +11204,7 @@
               </a:ln>
               <a:extLst>
                 <a:ext uri="{91240B29-F687-4f45-9708-019B960494DF}">
-                  <a14:hiddenLine xmlns="" xmlns:a14="http://schemas.microsoft.com/office/drawing/2010/main" w="9525">
+                  <a14:hiddenLine xmlns:a14="http://schemas.microsoft.com/office/drawing/2010/main" xmlns="" w="9525">
                     <a:solidFill>
                       <a:srgbClr val="000000"/>
                     </a:solidFill>
@@ -11294,7 +11294,7 @@
               </a:ln>
               <a:extLst>
                 <a:ext uri="{91240B29-F687-4f45-9708-019B960494DF}">
-                  <a14:hiddenLine xmlns="" xmlns:a14="http://schemas.microsoft.com/office/drawing/2010/main" w="9525">
+                  <a14:hiddenLine xmlns:a14="http://schemas.microsoft.com/office/drawing/2010/main" xmlns="" w="9525">
                     <a:solidFill>
                       <a:srgbClr val="000000"/>
                     </a:solidFill>
@@ -11359,7 +11359,7 @@
               </a:ln>
               <a:extLst>
                 <a:ext uri="{91240B29-F687-4f45-9708-019B960494DF}">
-                  <a14:hiddenLine xmlns="" xmlns:a14="http://schemas.microsoft.com/office/drawing/2010/main" w="9525">
+                  <a14:hiddenLine xmlns:a14="http://schemas.microsoft.com/office/drawing/2010/main" xmlns="" w="9525">
                     <a:solidFill>
                       <a:srgbClr val="000000"/>
                     </a:solidFill>
@@ -11449,7 +11449,7 @@
               </a:ln>
               <a:extLst>
                 <a:ext uri="{91240B29-F687-4f45-9708-019B960494DF}">
-                  <a14:hiddenLine xmlns="" xmlns:a14="http://schemas.microsoft.com/office/drawing/2010/main" w="9525">
+                  <a14:hiddenLine xmlns:a14="http://schemas.microsoft.com/office/drawing/2010/main" xmlns="" w="9525">
                     <a:solidFill>
                       <a:srgbClr val="000000"/>
                     </a:solidFill>
@@ -11517,7 +11517,7 @@
               </a:ln>
               <a:extLst>
                 <a:ext uri="{91240B29-F687-4f45-9708-019B960494DF}">
-                  <a14:hiddenLine xmlns="" xmlns:a14="http://schemas.microsoft.com/office/drawing/2010/main" w="9525">
+                  <a14:hiddenLine xmlns:a14="http://schemas.microsoft.com/office/drawing/2010/main" xmlns="" w="9525">
                     <a:solidFill>
                       <a:srgbClr val="000000"/>
                     </a:solidFill>
@@ -11607,7 +11607,7 @@
               </a:ln>
               <a:extLst>
                 <a:ext uri="{91240B29-F687-4f45-9708-019B960494DF}">
-                  <a14:hiddenLine xmlns="" xmlns:a14="http://schemas.microsoft.com/office/drawing/2010/main" w="9525">
+                  <a14:hiddenLine xmlns:a14="http://schemas.microsoft.com/office/drawing/2010/main" xmlns="" w="9525">
                     <a:solidFill>
                       <a:srgbClr val="000000"/>
                     </a:solidFill>
@@ -11675,7 +11675,7 @@
               </a:ln>
               <a:extLst>
                 <a:ext uri="{91240B29-F687-4f45-9708-019B960494DF}">
-                  <a14:hiddenLine xmlns="" xmlns:a14="http://schemas.microsoft.com/office/drawing/2010/main" w="9525">
+                  <a14:hiddenLine xmlns:a14="http://schemas.microsoft.com/office/drawing/2010/main" xmlns="" w="9525">
                     <a:solidFill>
                       <a:srgbClr val="000000"/>
                     </a:solidFill>
@@ -11765,7 +11765,7 @@
               </a:ln>
               <a:extLst>
                 <a:ext uri="{91240B29-F687-4f45-9708-019B960494DF}">
-                  <a14:hiddenLine xmlns="" xmlns:a14="http://schemas.microsoft.com/office/drawing/2010/main" w="9525">
+                  <a14:hiddenLine xmlns:a14="http://schemas.microsoft.com/office/drawing/2010/main" xmlns="" w="9525">
                     <a:solidFill>
                       <a:srgbClr val="000000"/>
                     </a:solidFill>
@@ -11799,7 +11799,7 @@
               </a:ln>
               <a:extLst>
                 <a:ext uri="{91240B29-F687-4f45-9708-019B960494DF}">
-                  <a14:hiddenLine xmlns="" xmlns:a14="http://schemas.microsoft.com/office/drawing/2010/main" w="9525">
+                  <a14:hiddenLine xmlns:a14="http://schemas.microsoft.com/office/drawing/2010/main" xmlns="" w="9525">
                     <a:solidFill>
                       <a:srgbClr val="000000"/>
                     </a:solidFill>
@@ -11940,7 +11940,7 @@
             <a:fld id="{48A87A34-81AB-432B-8DAE-1953F412C126}" type="datetimeFigureOut">
               <a:rPr lang="en-US" dirty="0"/>
               <a:pPr/>
-              <a:t>4/10/2018</a:t>
+              <a:t>4/11/2018</a:t>
             </a:fld>
             <a:endParaRPr lang="en-US" dirty="0"/>
           </a:p>
@@ -12447,6 +12447,250 @@
           <p:cNvPr id="2" name="Title 1">
             <a:extLst>
               <a:ext uri="{FF2B5EF4-FFF2-40B4-BE49-F238E27FC236}">
+                <a16:creationId xmlns:a16="http://schemas.microsoft.com/office/drawing/2014/main" id="{2F08B632-2394-4DE4-A280-9D13760E30C4}"/>
+              </a:ext>
+            </a:extLst>
+          </p:cNvPr>
+          <p:cNvSpPr>
+            <a:spLocks noGrp="1"/>
+          </p:cNvSpPr>
+          <p:nvPr>
+            <p:ph type="title"/>
+          </p:nvPr>
+        </p:nvSpPr>
+        <p:spPr/>
+        <p:txBody>
+          <a:bodyPr/>
+          <a:lstStyle/>
+          <a:p>
+            <a:r>
+              <a:rPr lang="en-US" dirty="0"/>
+              <a:t>Project Goal</a:t>
+            </a:r>
+          </a:p>
+        </p:txBody>
+      </p:sp>
+      <p:sp>
+        <p:nvSpPr>
+          <p:cNvPr id="3" name="Content Placeholder 2">
+            <a:extLst>
+              <a:ext uri="{FF2B5EF4-FFF2-40B4-BE49-F238E27FC236}">
+                <a16:creationId xmlns:a16="http://schemas.microsoft.com/office/drawing/2014/main" id="{992BF6D6-1D46-4911-996B-B3C2154A641E}"/>
+              </a:ext>
+            </a:extLst>
+          </p:cNvPr>
+          <p:cNvSpPr>
+            <a:spLocks noGrp="1"/>
+          </p:cNvSpPr>
+          <p:nvPr>
+            <p:ph idx="1"/>
+          </p:nvPr>
+        </p:nvSpPr>
+        <p:spPr/>
+        <p:txBody>
+          <a:bodyPr/>
+          <a:lstStyle/>
+          <a:p>
+            <a:r>
+              <a:rPr lang="en-US" dirty="0"/>
+              <a:t>The goal of this project is to observe LDA with the 40 samples from the ATT database using the first five images as training and comparing those results with the PCA results for the same </a:t>
+            </a:r>
+            <a:r>
+              <a:rPr lang="en-US" dirty="0" err="1"/>
+              <a:t>critera</a:t>
+            </a:r>
+            <a:r>
+              <a:rPr lang="en-US" dirty="0"/>
+              <a:t> (mode)</a:t>
+            </a:r>
+          </a:p>
+        </p:txBody>
+      </p:sp>
+    </p:spTree>
+    <p:extLst>
+      <p:ext uri="{BB962C8B-B14F-4D97-AF65-F5344CB8AC3E}">
+        <p14:creationId xmlns:p14="http://schemas.microsoft.com/office/powerpoint/2010/main" val="2064889227"/>
+      </p:ext>
+    </p:extLst>
+  </p:cSld>
+  <p:clrMapOvr>
+    <a:masterClrMapping/>
+  </p:clrMapOvr>
+</p:sld>
+</file>
+
+<file path=ppt/slides/slide3.xml><?xml version="1.0" encoding="utf-8"?>
+<p:sld xmlns:a="http://schemas.openxmlformats.org/drawingml/2006/main" xmlns:r="http://schemas.openxmlformats.org/officeDocument/2006/relationships" xmlns:p="http://schemas.openxmlformats.org/presentationml/2006/main">
+  <p:cSld>
+    <p:spTree>
+      <p:nvGrpSpPr>
+        <p:cNvPr id="1" name=""/>
+        <p:cNvGrpSpPr/>
+        <p:nvPr/>
+      </p:nvGrpSpPr>
+      <p:grpSpPr>
+        <a:xfrm>
+          <a:off x="0" y="0"/>
+          <a:ext cx="0" cy="0"/>
+          <a:chOff x="0" y="0"/>
+          <a:chExt cx="0" cy="0"/>
+        </a:xfrm>
+      </p:grpSpPr>
+      <p:sp>
+        <p:nvSpPr>
+          <p:cNvPr id="2" name="Title 1">
+            <a:extLst>
+              <a:ext uri="{FF2B5EF4-FFF2-40B4-BE49-F238E27FC236}">
+                <a16:creationId xmlns:a16="http://schemas.microsoft.com/office/drawing/2014/main" id="{990BCCF4-E0BE-45A6-BCB3-58EC5479AD1D}"/>
+              </a:ext>
+            </a:extLst>
+          </p:cNvPr>
+          <p:cNvSpPr>
+            <a:spLocks noGrp="1"/>
+          </p:cNvSpPr>
+          <p:nvPr>
+            <p:ph type="title"/>
+          </p:nvPr>
+        </p:nvSpPr>
+        <p:spPr>
+          <a:xfrm>
+            <a:off x="1141414" y="148894"/>
+            <a:ext cx="9905998" cy="1478570"/>
+          </a:xfrm>
+        </p:spPr>
+        <p:txBody>
+          <a:bodyPr/>
+          <a:lstStyle/>
+          <a:p>
+            <a:r>
+              <a:rPr lang="en-US" dirty="0"/>
+              <a:t>Steps</a:t>
+            </a:r>
+          </a:p>
+        </p:txBody>
+      </p:sp>
+      <p:sp>
+        <p:nvSpPr>
+          <p:cNvPr id="3" name="Content Placeholder 2">
+            <a:extLst>
+              <a:ext uri="{FF2B5EF4-FFF2-40B4-BE49-F238E27FC236}">
+                <a16:creationId xmlns:a16="http://schemas.microsoft.com/office/drawing/2014/main" id="{4922DE75-1FDB-4BDF-A87E-5E05A41BF9D8}"/>
+              </a:ext>
+            </a:extLst>
+          </p:cNvPr>
+          <p:cNvSpPr>
+            <a:spLocks noGrp="1"/>
+          </p:cNvSpPr>
+          <p:nvPr>
+            <p:ph idx="1"/>
+          </p:nvPr>
+        </p:nvSpPr>
+        <p:spPr>
+          <a:xfrm>
+            <a:off x="1057014" y="1627464"/>
+            <a:ext cx="9990398" cy="4163737"/>
+          </a:xfrm>
+        </p:spPr>
+        <p:txBody>
+          <a:bodyPr>
+            <a:normAutofit fontScale="92500" lnSpcReduction="20000"/>
+          </a:bodyPr>
+          <a:lstStyle/>
+          <a:p>
+            <a:r>
+              <a:rPr lang="en-US" dirty="0"/>
+              <a:t>Import images from ATT database for first five images from ATT database for training</a:t>
+            </a:r>
+          </a:p>
+          <a:p>
+            <a:r>
+              <a:rPr lang="en-US" dirty="0"/>
+              <a:t>Obtain the average of the training data and normalize the results</a:t>
+            </a:r>
+          </a:p>
+          <a:p>
+            <a:r>
+              <a:rPr lang="en-US" dirty="0"/>
+              <a:t>Obtain the Scatter-Within (SW)</a:t>
+            </a:r>
+          </a:p>
+          <a:p>
+            <a:r>
+              <a:rPr lang="en-US" dirty="0"/>
+              <a:t>Obtain Scatter-Between (SB)</a:t>
+            </a:r>
+          </a:p>
+          <a:p>
+            <a:r>
+              <a:rPr lang="en-US" dirty="0"/>
+              <a:t>Get vector space and obtain eigenvalues/eigenvectors</a:t>
+            </a:r>
+          </a:p>
+          <a:p>
+            <a:r>
+              <a:rPr lang="en-US" dirty="0"/>
+              <a:t>Using test images which are last five images from ATT database for all subjects and multiply it by the </a:t>
+            </a:r>
+            <a:r>
+              <a:rPr lang="en-US" dirty="0" err="1"/>
+              <a:t>vectorspace</a:t>
+            </a:r>
+            <a:endParaRPr lang="en-US" dirty="0"/>
+          </a:p>
+          <a:p>
+            <a:r>
+              <a:rPr lang="en-US" dirty="0"/>
+              <a:t>Setup labels and run the </a:t>
+            </a:r>
+            <a:r>
+              <a:rPr lang="en-US" dirty="0" err="1"/>
+              <a:t>EZRoc</a:t>
+            </a:r>
+            <a:r>
+              <a:rPr lang="en-US" dirty="0"/>
+              <a:t> equation to obtain the ROC curve and results</a:t>
+            </a:r>
+          </a:p>
+          <a:p>
+            <a:endParaRPr lang="en-US" dirty="0"/>
+          </a:p>
+        </p:txBody>
+      </p:sp>
+    </p:spTree>
+    <p:extLst>
+      <p:ext uri="{BB962C8B-B14F-4D97-AF65-F5344CB8AC3E}">
+        <p14:creationId xmlns:p14="http://schemas.microsoft.com/office/powerpoint/2010/main" val="1799842345"/>
+      </p:ext>
+    </p:extLst>
+  </p:cSld>
+  <p:clrMapOvr>
+    <a:masterClrMapping/>
+  </p:clrMapOvr>
+</p:sld>
+</file>
+
+<file path=ppt/slides/slide4.xml><?xml version="1.0" encoding="utf-8"?>
+<p:sld xmlns:a="http://schemas.openxmlformats.org/drawingml/2006/main" xmlns:r="http://schemas.openxmlformats.org/officeDocument/2006/relationships" xmlns:p="http://schemas.openxmlformats.org/presentationml/2006/main">
+  <p:cSld>
+    <p:spTree>
+      <p:nvGrpSpPr>
+        <p:cNvPr id="1" name=""/>
+        <p:cNvGrpSpPr/>
+        <p:nvPr/>
+      </p:nvGrpSpPr>
+      <p:grpSpPr>
+        <a:xfrm>
+          <a:off x="0" y="0"/>
+          <a:ext cx="0" cy="0"/>
+          <a:chOff x="0" y="0"/>
+          <a:chExt cx="0" cy="0"/>
+        </a:xfrm>
+      </p:grpSpPr>
+      <p:sp>
+        <p:nvSpPr>
+          <p:cNvPr id="2" name="Title 1">
+            <a:extLst>
+              <a:ext uri="{FF2B5EF4-FFF2-40B4-BE49-F238E27FC236}">
                 <a16:creationId xmlns:a16="http://schemas.microsoft.com/office/drawing/2014/main" id="{61D74386-8370-46CC-A633-063B1CCC6EDD}"/>
               </a:ext>
             </a:extLst>
@@ -12745,7 +12989,7 @@
 </p:sld>
 </file>
 
-<file path=ppt/slides/slide3.xml><?xml version="1.0" encoding="utf-8"?>
+<file path=ppt/slides/slide5.xml><?xml version="1.0" encoding="utf-8"?>
 <p:sld xmlns:a="http://schemas.openxmlformats.org/drawingml/2006/main" xmlns:r="http://schemas.openxmlformats.org/officeDocument/2006/relationships" xmlns:p="http://schemas.openxmlformats.org/presentationml/2006/main">
   <p:cSld>
     <p:spTree>
@@ -12833,7 +13077,7 @@
 </p:sld>
 </file>
 
-<file path=ppt/slides/slide4.xml><?xml version="1.0" encoding="utf-8"?>
+<file path=ppt/slides/slide6.xml><?xml version="1.0" encoding="utf-8"?>
 <p:sld xmlns:a="http://schemas.openxmlformats.org/drawingml/2006/main" xmlns:r="http://schemas.openxmlformats.org/officeDocument/2006/relationships" xmlns:p="http://schemas.openxmlformats.org/presentationml/2006/main">
   <p:cSld>
     <p:spTree>
@@ -12936,7 +13180,383 @@
           <p:nvPr>
             <p:extLst>
               <p:ext uri="{D42A27DB-BD31-4B8C-83A1-F6EECF244321}">
-                <p14:modId xmlns:p14="http://schemas.microsoft.com/office/powerpoint/2010/main" val="2617168655"/>
+                <p14:modId xmlns:p14="http://schemas.microsoft.com/office/powerpoint/2010/main" val="4011371931"/>
+              </p:ext>
+            </p:extLst>
+          </p:nvPr>
+        </p:nvGraphicFramePr>
+        <p:xfrm>
+          <a:off x="1478326" y="4108818"/>
+          <a:ext cx="8128000" cy="1483360"/>
+        </p:xfrm>
+        <a:graphic>
+          <a:graphicData uri="http://schemas.openxmlformats.org/drawingml/2006/table">
+            <a:tbl>
+              <a:tblPr firstRow="1" bandRow="1">
+                <a:tableStyleId>{5C22544A-7EE6-4342-B048-85BDC9FD1C3A}</a:tableStyleId>
+              </a:tblPr>
+              <a:tblGrid>
+                <a:gridCol w="4064000">
+                  <a:extLst>
+                    <a:ext uri="{9D8B030D-6E8A-4147-A177-3AD203B41FA5}">
+                      <a16:colId xmlns:a16="http://schemas.microsoft.com/office/drawing/2014/main" val="1397810636"/>
+                    </a:ext>
+                  </a:extLst>
+                </a:gridCol>
+                <a:gridCol w="4064000">
+                  <a:extLst>
+                    <a:ext uri="{9D8B030D-6E8A-4147-A177-3AD203B41FA5}">
+                      <a16:colId xmlns:a16="http://schemas.microsoft.com/office/drawing/2014/main" val="61174415"/>
+                    </a:ext>
+                  </a:extLst>
+                </a:gridCol>
+              </a:tblGrid>
+              <a:tr h="370840">
+                <a:tc>
+                  <a:txBody>
+                    <a:bodyPr/>
+                    <a:lstStyle/>
+                    <a:p>
+                      <a:r>
+                        <a:rPr lang="en-US" dirty="0"/>
+                        <a:t>FAR</a:t>
+                      </a:r>
+                    </a:p>
+                  </a:txBody>
+                  <a:tcPr/>
+                </a:tc>
+                <a:tc>
+                  <a:txBody>
+                    <a:bodyPr/>
+                    <a:lstStyle/>
+                    <a:p>
+                      <a:r>
+                        <a:rPr lang="en-US" dirty="0"/>
+                        <a:t>GAR</a:t>
+                      </a:r>
+                    </a:p>
+                  </a:txBody>
+                  <a:tcPr/>
+                </a:tc>
+                <a:extLst>
+                  <a:ext uri="{0D108BD9-81ED-4DB2-BD59-A6C34878D82A}">
+                    <a16:rowId xmlns:a16="http://schemas.microsoft.com/office/drawing/2014/main" val="4029081527"/>
+                  </a:ext>
+                </a:extLst>
+              </a:tr>
+              <a:tr h="370840">
+                <a:tc>
+                  <a:txBody>
+                    <a:bodyPr/>
+                    <a:lstStyle/>
+                    <a:p>
+                      <a:r>
+                        <a:rPr lang="en-US" dirty="0"/>
+                        <a:t>0%</a:t>
+                      </a:r>
+                    </a:p>
+                  </a:txBody>
+                  <a:tcPr/>
+                </a:tc>
+                <a:tc>
+                  <a:txBody>
+                    <a:bodyPr/>
+                    <a:lstStyle/>
+                    <a:p>
+                      <a:r>
+                        <a:rPr lang="en-US" dirty="0"/>
+                        <a:t>~18%</a:t>
+                      </a:r>
+                    </a:p>
+                  </a:txBody>
+                  <a:tcPr/>
+                </a:tc>
+                <a:extLst>
+                  <a:ext uri="{0D108BD9-81ED-4DB2-BD59-A6C34878D82A}">
+                    <a16:rowId xmlns:a16="http://schemas.microsoft.com/office/drawing/2014/main" val="1933336723"/>
+                  </a:ext>
+                </a:extLst>
+              </a:tr>
+              <a:tr h="370840">
+                <a:tc>
+                  <a:txBody>
+                    <a:bodyPr/>
+                    <a:lstStyle/>
+                    <a:p>
+                      <a:r>
+                        <a:rPr lang="en-US" dirty="0"/>
+                        <a:t>5%</a:t>
+                      </a:r>
+                    </a:p>
+                  </a:txBody>
+                  <a:tcPr/>
+                </a:tc>
+                <a:tc>
+                  <a:txBody>
+                    <a:bodyPr/>
+                    <a:lstStyle/>
+                    <a:p>
+                      <a:r>
+                        <a:rPr lang="en-US" dirty="0"/>
+                        <a:t>~68%</a:t>
+                      </a:r>
+                    </a:p>
+                  </a:txBody>
+                  <a:tcPr/>
+                </a:tc>
+                <a:extLst>
+                  <a:ext uri="{0D108BD9-81ED-4DB2-BD59-A6C34878D82A}">
+                    <a16:rowId xmlns:a16="http://schemas.microsoft.com/office/drawing/2014/main" val="2532770710"/>
+                  </a:ext>
+                </a:extLst>
+              </a:tr>
+              <a:tr h="370840">
+                <a:tc>
+                  <a:txBody>
+                    <a:bodyPr/>
+                    <a:lstStyle/>
+                    <a:p>
+                      <a:r>
+                        <a:rPr lang="en-US" dirty="0"/>
+                        <a:t>10%</a:t>
+                      </a:r>
+                    </a:p>
+                  </a:txBody>
+                  <a:tcPr/>
+                </a:tc>
+                <a:tc>
+                  <a:txBody>
+                    <a:bodyPr/>
+                    <a:lstStyle/>
+                    <a:p>
+                      <a:r>
+                        <a:rPr lang="en-US" dirty="0"/>
+                        <a:t>~80%</a:t>
+                      </a:r>
+                    </a:p>
+                  </a:txBody>
+                  <a:tcPr/>
+                </a:tc>
+                <a:extLst>
+                  <a:ext uri="{0D108BD9-81ED-4DB2-BD59-A6C34878D82A}">
+                    <a16:rowId xmlns:a16="http://schemas.microsoft.com/office/drawing/2014/main" val="3831631397"/>
+                  </a:ext>
+                </a:extLst>
+              </a:tr>
+            </a:tbl>
+          </a:graphicData>
+        </a:graphic>
+      </p:graphicFrame>
+    </p:spTree>
+    <p:extLst>
+      <p:ext uri="{BB962C8B-B14F-4D97-AF65-F5344CB8AC3E}">
+        <p14:creationId xmlns:p14="http://schemas.microsoft.com/office/powerpoint/2010/main" val="3205813406"/>
+      </p:ext>
+    </p:extLst>
+  </p:cSld>
+  <p:clrMapOvr>
+    <a:masterClrMapping/>
+  </p:clrMapOvr>
+</p:sld>
+</file>
+
+<file path=ppt/slides/slide7.xml><?xml version="1.0" encoding="utf-8"?>
+<p:sld xmlns:a="http://schemas.openxmlformats.org/drawingml/2006/main" xmlns:r="http://schemas.openxmlformats.org/officeDocument/2006/relationships" xmlns:p="http://schemas.openxmlformats.org/presentationml/2006/main">
+  <p:cSld>
+    <p:spTree>
+      <p:nvGrpSpPr>
+        <p:cNvPr id="1" name=""/>
+        <p:cNvGrpSpPr/>
+        <p:nvPr/>
+      </p:nvGrpSpPr>
+      <p:grpSpPr>
+        <a:xfrm>
+          <a:off x="0" y="0"/>
+          <a:ext cx="0" cy="0"/>
+          <a:chOff x="0" y="0"/>
+          <a:chExt cx="0" cy="0"/>
+        </a:xfrm>
+      </p:grpSpPr>
+      <p:sp>
+        <p:nvSpPr>
+          <p:cNvPr id="2" name="Title 1">
+            <a:extLst>
+              <a:ext uri="{FF2B5EF4-FFF2-40B4-BE49-F238E27FC236}">
+                <a16:creationId xmlns:a16="http://schemas.microsoft.com/office/drawing/2014/main" id="{51B01E18-410A-4AD1-88AC-62165C1A5D91}"/>
+              </a:ext>
+            </a:extLst>
+          </p:cNvPr>
+          <p:cNvSpPr>
+            <a:spLocks noGrp="1"/>
+          </p:cNvSpPr>
+          <p:nvPr>
+            <p:ph type="title"/>
+          </p:nvPr>
+        </p:nvSpPr>
+        <p:spPr/>
+        <p:txBody>
+          <a:bodyPr/>
+          <a:lstStyle/>
+          <a:p>
+            <a:r>
+              <a:rPr lang="en-US" dirty="0"/>
+              <a:t>PCA Mode 1 Results</a:t>
+            </a:r>
+          </a:p>
+        </p:txBody>
+      </p:sp>
+      <p:pic>
+        <p:nvPicPr>
+          <p:cNvPr id="4" name="Content Placeholder 3">
+            <a:extLst>
+              <a:ext uri="{FF2B5EF4-FFF2-40B4-BE49-F238E27FC236}">
+                <a16:creationId xmlns:a16="http://schemas.microsoft.com/office/drawing/2014/main" id="{414BA8A9-296C-446D-B6C7-970C4DB0ED59}"/>
+              </a:ext>
+            </a:extLst>
+          </p:cNvPr>
+          <p:cNvPicPr>
+            <a:picLocks noGrp="1" noChangeAspect="1"/>
+          </p:cNvPicPr>
+          <p:nvPr>
+            <p:ph idx="1"/>
+          </p:nvPr>
+        </p:nvPicPr>
+        <p:blipFill>
+          <a:blip r:embed="rId2"/>
+          <a:stretch>
+            <a:fillRect/>
+          </a:stretch>
+        </p:blipFill>
+        <p:spPr>
+          <a:xfrm>
+            <a:off x="3744383" y="2249488"/>
+            <a:ext cx="4700060" cy="3541712"/>
+          </a:xfrm>
+          <a:prstGeom prst="rect">
+            <a:avLst/>
+          </a:prstGeom>
+        </p:spPr>
+      </p:pic>
+    </p:spTree>
+    <p:extLst>
+      <p:ext uri="{BB962C8B-B14F-4D97-AF65-F5344CB8AC3E}">
+        <p14:creationId xmlns:p14="http://schemas.microsoft.com/office/powerpoint/2010/main" val="1393491537"/>
+      </p:ext>
+    </p:extLst>
+  </p:cSld>
+  <p:clrMapOvr>
+    <a:masterClrMapping/>
+  </p:clrMapOvr>
+</p:sld>
+</file>
+
+<file path=ppt/slides/slide8.xml><?xml version="1.0" encoding="utf-8"?>
+<p:sld xmlns:a="http://schemas.openxmlformats.org/drawingml/2006/main" xmlns:r="http://schemas.openxmlformats.org/officeDocument/2006/relationships" xmlns:p="http://schemas.openxmlformats.org/presentationml/2006/main">
+  <p:cSld>
+    <p:spTree>
+      <p:nvGrpSpPr>
+        <p:cNvPr id="1" name=""/>
+        <p:cNvGrpSpPr/>
+        <p:nvPr/>
+      </p:nvGrpSpPr>
+      <p:grpSpPr>
+        <a:xfrm>
+          <a:off x="0" y="0"/>
+          <a:ext cx="0" cy="0"/>
+          <a:chOff x="0" y="0"/>
+          <a:chExt cx="0" cy="0"/>
+        </a:xfrm>
+      </p:grpSpPr>
+      <p:sp>
+        <p:nvSpPr>
+          <p:cNvPr id="2" name="Title 1">
+            <a:extLst>
+              <a:ext uri="{FF2B5EF4-FFF2-40B4-BE49-F238E27FC236}">
+                <a16:creationId xmlns:a16="http://schemas.microsoft.com/office/drawing/2014/main" id="{74FD3D14-9A4F-48D4-9A32-3368F6B5E70F}"/>
+              </a:ext>
+            </a:extLst>
+          </p:cNvPr>
+          <p:cNvSpPr>
+            <a:spLocks noGrp="1"/>
+          </p:cNvSpPr>
+          <p:nvPr>
+            <p:ph type="title"/>
+          </p:nvPr>
+        </p:nvSpPr>
+        <p:spPr/>
+        <p:txBody>
+          <a:bodyPr/>
+          <a:lstStyle/>
+          <a:p>
+            <a:r>
+              <a:rPr lang="en-US" dirty="0"/>
+              <a:t>PCA Mode 1 Analysis</a:t>
+            </a:r>
+          </a:p>
+        </p:txBody>
+      </p:sp>
+      <p:sp>
+        <p:nvSpPr>
+          <p:cNvPr id="3" name="Content Placeholder 2">
+            <a:extLst>
+              <a:ext uri="{FF2B5EF4-FFF2-40B4-BE49-F238E27FC236}">
+                <a16:creationId xmlns:a16="http://schemas.microsoft.com/office/drawing/2014/main" id="{0573D500-2889-4E1A-8400-C5B0AD99971B}"/>
+              </a:ext>
+            </a:extLst>
+          </p:cNvPr>
+          <p:cNvSpPr>
+            <a:spLocks noGrp="1"/>
+          </p:cNvSpPr>
+          <p:nvPr>
+            <p:ph idx="1"/>
+          </p:nvPr>
+        </p:nvSpPr>
+        <p:spPr/>
+        <p:txBody>
+          <a:bodyPr/>
+          <a:lstStyle/>
+          <a:p>
+            <a:r>
+              <a:rPr lang="en-US" dirty="0"/>
+              <a:t>FRR: 0.05987 </a:t>
+            </a:r>
+          </a:p>
+          <a:p>
+            <a:r>
+              <a:rPr lang="en-US" dirty="0"/>
+              <a:t>FAR:  0.94013</a:t>
+            </a:r>
+          </a:p>
+          <a:p>
+            <a:r>
+              <a:rPr lang="en-US" dirty="0"/>
+              <a:t>EER : 0.1421</a:t>
+            </a:r>
+          </a:p>
+          <a:p>
+            <a:pPr marL="0" indent="0">
+              <a:buNone/>
+            </a:pPr>
+            <a:endParaRPr lang="en-US" dirty="0"/>
+          </a:p>
+        </p:txBody>
+      </p:sp>
+      <p:graphicFrame>
+        <p:nvGraphicFramePr>
+          <p:cNvPr id="4" name="Table 3">
+            <a:extLst>
+              <a:ext uri="{FF2B5EF4-FFF2-40B4-BE49-F238E27FC236}">
+                <a16:creationId xmlns:a16="http://schemas.microsoft.com/office/drawing/2014/main" id="{E84226BB-1D70-48C4-9F8C-24E2F75E5B25}"/>
+              </a:ext>
+            </a:extLst>
+          </p:cNvPr>
+          <p:cNvGraphicFramePr>
+            <a:graphicFrameLocks noGrp="1"/>
+          </p:cNvGraphicFramePr>
+          <p:nvPr>
+            <p:extLst>
+              <p:ext uri="{D42A27DB-BD31-4B8C-83A1-F6EECF244321}">
+                <p14:modId xmlns:p14="http://schemas.microsoft.com/office/powerpoint/2010/main" val="2084105198"/>
               </p:ext>
             </p:extLst>
           </p:nvPr>
@@ -13021,7 +13641,7 @@
                     <a:p>
                       <a:r>
                         <a:rPr lang="en-US" dirty="0"/>
-                        <a:t>~82%</a:t>
+                        <a:t>~30%</a:t>
                       </a:r>
                     </a:p>
                   </a:txBody>
@@ -13054,7 +13674,7 @@
                     <a:p>
                       <a:r>
                         <a:rPr lang="en-US" dirty="0"/>
-                        <a:t>~32%</a:t>
+                        <a:t>~72%</a:t>
                       </a:r>
                     </a:p>
                   </a:txBody>
@@ -13087,479 +13707,7 @@
                     <a:p>
                       <a:r>
                         <a:rPr lang="en-US" dirty="0"/>
-                        <a:t>~20%</a:t>
-                      </a:r>
-                    </a:p>
-                  </a:txBody>
-                  <a:tcPr/>
-                </a:tc>
-                <a:extLst>
-                  <a:ext uri="{0D108BD9-81ED-4DB2-BD59-A6C34878D82A}">
-                    <a16:rowId xmlns:a16="http://schemas.microsoft.com/office/drawing/2014/main" val="3831631397"/>
-                  </a:ext>
-                </a:extLst>
-              </a:tr>
-            </a:tbl>
-          </a:graphicData>
-        </a:graphic>
-      </p:graphicFrame>
-    </p:spTree>
-    <p:extLst>
-      <p:ext uri="{BB962C8B-B14F-4D97-AF65-F5344CB8AC3E}">
-        <p14:creationId xmlns:p14="http://schemas.microsoft.com/office/powerpoint/2010/main" val="3205813406"/>
-      </p:ext>
-    </p:extLst>
-  </p:cSld>
-  <p:clrMapOvr>
-    <a:masterClrMapping/>
-  </p:clrMapOvr>
-</p:sld>
-</file>
-
-<file path=ppt/slides/slide5.xml><?xml version="1.0" encoding="utf-8"?>
-<p:sld xmlns:a="http://schemas.openxmlformats.org/drawingml/2006/main" xmlns:r="http://schemas.openxmlformats.org/officeDocument/2006/relationships" xmlns:p="http://schemas.openxmlformats.org/presentationml/2006/main">
-  <p:cSld>
-    <p:spTree>
-      <p:nvGrpSpPr>
-        <p:cNvPr id="1" name=""/>
-        <p:cNvGrpSpPr/>
-        <p:nvPr/>
-      </p:nvGrpSpPr>
-      <p:grpSpPr>
-        <a:xfrm>
-          <a:off x="0" y="0"/>
-          <a:ext cx="0" cy="0"/>
-          <a:chOff x="0" y="0"/>
-          <a:chExt cx="0" cy="0"/>
-        </a:xfrm>
-      </p:grpSpPr>
-      <p:sp>
-        <p:nvSpPr>
-          <p:cNvPr id="2" name="Title 1">
-            <a:extLst>
-              <a:ext uri="{FF2B5EF4-FFF2-40B4-BE49-F238E27FC236}">
-                <a16:creationId xmlns:a16="http://schemas.microsoft.com/office/drawing/2014/main" id="{8E77DB2E-BAE9-4929-9704-7D2399D8ED47}"/>
-              </a:ext>
-            </a:extLst>
-          </p:cNvPr>
-          <p:cNvSpPr>
-            <a:spLocks noGrp="1"/>
-          </p:cNvSpPr>
-          <p:nvPr>
-            <p:ph type="title"/>
-          </p:nvPr>
-        </p:nvSpPr>
-        <p:spPr/>
-        <p:txBody>
-          <a:bodyPr/>
-          <a:lstStyle/>
-          <a:p>
-            <a:r>
-              <a:rPr lang="en-US" dirty="0"/>
-              <a:t>LDA Mode 1 </a:t>
-            </a:r>
-            <a:r>
-              <a:rPr lang="en-US" dirty="0" err="1"/>
-              <a:t>Matlab</a:t>
-            </a:r>
-            <a:r>
-              <a:rPr lang="en-US" dirty="0"/>
-              <a:t> Results</a:t>
-            </a:r>
-          </a:p>
-        </p:txBody>
-      </p:sp>
-      <p:pic>
-        <p:nvPicPr>
-          <p:cNvPr id="4" name="Picture 3">
-            <a:extLst>
-              <a:ext uri="{FF2B5EF4-FFF2-40B4-BE49-F238E27FC236}">
-                <a16:creationId xmlns:a16="http://schemas.microsoft.com/office/drawing/2014/main" id="{810AC3B8-EE25-499C-80DD-7D89DA664380}"/>
-              </a:ext>
-            </a:extLst>
-          </p:cNvPr>
-          <p:cNvPicPr>
-            <a:picLocks noChangeAspect="1"/>
-          </p:cNvPicPr>
-          <p:nvPr/>
-        </p:nvPicPr>
-        <p:blipFill>
-          <a:blip r:embed="rId2"/>
-          <a:stretch>
-            <a:fillRect/>
-          </a:stretch>
-        </p:blipFill>
-        <p:spPr>
-          <a:xfrm>
-            <a:off x="7330147" y="443059"/>
-            <a:ext cx="3942459" cy="5971881"/>
-          </a:xfrm>
-          <a:prstGeom prst="rect">
-            <a:avLst/>
-          </a:prstGeom>
-        </p:spPr>
-      </p:pic>
-    </p:spTree>
-    <p:extLst>
-      <p:ext uri="{BB962C8B-B14F-4D97-AF65-F5344CB8AC3E}">
-        <p14:creationId xmlns:p14="http://schemas.microsoft.com/office/powerpoint/2010/main" val="2867613638"/>
-      </p:ext>
-    </p:extLst>
-  </p:cSld>
-  <p:clrMapOvr>
-    <a:masterClrMapping/>
-  </p:clrMapOvr>
-</p:sld>
-</file>
-
-<file path=ppt/slides/slide6.xml><?xml version="1.0" encoding="utf-8"?>
-<p:sld xmlns:a="http://schemas.openxmlformats.org/drawingml/2006/main" xmlns:r="http://schemas.openxmlformats.org/officeDocument/2006/relationships" xmlns:p="http://schemas.openxmlformats.org/presentationml/2006/main">
-  <p:cSld>
-    <p:spTree>
-      <p:nvGrpSpPr>
-        <p:cNvPr id="1" name=""/>
-        <p:cNvGrpSpPr/>
-        <p:nvPr/>
-      </p:nvGrpSpPr>
-      <p:grpSpPr>
-        <a:xfrm>
-          <a:off x="0" y="0"/>
-          <a:ext cx="0" cy="0"/>
-          <a:chOff x="0" y="0"/>
-          <a:chExt cx="0" cy="0"/>
-        </a:xfrm>
-      </p:grpSpPr>
-      <p:sp>
-        <p:nvSpPr>
-          <p:cNvPr id="2" name="Title 1">
-            <a:extLst>
-              <a:ext uri="{FF2B5EF4-FFF2-40B4-BE49-F238E27FC236}">
-                <a16:creationId xmlns:a16="http://schemas.microsoft.com/office/drawing/2014/main" id="{51B01E18-410A-4AD1-88AC-62165C1A5D91}"/>
-              </a:ext>
-            </a:extLst>
-          </p:cNvPr>
-          <p:cNvSpPr>
-            <a:spLocks noGrp="1"/>
-          </p:cNvSpPr>
-          <p:nvPr>
-            <p:ph type="title"/>
-          </p:nvPr>
-        </p:nvSpPr>
-        <p:spPr/>
-        <p:txBody>
-          <a:bodyPr/>
-          <a:lstStyle/>
-          <a:p>
-            <a:r>
-              <a:rPr lang="en-US" dirty="0"/>
-              <a:t>PCA Mode 1 Results</a:t>
-            </a:r>
-          </a:p>
-        </p:txBody>
-      </p:sp>
-      <p:pic>
-        <p:nvPicPr>
-          <p:cNvPr id="4" name="Content Placeholder 3">
-            <a:extLst>
-              <a:ext uri="{FF2B5EF4-FFF2-40B4-BE49-F238E27FC236}">
-                <a16:creationId xmlns:a16="http://schemas.microsoft.com/office/drawing/2014/main" id="{414BA8A9-296C-446D-B6C7-970C4DB0ED59}"/>
-              </a:ext>
-            </a:extLst>
-          </p:cNvPr>
-          <p:cNvPicPr>
-            <a:picLocks noGrp="1" noChangeAspect="1"/>
-          </p:cNvPicPr>
-          <p:nvPr>
-            <p:ph idx="1"/>
-          </p:nvPr>
-        </p:nvPicPr>
-        <p:blipFill>
-          <a:blip r:embed="rId2"/>
-          <a:stretch>
-            <a:fillRect/>
-          </a:stretch>
-        </p:blipFill>
-        <p:spPr>
-          <a:xfrm>
-            <a:off x="3744383" y="2249488"/>
-            <a:ext cx="4700060" cy="3541712"/>
-          </a:xfrm>
-          <a:prstGeom prst="rect">
-            <a:avLst/>
-          </a:prstGeom>
-        </p:spPr>
-      </p:pic>
-    </p:spTree>
-    <p:extLst>
-      <p:ext uri="{BB962C8B-B14F-4D97-AF65-F5344CB8AC3E}">
-        <p14:creationId xmlns:p14="http://schemas.microsoft.com/office/powerpoint/2010/main" val="1393491537"/>
-      </p:ext>
-    </p:extLst>
-  </p:cSld>
-  <p:clrMapOvr>
-    <a:masterClrMapping/>
-  </p:clrMapOvr>
-</p:sld>
-</file>
-
-<file path=ppt/slides/slide7.xml><?xml version="1.0" encoding="utf-8"?>
-<p:sld xmlns:a="http://schemas.openxmlformats.org/drawingml/2006/main" xmlns:r="http://schemas.openxmlformats.org/officeDocument/2006/relationships" xmlns:p="http://schemas.openxmlformats.org/presentationml/2006/main">
-  <p:cSld>
-    <p:spTree>
-      <p:nvGrpSpPr>
-        <p:cNvPr id="1" name=""/>
-        <p:cNvGrpSpPr/>
-        <p:nvPr/>
-      </p:nvGrpSpPr>
-      <p:grpSpPr>
-        <a:xfrm>
-          <a:off x="0" y="0"/>
-          <a:ext cx="0" cy="0"/>
-          <a:chOff x="0" y="0"/>
-          <a:chExt cx="0" cy="0"/>
-        </a:xfrm>
-      </p:grpSpPr>
-      <p:sp>
-        <p:nvSpPr>
-          <p:cNvPr id="2" name="Title 1">
-            <a:extLst>
-              <a:ext uri="{FF2B5EF4-FFF2-40B4-BE49-F238E27FC236}">
-                <a16:creationId xmlns:a16="http://schemas.microsoft.com/office/drawing/2014/main" id="{74FD3D14-9A4F-48D4-9A32-3368F6B5E70F}"/>
-              </a:ext>
-            </a:extLst>
-          </p:cNvPr>
-          <p:cNvSpPr>
-            <a:spLocks noGrp="1"/>
-          </p:cNvSpPr>
-          <p:nvPr>
-            <p:ph type="title"/>
-          </p:nvPr>
-        </p:nvSpPr>
-        <p:spPr/>
-        <p:txBody>
-          <a:bodyPr/>
-          <a:lstStyle/>
-          <a:p>
-            <a:r>
-              <a:rPr lang="en-US" dirty="0"/>
-              <a:t>PCA Mode 1 Analysis</a:t>
-            </a:r>
-          </a:p>
-        </p:txBody>
-      </p:sp>
-      <p:sp>
-        <p:nvSpPr>
-          <p:cNvPr id="3" name="Content Placeholder 2">
-            <a:extLst>
-              <a:ext uri="{FF2B5EF4-FFF2-40B4-BE49-F238E27FC236}">
-                <a16:creationId xmlns:a16="http://schemas.microsoft.com/office/drawing/2014/main" id="{0573D500-2889-4E1A-8400-C5B0AD99971B}"/>
-              </a:ext>
-            </a:extLst>
-          </p:cNvPr>
-          <p:cNvSpPr>
-            <a:spLocks noGrp="1"/>
-          </p:cNvSpPr>
-          <p:nvPr>
-            <p:ph idx="1"/>
-          </p:nvPr>
-        </p:nvSpPr>
-        <p:spPr/>
-        <p:txBody>
-          <a:bodyPr/>
-          <a:lstStyle/>
-          <a:p>
-            <a:r>
-              <a:rPr lang="en-US" dirty="0"/>
-              <a:t>FRR: 0.05987 </a:t>
-            </a:r>
-          </a:p>
-          <a:p>
-            <a:r>
-              <a:rPr lang="en-US" dirty="0"/>
-              <a:t>FAR:  0.94013</a:t>
-            </a:r>
-          </a:p>
-          <a:p>
-            <a:r>
-              <a:rPr lang="en-US" dirty="0"/>
-              <a:t>EER : 0.1421</a:t>
-            </a:r>
-          </a:p>
-          <a:p>
-            <a:pPr marL="0" indent="0">
-              <a:buNone/>
-            </a:pPr>
-            <a:endParaRPr lang="en-US" dirty="0"/>
-          </a:p>
-        </p:txBody>
-      </p:sp>
-      <p:graphicFrame>
-        <p:nvGraphicFramePr>
-          <p:cNvPr id="4" name="Table 3">
-            <a:extLst>
-              <a:ext uri="{FF2B5EF4-FFF2-40B4-BE49-F238E27FC236}">
-                <a16:creationId xmlns:a16="http://schemas.microsoft.com/office/drawing/2014/main" id="{E84226BB-1D70-48C4-9F8C-24E2F75E5B25}"/>
-              </a:ext>
-            </a:extLst>
-          </p:cNvPr>
-          <p:cNvGraphicFramePr>
-            <a:graphicFrameLocks noGrp="1"/>
-          </p:cNvGraphicFramePr>
-          <p:nvPr>
-            <p:extLst>
-              <p:ext uri="{D42A27DB-BD31-4B8C-83A1-F6EECF244321}">
-                <p14:modId xmlns:p14="http://schemas.microsoft.com/office/powerpoint/2010/main" val="2039201541"/>
-              </p:ext>
-            </p:extLst>
-          </p:nvPr>
-        </p:nvGraphicFramePr>
-        <p:xfrm>
-          <a:off x="1478326" y="4108818"/>
-          <a:ext cx="8128000" cy="1483360"/>
-        </p:xfrm>
-        <a:graphic>
-          <a:graphicData uri="http://schemas.openxmlformats.org/drawingml/2006/table">
-            <a:tbl>
-              <a:tblPr firstRow="1" bandRow="1">
-                <a:tableStyleId>{5C22544A-7EE6-4342-B048-85BDC9FD1C3A}</a:tableStyleId>
-              </a:tblPr>
-              <a:tblGrid>
-                <a:gridCol w="4064000">
-                  <a:extLst>
-                    <a:ext uri="{9D8B030D-6E8A-4147-A177-3AD203B41FA5}">
-                      <a16:colId xmlns:a16="http://schemas.microsoft.com/office/drawing/2014/main" val="1397810636"/>
-                    </a:ext>
-                  </a:extLst>
-                </a:gridCol>
-                <a:gridCol w="4064000">
-                  <a:extLst>
-                    <a:ext uri="{9D8B030D-6E8A-4147-A177-3AD203B41FA5}">
-                      <a16:colId xmlns:a16="http://schemas.microsoft.com/office/drawing/2014/main" val="61174415"/>
-                    </a:ext>
-                  </a:extLst>
-                </a:gridCol>
-              </a:tblGrid>
-              <a:tr h="370840">
-                <a:tc>
-                  <a:txBody>
-                    <a:bodyPr/>
-                    <a:lstStyle/>
-                    <a:p>
-                      <a:r>
-                        <a:rPr lang="en-US" dirty="0"/>
-                        <a:t>FAR</a:t>
-                      </a:r>
-                    </a:p>
-                  </a:txBody>
-                  <a:tcPr/>
-                </a:tc>
-                <a:tc>
-                  <a:txBody>
-                    <a:bodyPr/>
-                    <a:lstStyle/>
-                    <a:p>
-                      <a:r>
-                        <a:rPr lang="en-US" dirty="0"/>
-                        <a:t>FRR</a:t>
-                      </a:r>
-                    </a:p>
-                  </a:txBody>
-                  <a:tcPr/>
-                </a:tc>
-                <a:extLst>
-                  <a:ext uri="{0D108BD9-81ED-4DB2-BD59-A6C34878D82A}">
-                    <a16:rowId xmlns:a16="http://schemas.microsoft.com/office/drawing/2014/main" val="4029081527"/>
-                  </a:ext>
-                </a:extLst>
-              </a:tr>
-              <a:tr h="370840">
-                <a:tc>
-                  <a:txBody>
-                    <a:bodyPr/>
-                    <a:lstStyle/>
-                    <a:p>
-                      <a:r>
-                        <a:rPr lang="en-US" dirty="0"/>
-                        <a:t>0%</a:t>
-                      </a:r>
-                    </a:p>
-                  </a:txBody>
-                  <a:tcPr/>
-                </a:tc>
-                <a:tc>
-                  <a:txBody>
-                    <a:bodyPr/>
-                    <a:lstStyle/>
-                    <a:p>
-                      <a:r>
-                        <a:rPr lang="en-US" dirty="0"/>
-                        <a:t>~70%</a:t>
-                      </a:r>
-                    </a:p>
-                  </a:txBody>
-                  <a:tcPr/>
-                </a:tc>
-                <a:extLst>
-                  <a:ext uri="{0D108BD9-81ED-4DB2-BD59-A6C34878D82A}">
-                    <a16:rowId xmlns:a16="http://schemas.microsoft.com/office/drawing/2014/main" val="1933336723"/>
-                  </a:ext>
-                </a:extLst>
-              </a:tr>
-              <a:tr h="370840">
-                <a:tc>
-                  <a:txBody>
-                    <a:bodyPr/>
-                    <a:lstStyle/>
-                    <a:p>
-                      <a:r>
-                        <a:rPr lang="en-US" dirty="0"/>
-                        <a:t>5%</a:t>
-                      </a:r>
-                    </a:p>
-                  </a:txBody>
-                  <a:tcPr/>
-                </a:tc>
-                <a:tc>
-                  <a:txBody>
-                    <a:bodyPr/>
-                    <a:lstStyle/>
-                    <a:p>
-                      <a:r>
-                        <a:rPr lang="en-US" dirty="0"/>
-                        <a:t>~28%</a:t>
-                      </a:r>
-                    </a:p>
-                  </a:txBody>
-                  <a:tcPr/>
-                </a:tc>
-                <a:extLst>
-                  <a:ext uri="{0D108BD9-81ED-4DB2-BD59-A6C34878D82A}">
-                    <a16:rowId xmlns:a16="http://schemas.microsoft.com/office/drawing/2014/main" val="2532770710"/>
-                  </a:ext>
-                </a:extLst>
-              </a:tr>
-              <a:tr h="370840">
-                <a:tc>
-                  <a:txBody>
-                    <a:bodyPr/>
-                    <a:lstStyle/>
-                    <a:p>
-                      <a:r>
-                        <a:rPr lang="en-US" dirty="0"/>
-                        <a:t>10%</a:t>
-                      </a:r>
-                    </a:p>
-                  </a:txBody>
-                  <a:tcPr/>
-                </a:tc>
-                <a:tc>
-                  <a:txBody>
-                    <a:bodyPr/>
-                    <a:lstStyle/>
-                    <a:p>
-                      <a:r>
-                        <a:rPr lang="en-US" dirty="0"/>
-                        <a:t>~22%</a:t>
+                        <a:t>~78%</a:t>
                       </a:r>
                     </a:p>
                   </a:txBody>
@@ -13579,157 +13727,6 @@
     <p:extLst>
       <p:ext uri="{BB962C8B-B14F-4D97-AF65-F5344CB8AC3E}">
         <p14:creationId xmlns:p14="http://schemas.microsoft.com/office/powerpoint/2010/main" val="2107259273"/>
-      </p:ext>
-    </p:extLst>
-  </p:cSld>
-  <p:clrMapOvr>
-    <a:masterClrMapping/>
-  </p:clrMapOvr>
-</p:sld>
-</file>
-
-<file path=ppt/slides/slide8.xml><?xml version="1.0" encoding="utf-8"?>
-<p:sld xmlns:a="http://schemas.openxmlformats.org/drawingml/2006/main" xmlns:r="http://schemas.openxmlformats.org/officeDocument/2006/relationships" xmlns:p="http://schemas.openxmlformats.org/presentationml/2006/main">
-  <p:cSld>
-    <p:spTree>
-      <p:nvGrpSpPr>
-        <p:cNvPr id="1" name=""/>
-        <p:cNvGrpSpPr/>
-        <p:nvPr/>
-      </p:nvGrpSpPr>
-      <p:grpSpPr>
-        <a:xfrm>
-          <a:off x="0" y="0"/>
-          <a:ext cx="0" cy="0"/>
-          <a:chOff x="0" y="0"/>
-          <a:chExt cx="0" cy="0"/>
-        </a:xfrm>
-      </p:grpSpPr>
-      <p:sp>
-        <p:nvSpPr>
-          <p:cNvPr id="2" name="Title 1">
-            <a:extLst>
-              <a:ext uri="{FF2B5EF4-FFF2-40B4-BE49-F238E27FC236}">
-                <a16:creationId xmlns:a16="http://schemas.microsoft.com/office/drawing/2014/main" id="{8E77DB2E-BAE9-4929-9704-7D2399D8ED47}"/>
-              </a:ext>
-            </a:extLst>
-          </p:cNvPr>
-          <p:cNvSpPr>
-            <a:spLocks noGrp="1"/>
-          </p:cNvSpPr>
-          <p:nvPr>
-            <p:ph type="title"/>
-          </p:nvPr>
-        </p:nvSpPr>
-        <p:spPr/>
-        <p:txBody>
-          <a:bodyPr/>
-          <a:lstStyle/>
-          <a:p>
-            <a:r>
-              <a:rPr lang="en-US" dirty="0"/>
-              <a:t>Mode 1 </a:t>
-            </a:r>
-            <a:r>
-              <a:rPr lang="en-US" dirty="0" err="1"/>
-              <a:t>Matlab</a:t>
-            </a:r>
-            <a:r>
-              <a:rPr lang="en-US" dirty="0"/>
-              <a:t> Results</a:t>
-            </a:r>
-          </a:p>
-        </p:txBody>
-      </p:sp>
-      <p:sp>
-        <p:nvSpPr>
-          <p:cNvPr id="3" name="Content Placeholder 2">
-            <a:extLst>
-              <a:ext uri="{FF2B5EF4-FFF2-40B4-BE49-F238E27FC236}">
-                <a16:creationId xmlns:a16="http://schemas.microsoft.com/office/drawing/2014/main" id="{3E8A4E07-4BFD-4EFC-B455-885FC4E5104B}"/>
-              </a:ext>
-            </a:extLst>
-          </p:cNvPr>
-          <p:cNvSpPr>
-            <a:spLocks noGrp="1"/>
-          </p:cNvSpPr>
-          <p:nvPr>
-            <p:ph idx="1"/>
-          </p:nvPr>
-        </p:nvSpPr>
-        <p:spPr/>
-        <p:txBody>
-          <a:bodyPr/>
-          <a:lstStyle/>
-          <a:p>
-            <a:r>
-              <a:rPr lang="en-US" dirty="0"/>
-              <a:t>Eigenvectors for space size: 4974</a:t>
-            </a:r>
-          </a:p>
-          <a:p>
-            <a:r>
-              <a:rPr lang="en-US" dirty="0"/>
-              <a:t>Feature space size: 10304x4974</a:t>
-            </a:r>
-          </a:p>
-          <a:p>
-            <a:r>
-              <a:rPr lang="en-US" dirty="0"/>
-              <a:t>Train/Test size: 4974x200</a:t>
-            </a:r>
-          </a:p>
-          <a:p>
-            <a:r>
-              <a:rPr lang="en-US" dirty="0"/>
-              <a:t>Distance size: 200x200</a:t>
-            </a:r>
-          </a:p>
-          <a:p>
-            <a:r>
-              <a:rPr lang="en-US" dirty="0"/>
-              <a:t>Labels size 75x75</a:t>
-            </a:r>
-          </a:p>
-          <a:p>
-            <a:endParaRPr lang="en-US" dirty="0"/>
-          </a:p>
-        </p:txBody>
-      </p:sp>
-      <p:pic>
-        <p:nvPicPr>
-          <p:cNvPr id="4" name="Picture 3">
-            <a:extLst>
-              <a:ext uri="{FF2B5EF4-FFF2-40B4-BE49-F238E27FC236}">
-                <a16:creationId xmlns:a16="http://schemas.microsoft.com/office/drawing/2014/main" id="{8EE9DBFC-F5C1-407F-B219-30700550BC40}"/>
-              </a:ext>
-            </a:extLst>
-          </p:cNvPr>
-          <p:cNvPicPr>
-            <a:picLocks noChangeAspect="1"/>
-          </p:cNvPicPr>
-          <p:nvPr/>
-        </p:nvPicPr>
-        <p:blipFill>
-          <a:blip r:embed="rId2"/>
-          <a:stretch>
-            <a:fillRect/>
-          </a:stretch>
-        </p:blipFill>
-        <p:spPr>
-          <a:xfrm>
-            <a:off x="6752933" y="618518"/>
-            <a:ext cx="4657725" cy="5591175"/>
-          </a:xfrm>
-          <a:prstGeom prst="rect">
-            <a:avLst/>
-          </a:prstGeom>
-        </p:spPr>
-      </p:pic>
-    </p:spTree>
-    <p:extLst>
-      <p:ext uri="{BB962C8B-B14F-4D97-AF65-F5344CB8AC3E}">
-        <p14:creationId xmlns:p14="http://schemas.microsoft.com/office/powerpoint/2010/main" val="2905948066"/>
       </p:ext>
     </p:extLst>
   </p:cSld>
@@ -13839,15 +13836,31 @@
             <a:endParaRPr lang="en-US" dirty="0"/>
           </a:p>
           <a:p>
+            <a:pPr lvl="0"/>
             <a:r>
               <a:rPr lang="en-US" dirty="0"/>
-              <a:t>This makes sense from a theoretical perspective because the first five photos in each of the 40 subjects, from Mode 1, were used to create the PCA vector space. This was then utilized from a training and testing perspective, with the corresponding labels, to produce the accurate results. The labels were created using the 0 values for each corresponding genuine user and 1 for each imposter. As a result, the testing results, which were images 6-10 from Mode 1 was based on a trained version of images 1-5 from the 40 subjects. On the contrary, Mode 2 had an increased training sample size by 25% in comparison to Mode 1, so that could also lead to the notion that Mode 2 could perform better. However, this is probably why Mode 1 barely performs better than Mode 2, with both models giving very similar results. </a:t>
+              <a:t>This makes sense because LDA is known to perform better than PCA given the same situations in which there is a lot of data. This is also supported by paper form the reading assignment “An Efficient LDA Algorithm for Face Recognition” by Yang, Yu, and Kunz, when it says: </a:t>
+            </a:r>
+            <a:r>
+              <a:rPr lang="en-US" i="1" dirty="0"/>
+              <a:t>“…the Linear Discriminant Analysis (LDA) approach outperforms the Principal Component Analysis (PCA) approach in face recognition tasks...</a:t>
+            </a:r>
+            <a:r>
+              <a:rPr lang="en-US" dirty="0"/>
+              <a:t>” As a result, it is no surprise that the results showed better performance for LDA. Also, in the publication it mentions that </a:t>
+            </a:r>
+            <a:r>
+              <a:rPr lang="en-US" i="1" dirty="0"/>
+              <a:t>“Without any preprocessing step, the best recognition rate for the new algorithm is 95%, which is compatible to the best result obtained by other researchers on the same test set using different algorithms.</a:t>
+            </a:r>
+            <a:r>
+              <a:rPr lang="en-US" dirty="0"/>
+              <a:t>” Since the results were ~94.5% for LDA and ~94% for PCA, which are both pretty close to 95%. </a:t>
             </a:r>
             <a:r>
               <a:rPr lang="en-US" b="1" dirty="0"/>
-              <a:t>Therefore, Mode 1 giving slightly better results than Mode 2 makes sense from a theoretical perspective.</a:t>
+              <a:t>Therefore, this shows that the results are in line with accuracy.</a:t>
             </a:r>
-            <a:endParaRPr lang="en-US" dirty="0"/>
           </a:p>
         </p:txBody>
       </p:sp>

--- a/LDA_Project3/ResultsPresentation.pptx
+++ b/LDA_Project3/ResultsPresentation.pptx
@@ -14,6 +14,7 @@
     <p:sldId id="257" r:id="rId8"/>
     <p:sldId id="259" r:id="rId9"/>
     <p:sldId id="262" r:id="rId10"/>
+    <p:sldId id="267" r:id="rId11"/>
   </p:sldIdLst>
   <p:sldSz cx="12192000" cy="6858000"/>
   <p:notesSz cx="6858000" cy="9144000"/>
@@ -170,7 +171,7 @@
           <a:noFill/>
           <a:extLst>
             <a:ext uri="{909E8E84-426E-40dd-AFC4-6F175D3DCCD1}">
-              <a14:hiddenFill xmlns:a14="http://schemas.microsoft.com/office/drawing/2010/main" xmlns="">
+              <a14:hiddenFill xmlns="" xmlns:a14="http://schemas.microsoft.com/office/drawing/2010/main">
                 <a:solidFill>
                   <a:srgbClr val="FFFFFF"/>
                 </a:solidFill>
@@ -230,7 +231,7 @@
             </a:ln>
             <a:extLst>
               <a:ext uri="{91240B29-F687-4f45-9708-019B960494DF}">
-                <a14:hiddenLine xmlns:a14="http://schemas.microsoft.com/office/drawing/2010/main" xmlns="" w="9525">
+                <a14:hiddenLine xmlns="" xmlns:a14="http://schemas.microsoft.com/office/drawing/2010/main" w="9525">
                   <a:solidFill>
                     <a:srgbClr val="000000"/>
                   </a:solidFill>
@@ -320,7 +321,7 @@
             </a:ln>
             <a:extLst>
               <a:ext uri="{91240B29-F687-4f45-9708-019B960494DF}">
-                <a14:hiddenLine xmlns:a14="http://schemas.microsoft.com/office/drawing/2010/main" xmlns="" w="9525">
+                <a14:hiddenLine xmlns="" xmlns:a14="http://schemas.microsoft.com/office/drawing/2010/main" w="9525">
                   <a:solidFill>
                     <a:srgbClr val="000000"/>
                   </a:solidFill>
@@ -410,7 +411,7 @@
             </a:ln>
             <a:extLst>
               <a:ext uri="{91240B29-F687-4f45-9708-019B960494DF}">
-                <a14:hiddenLine xmlns:a14="http://schemas.microsoft.com/office/drawing/2010/main" xmlns="" w="9525">
+                <a14:hiddenLine xmlns="" xmlns:a14="http://schemas.microsoft.com/office/drawing/2010/main" w="9525">
                   <a:solidFill>
                     <a:srgbClr val="000000"/>
                   </a:solidFill>
@@ -444,7 +445,7 @@
             </a:ln>
             <a:extLst>
               <a:ext uri="{91240B29-F687-4f45-9708-019B960494DF}">
-                <a14:hiddenLine xmlns:a14="http://schemas.microsoft.com/office/drawing/2010/main" xmlns="" w="9525">
+                <a14:hiddenLine xmlns="" xmlns:a14="http://schemas.microsoft.com/office/drawing/2010/main" w="9525">
                   <a:solidFill>
                     <a:srgbClr val="000000"/>
                   </a:solidFill>
@@ -534,7 +535,7 @@
             </a:ln>
             <a:extLst>
               <a:ext uri="{91240B29-F687-4f45-9708-019B960494DF}">
-                <a14:hiddenLine xmlns:a14="http://schemas.microsoft.com/office/drawing/2010/main" xmlns="" w="9525">
+                <a14:hiddenLine xmlns="" xmlns:a14="http://schemas.microsoft.com/office/drawing/2010/main" w="9525">
                   <a:solidFill>
                     <a:srgbClr val="000000"/>
                   </a:solidFill>
@@ -596,7 +597,7 @@
             </a:ln>
             <a:extLst>
               <a:ext uri="{91240B29-F687-4f45-9708-019B960494DF}">
-                <a14:hiddenLine xmlns:a14="http://schemas.microsoft.com/office/drawing/2010/main" xmlns="" w="9525">
+                <a14:hiddenLine xmlns="" xmlns:a14="http://schemas.microsoft.com/office/drawing/2010/main" w="9525">
                   <a:solidFill>
                     <a:srgbClr val="000000"/>
                   </a:solidFill>
@@ -658,7 +659,7 @@
             </a:ln>
             <a:extLst>
               <a:ext uri="{91240B29-F687-4f45-9708-019B960494DF}">
-                <a14:hiddenLine xmlns:a14="http://schemas.microsoft.com/office/drawing/2010/main" xmlns="" w="9525">
+                <a14:hiddenLine xmlns="" xmlns:a14="http://schemas.microsoft.com/office/drawing/2010/main" w="9525">
                   <a:solidFill>
                     <a:srgbClr val="000000"/>
                   </a:solidFill>
@@ -748,7 +749,7 @@
             </a:ln>
             <a:extLst>
               <a:ext uri="{91240B29-F687-4f45-9708-019B960494DF}">
-                <a14:hiddenLine xmlns:a14="http://schemas.microsoft.com/office/drawing/2010/main" xmlns="" w="9525">
+                <a14:hiddenLine xmlns="" xmlns:a14="http://schemas.microsoft.com/office/drawing/2010/main" w="9525">
                   <a:solidFill>
                     <a:srgbClr val="000000"/>
                   </a:solidFill>
@@ -810,7 +811,7 @@
             </a:ln>
             <a:extLst>
               <a:ext uri="{91240B29-F687-4f45-9708-019B960494DF}">
-                <a14:hiddenLine xmlns:a14="http://schemas.microsoft.com/office/drawing/2010/main" xmlns="" w="9525">
+                <a14:hiddenLine xmlns="" xmlns:a14="http://schemas.microsoft.com/office/drawing/2010/main" w="9525">
                   <a:solidFill>
                     <a:srgbClr val="000000"/>
                   </a:solidFill>
@@ -872,7 +873,7 @@
             </a:ln>
             <a:extLst>
               <a:ext uri="{91240B29-F687-4f45-9708-019B960494DF}">
-                <a14:hiddenLine xmlns:a14="http://schemas.microsoft.com/office/drawing/2010/main" xmlns="" w="9525">
+                <a14:hiddenLine xmlns="" xmlns:a14="http://schemas.microsoft.com/office/drawing/2010/main" w="9525">
                   <a:solidFill>
                     <a:srgbClr val="000000"/>
                   </a:solidFill>
@@ -962,7 +963,7 @@
             </a:ln>
             <a:extLst>
               <a:ext uri="{91240B29-F687-4f45-9708-019B960494DF}">
-                <a14:hiddenLine xmlns:a14="http://schemas.microsoft.com/office/drawing/2010/main" xmlns="" w="9525">
+                <a14:hiddenLine xmlns="" xmlns:a14="http://schemas.microsoft.com/office/drawing/2010/main" w="9525">
                   <a:solidFill>
                     <a:srgbClr val="000000"/>
                   </a:solidFill>
@@ -1052,7 +1053,7 @@
             </a:ln>
             <a:extLst>
               <a:ext uri="{91240B29-F687-4f45-9708-019B960494DF}">
-                <a14:hiddenLine xmlns:a14="http://schemas.microsoft.com/office/drawing/2010/main" xmlns="" w="9525">
+                <a14:hiddenLine xmlns="" xmlns:a14="http://schemas.microsoft.com/office/drawing/2010/main" w="9525">
                   <a:solidFill>
                     <a:srgbClr val="000000"/>
                   </a:solidFill>
@@ -1114,7 +1115,7 @@
             </a:ln>
             <a:extLst>
               <a:ext uri="{91240B29-F687-4f45-9708-019B960494DF}">
-                <a14:hiddenLine xmlns:a14="http://schemas.microsoft.com/office/drawing/2010/main" xmlns="" w="9525">
+                <a14:hiddenLine xmlns="" xmlns:a14="http://schemas.microsoft.com/office/drawing/2010/main" w="9525">
                   <a:solidFill>
                     <a:srgbClr val="000000"/>
                   </a:solidFill>
@@ -1224,7 +1225,7 @@
             </a:ln>
             <a:extLst>
               <a:ext uri="{91240B29-F687-4f45-9708-019B960494DF}">
-                <a14:hiddenLine xmlns:a14="http://schemas.microsoft.com/office/drawing/2010/main" xmlns="" w="9525">
+                <a14:hiddenLine xmlns="" xmlns:a14="http://schemas.microsoft.com/office/drawing/2010/main" w="9525">
                   <a:solidFill>
                     <a:srgbClr val="000000"/>
                   </a:solidFill>
@@ -1286,7 +1287,7 @@
             </a:ln>
             <a:extLst>
               <a:ext uri="{91240B29-F687-4f45-9708-019B960494DF}">
-                <a14:hiddenLine xmlns:a14="http://schemas.microsoft.com/office/drawing/2010/main" xmlns="" w="9525">
+                <a14:hiddenLine xmlns="" xmlns:a14="http://schemas.microsoft.com/office/drawing/2010/main" w="9525">
                   <a:solidFill>
                     <a:srgbClr val="000000"/>
                   </a:solidFill>
@@ -1376,7 +1377,7 @@
             </a:ln>
             <a:extLst>
               <a:ext uri="{91240B29-F687-4f45-9708-019B960494DF}">
-                <a14:hiddenLine xmlns:a14="http://schemas.microsoft.com/office/drawing/2010/main" xmlns="" w="9525">
+                <a14:hiddenLine xmlns="" xmlns:a14="http://schemas.microsoft.com/office/drawing/2010/main" w="9525">
                   <a:solidFill>
                     <a:srgbClr val="000000"/>
                   </a:solidFill>
@@ -1466,7 +1467,7 @@
             </a:ln>
             <a:extLst>
               <a:ext uri="{91240B29-F687-4f45-9708-019B960494DF}">
-                <a14:hiddenLine xmlns:a14="http://schemas.microsoft.com/office/drawing/2010/main" xmlns="" w="9525">
+                <a14:hiddenLine xmlns="" xmlns:a14="http://schemas.microsoft.com/office/drawing/2010/main" w="9525">
                   <a:solidFill>
                     <a:srgbClr val="000000"/>
                   </a:solidFill>
@@ -1528,7 +1529,7 @@
             </a:ln>
             <a:extLst>
               <a:ext uri="{91240B29-F687-4f45-9708-019B960494DF}">
-                <a14:hiddenLine xmlns:a14="http://schemas.microsoft.com/office/drawing/2010/main" xmlns="" w="9525">
+                <a14:hiddenLine xmlns="" xmlns:a14="http://schemas.microsoft.com/office/drawing/2010/main" w="9525">
                   <a:solidFill>
                     <a:srgbClr val="000000"/>
                   </a:solidFill>
@@ -1618,7 +1619,7 @@
             </a:ln>
             <a:extLst>
               <a:ext uri="{91240B29-F687-4f45-9708-019B960494DF}">
-                <a14:hiddenLine xmlns:a14="http://schemas.microsoft.com/office/drawing/2010/main" xmlns="" w="9525">
+                <a14:hiddenLine xmlns="" xmlns:a14="http://schemas.microsoft.com/office/drawing/2010/main" w="9525">
                   <a:solidFill>
                     <a:srgbClr val="000000"/>
                   </a:solidFill>
@@ -1708,7 +1709,7 @@
             </a:ln>
             <a:extLst>
               <a:ext uri="{91240B29-F687-4f45-9708-019B960494DF}">
-                <a14:hiddenLine xmlns:a14="http://schemas.microsoft.com/office/drawing/2010/main" xmlns="" w="9525">
+                <a14:hiddenLine xmlns="" xmlns:a14="http://schemas.microsoft.com/office/drawing/2010/main" w="9525">
                   <a:solidFill>
                     <a:srgbClr val="000000"/>
                   </a:solidFill>
@@ -1764,7 +1765,7 @@
             </a:ln>
             <a:extLst>
               <a:ext uri="{91240B29-F687-4f45-9708-019B960494DF}">
-                <a14:hiddenLine xmlns:a14="http://schemas.microsoft.com/office/drawing/2010/main" xmlns="" w="9525">
+                <a14:hiddenLine xmlns="" xmlns:a14="http://schemas.microsoft.com/office/drawing/2010/main" w="9525">
                   <a:solidFill>
                     <a:srgbClr val="000000"/>
                   </a:solidFill>
@@ -1854,7 +1855,7 @@
             </a:ln>
             <a:extLst>
               <a:ext uri="{91240B29-F687-4f45-9708-019B960494DF}">
-                <a14:hiddenLine xmlns:a14="http://schemas.microsoft.com/office/drawing/2010/main" xmlns="" w="9525">
+                <a14:hiddenLine xmlns="" xmlns:a14="http://schemas.microsoft.com/office/drawing/2010/main" w="9525">
                   <a:solidFill>
                     <a:srgbClr val="000000"/>
                   </a:solidFill>
@@ -1910,7 +1911,7 @@
             </a:ln>
             <a:extLst>
               <a:ext uri="{91240B29-F687-4f45-9708-019B960494DF}">
-                <a14:hiddenLine xmlns:a14="http://schemas.microsoft.com/office/drawing/2010/main" xmlns="" w="9525">
+                <a14:hiddenLine xmlns="" xmlns:a14="http://schemas.microsoft.com/office/drawing/2010/main" w="9525">
                   <a:solidFill>
                     <a:srgbClr val="000000"/>
                   </a:solidFill>
@@ -2000,7 +2001,7 @@
             </a:ln>
             <a:extLst>
               <a:ext uri="{91240B29-F687-4f45-9708-019B960494DF}">
-                <a14:hiddenLine xmlns:a14="http://schemas.microsoft.com/office/drawing/2010/main" xmlns="" w="9525">
+                <a14:hiddenLine xmlns="" xmlns:a14="http://schemas.microsoft.com/office/drawing/2010/main" w="9525">
                   <a:solidFill>
                     <a:srgbClr val="000000"/>
                   </a:solidFill>
@@ -2068,7 +2069,7 @@
             </a:ln>
             <a:extLst>
               <a:ext uri="{91240B29-F687-4f45-9708-019B960494DF}">
-                <a14:hiddenLine xmlns:a14="http://schemas.microsoft.com/office/drawing/2010/main" xmlns="" w="9525">
+                <a14:hiddenLine xmlns="" xmlns:a14="http://schemas.microsoft.com/office/drawing/2010/main" w="9525">
                   <a:solidFill>
                     <a:srgbClr val="000000"/>
                   </a:solidFill>
@@ -2158,7 +2159,7 @@
             </a:ln>
             <a:extLst>
               <a:ext uri="{91240B29-F687-4f45-9708-019B960494DF}">
-                <a14:hiddenLine xmlns:a14="http://schemas.microsoft.com/office/drawing/2010/main" xmlns="" w="9525">
+                <a14:hiddenLine xmlns="" xmlns:a14="http://schemas.microsoft.com/office/drawing/2010/main" w="9525">
                   <a:solidFill>
                     <a:srgbClr val="000000"/>
                   </a:solidFill>
@@ -2226,7 +2227,7 @@
             </a:ln>
             <a:extLst>
               <a:ext uri="{91240B29-F687-4f45-9708-019B960494DF}">
-                <a14:hiddenLine xmlns:a14="http://schemas.microsoft.com/office/drawing/2010/main" xmlns="" w="9525">
+                <a14:hiddenLine xmlns="" xmlns:a14="http://schemas.microsoft.com/office/drawing/2010/main" w="9525">
                   <a:solidFill>
                     <a:srgbClr val="000000"/>
                   </a:solidFill>
@@ -2316,7 +2317,7 @@
             </a:ln>
             <a:extLst>
               <a:ext uri="{91240B29-F687-4f45-9708-019B960494DF}">
-                <a14:hiddenLine xmlns:a14="http://schemas.microsoft.com/office/drawing/2010/main" xmlns="" w="9525">
+                <a14:hiddenLine xmlns="" xmlns:a14="http://schemas.microsoft.com/office/drawing/2010/main" w="9525">
                   <a:solidFill>
                     <a:srgbClr val="000000"/>
                   </a:solidFill>
@@ -2350,7 +2351,7 @@
             </a:ln>
             <a:extLst>
               <a:ext uri="{91240B29-F687-4f45-9708-019B960494DF}">
-                <a14:hiddenLine xmlns:a14="http://schemas.microsoft.com/office/drawing/2010/main" xmlns="" w="9525">
+                <a14:hiddenLine xmlns="" xmlns:a14="http://schemas.microsoft.com/office/drawing/2010/main" w="9525">
                   <a:solidFill>
                     <a:srgbClr val="000000"/>
                   </a:solidFill>
@@ -2440,7 +2441,7 @@
             </a:ln>
             <a:extLst>
               <a:ext uri="{91240B29-F687-4f45-9708-019B960494DF}">
-                <a14:hiddenLine xmlns:a14="http://schemas.microsoft.com/office/drawing/2010/main" xmlns="" w="9525">
+                <a14:hiddenLine xmlns="" xmlns:a14="http://schemas.microsoft.com/office/drawing/2010/main" w="9525">
                   <a:solidFill>
                     <a:srgbClr val="000000"/>
                   </a:solidFill>
@@ -2502,7 +2503,7 @@
             </a:ln>
             <a:extLst>
               <a:ext uri="{91240B29-F687-4f45-9708-019B960494DF}">
-                <a14:hiddenLine xmlns:a14="http://schemas.microsoft.com/office/drawing/2010/main" xmlns="" w="9525">
+                <a14:hiddenLine xmlns="" xmlns:a14="http://schemas.microsoft.com/office/drawing/2010/main" w="9525">
                   <a:solidFill>
                     <a:srgbClr val="000000"/>
                   </a:solidFill>
@@ -2564,7 +2565,7 @@
             </a:ln>
             <a:extLst>
               <a:ext uri="{91240B29-F687-4f45-9708-019B960494DF}">
-                <a14:hiddenLine xmlns:a14="http://schemas.microsoft.com/office/drawing/2010/main" xmlns="" w="9525">
+                <a14:hiddenLine xmlns="" xmlns:a14="http://schemas.microsoft.com/office/drawing/2010/main" w="9525">
                   <a:solidFill>
                     <a:srgbClr val="000000"/>
                   </a:solidFill>
@@ -2654,7 +2655,7 @@
             </a:ln>
             <a:extLst>
               <a:ext uri="{91240B29-F687-4f45-9708-019B960494DF}">
-                <a14:hiddenLine xmlns:a14="http://schemas.microsoft.com/office/drawing/2010/main" xmlns="" w="9525">
+                <a14:hiddenLine xmlns="" xmlns:a14="http://schemas.microsoft.com/office/drawing/2010/main" w="9525">
                   <a:solidFill>
                     <a:srgbClr val="000000"/>
                   </a:solidFill>
@@ -2722,7 +2723,7 @@
             </a:ln>
             <a:extLst>
               <a:ext uri="{91240B29-F687-4f45-9708-019B960494DF}">
-                <a14:hiddenLine xmlns:a14="http://schemas.microsoft.com/office/drawing/2010/main" xmlns="" w="9525">
+                <a14:hiddenLine xmlns="" xmlns:a14="http://schemas.microsoft.com/office/drawing/2010/main" w="9525">
                   <a:solidFill>
                     <a:srgbClr val="000000"/>
                   </a:solidFill>
@@ -2784,7 +2785,7 @@
             </a:ln>
             <a:extLst>
               <a:ext uri="{91240B29-F687-4f45-9708-019B960494DF}">
-                <a14:hiddenLine xmlns:a14="http://schemas.microsoft.com/office/drawing/2010/main" xmlns="" w="9525">
+                <a14:hiddenLine xmlns="" xmlns:a14="http://schemas.microsoft.com/office/drawing/2010/main" w="9525">
                   <a:solidFill>
                     <a:srgbClr val="000000"/>
                   </a:solidFill>
@@ -2874,7 +2875,7 @@
             </a:ln>
             <a:extLst>
               <a:ext uri="{91240B29-F687-4f45-9708-019B960494DF}">
-                <a14:hiddenLine xmlns:a14="http://schemas.microsoft.com/office/drawing/2010/main" xmlns="" w="9525">
+                <a14:hiddenLine xmlns="" xmlns:a14="http://schemas.microsoft.com/office/drawing/2010/main" w="9525">
                   <a:solidFill>
                     <a:srgbClr val="000000"/>
                   </a:solidFill>
@@ -2936,7 +2937,7 @@
             </a:ln>
             <a:extLst>
               <a:ext uri="{91240B29-F687-4f45-9708-019B960494DF}">
-                <a14:hiddenLine xmlns:a14="http://schemas.microsoft.com/office/drawing/2010/main" xmlns="" w="9525">
+                <a14:hiddenLine xmlns="" xmlns:a14="http://schemas.microsoft.com/office/drawing/2010/main" w="9525">
                   <a:solidFill>
                     <a:srgbClr val="000000"/>
                   </a:solidFill>
@@ -3026,7 +3027,7 @@
             </a:ln>
             <a:extLst>
               <a:ext uri="{91240B29-F687-4f45-9708-019B960494DF}">
-                <a14:hiddenLine xmlns:a14="http://schemas.microsoft.com/office/drawing/2010/main" xmlns="" w="9525">
+                <a14:hiddenLine xmlns="" xmlns:a14="http://schemas.microsoft.com/office/drawing/2010/main" w="9525">
                   <a:solidFill>
                     <a:srgbClr val="000000"/>
                   </a:solidFill>
@@ -3088,7 +3089,7 @@
             </a:ln>
             <a:extLst>
               <a:ext uri="{91240B29-F687-4f45-9708-019B960494DF}">
-                <a14:hiddenLine xmlns:a14="http://schemas.microsoft.com/office/drawing/2010/main" xmlns="" w="9525">
+                <a14:hiddenLine xmlns="" xmlns:a14="http://schemas.microsoft.com/office/drawing/2010/main" w="9525">
                   <a:solidFill>
                     <a:srgbClr val="000000"/>
                   </a:solidFill>
@@ -3178,7 +3179,7 @@
             </a:ln>
             <a:extLst>
               <a:ext uri="{91240B29-F687-4f45-9708-019B960494DF}">
-                <a14:hiddenLine xmlns:a14="http://schemas.microsoft.com/office/drawing/2010/main" xmlns="" w="9525">
+                <a14:hiddenLine xmlns="" xmlns:a14="http://schemas.microsoft.com/office/drawing/2010/main" w="9525">
                   <a:solidFill>
                     <a:srgbClr val="000000"/>
                   </a:solidFill>
@@ -3212,7 +3213,7 @@
             </a:ln>
             <a:extLst>
               <a:ext uri="{91240B29-F687-4f45-9708-019B960494DF}">
-                <a14:hiddenLine xmlns:a14="http://schemas.microsoft.com/office/drawing/2010/main" xmlns="" w="9525">
+                <a14:hiddenLine xmlns="" xmlns:a14="http://schemas.microsoft.com/office/drawing/2010/main" w="9525">
                   <a:solidFill>
                     <a:srgbClr val="000000"/>
                   </a:solidFill>
@@ -3277,7 +3278,7 @@
             </a:ln>
             <a:extLst>
               <a:ext uri="{91240B29-F687-4f45-9708-019B960494DF}">
-                <a14:hiddenLine xmlns:a14="http://schemas.microsoft.com/office/drawing/2010/main" xmlns="" w="9525">
+                <a14:hiddenLine xmlns="" xmlns:a14="http://schemas.microsoft.com/office/drawing/2010/main" w="9525">
                   <a:solidFill>
                     <a:srgbClr val="000000"/>
                   </a:solidFill>
@@ -3367,7 +3368,7 @@
             </a:ln>
             <a:extLst>
               <a:ext uri="{91240B29-F687-4f45-9708-019B960494DF}">
-                <a14:hiddenLine xmlns:a14="http://schemas.microsoft.com/office/drawing/2010/main" xmlns="" w="9525">
+                <a14:hiddenLine xmlns="" xmlns:a14="http://schemas.microsoft.com/office/drawing/2010/main" w="9525">
                   <a:solidFill>
                     <a:srgbClr val="000000"/>
                   </a:solidFill>
@@ -3429,7 +3430,7 @@
             </a:ln>
             <a:extLst>
               <a:ext uri="{91240B29-F687-4f45-9708-019B960494DF}">
-                <a14:hiddenLine xmlns:a14="http://schemas.microsoft.com/office/drawing/2010/main" xmlns="" w="9525">
+                <a14:hiddenLine xmlns="" xmlns:a14="http://schemas.microsoft.com/office/drawing/2010/main" w="9525">
                   <a:solidFill>
                     <a:srgbClr val="000000"/>
                   </a:solidFill>
@@ -3519,7 +3520,7 @@
             </a:ln>
             <a:extLst>
               <a:ext uri="{91240B29-F687-4f45-9708-019B960494DF}">
-                <a14:hiddenLine xmlns:a14="http://schemas.microsoft.com/office/drawing/2010/main" xmlns="" w="9525">
+                <a14:hiddenLine xmlns="" xmlns:a14="http://schemas.microsoft.com/office/drawing/2010/main" w="9525">
                   <a:solidFill>
                     <a:srgbClr val="000000"/>
                   </a:solidFill>
@@ -3609,7 +3610,7 @@
             </a:ln>
             <a:extLst>
               <a:ext uri="{91240B29-F687-4f45-9708-019B960494DF}">
-                <a14:hiddenLine xmlns:a14="http://schemas.microsoft.com/office/drawing/2010/main" xmlns="" w="9525">
+                <a14:hiddenLine xmlns="" xmlns:a14="http://schemas.microsoft.com/office/drawing/2010/main" w="9525">
                   <a:solidFill>
                     <a:srgbClr val="000000"/>
                   </a:solidFill>
@@ -3674,7 +3675,7 @@
             </a:ln>
             <a:extLst>
               <a:ext uri="{91240B29-F687-4f45-9708-019B960494DF}">
-                <a14:hiddenLine xmlns:a14="http://schemas.microsoft.com/office/drawing/2010/main" xmlns="" w="9525">
+                <a14:hiddenLine xmlns="" xmlns:a14="http://schemas.microsoft.com/office/drawing/2010/main" w="9525">
                   <a:solidFill>
                     <a:srgbClr val="000000"/>
                   </a:solidFill>
@@ -3736,7 +3737,7 @@
             </a:ln>
             <a:extLst>
               <a:ext uri="{91240B29-F687-4f45-9708-019B960494DF}">
-                <a14:hiddenLine xmlns:a14="http://schemas.microsoft.com/office/drawing/2010/main" xmlns="" w="9525">
+                <a14:hiddenLine xmlns="" xmlns:a14="http://schemas.microsoft.com/office/drawing/2010/main" w="9525">
                   <a:solidFill>
                     <a:srgbClr val="000000"/>
                   </a:solidFill>
@@ -3826,7 +3827,7 @@
             </a:ln>
             <a:extLst>
               <a:ext uri="{91240B29-F687-4f45-9708-019B960494DF}">
-                <a14:hiddenLine xmlns:a14="http://schemas.microsoft.com/office/drawing/2010/main" xmlns="" w="9525">
+                <a14:hiddenLine xmlns="" xmlns:a14="http://schemas.microsoft.com/office/drawing/2010/main" w="9525">
                   <a:solidFill>
                     <a:srgbClr val="000000"/>
                   </a:solidFill>
@@ -3916,7 +3917,7 @@
             </a:ln>
             <a:extLst>
               <a:ext uri="{91240B29-F687-4f45-9708-019B960494DF}">
-                <a14:hiddenLine xmlns:a14="http://schemas.microsoft.com/office/drawing/2010/main" xmlns="" w="9525">
+                <a14:hiddenLine xmlns="" xmlns:a14="http://schemas.microsoft.com/office/drawing/2010/main" w="9525">
                   <a:solidFill>
                     <a:srgbClr val="000000"/>
                   </a:solidFill>
@@ -3978,7 +3979,7 @@
             </a:ln>
             <a:extLst>
               <a:ext uri="{91240B29-F687-4f45-9708-019B960494DF}">
-                <a14:hiddenLine xmlns:a14="http://schemas.microsoft.com/office/drawing/2010/main" xmlns="" w="9525">
+                <a14:hiddenLine xmlns="" xmlns:a14="http://schemas.microsoft.com/office/drawing/2010/main" w="9525">
                   <a:solidFill>
                     <a:srgbClr val="000000"/>
                   </a:solidFill>
@@ -4098,7 +4099,7 @@
             </a:ln>
             <a:extLst>
               <a:ext uri="{91240B29-F687-4f45-9708-019B960494DF}">
-                <a14:hiddenLine xmlns:a14="http://schemas.microsoft.com/office/drawing/2010/main" xmlns="" w="9525">
+                <a14:hiddenLine xmlns="" xmlns:a14="http://schemas.microsoft.com/office/drawing/2010/main" w="9525">
                   <a:solidFill>
                     <a:srgbClr val="000000"/>
                   </a:solidFill>
@@ -4166,7 +4167,7 @@
             </a:ln>
             <a:extLst>
               <a:ext uri="{91240B29-F687-4f45-9708-019B960494DF}">
-                <a14:hiddenLine xmlns:a14="http://schemas.microsoft.com/office/drawing/2010/main" xmlns="" w="9525">
+                <a14:hiddenLine xmlns="" xmlns:a14="http://schemas.microsoft.com/office/drawing/2010/main" w="9525">
                   <a:solidFill>
                     <a:srgbClr val="000000"/>
                   </a:solidFill>
@@ -4256,7 +4257,7 @@
             </a:ln>
             <a:extLst>
               <a:ext uri="{91240B29-F687-4f45-9708-019B960494DF}">
-                <a14:hiddenLine xmlns:a14="http://schemas.microsoft.com/office/drawing/2010/main" xmlns="" w="9525">
+                <a14:hiddenLine xmlns="" xmlns:a14="http://schemas.microsoft.com/office/drawing/2010/main" w="9525">
                   <a:solidFill>
                     <a:srgbClr val="000000"/>
                   </a:solidFill>
@@ -4396,7 +4397,7 @@
           <a:p>
             <a:fld id="{48A87A34-81AB-432B-8DAE-1953F412C126}" type="datetimeFigureOut">
               <a:rPr lang="en-US" dirty="0"/>
-              <a:t>4/11/2018</a:t>
+              <a:t>4/13/2018</a:t>
             </a:fld>
             <a:endParaRPr lang="en-US" dirty="0"/>
           </a:p>
@@ -4658,7 +4659,7 @@
           <a:p>
             <a:fld id="{48A87A34-81AB-432B-8DAE-1953F412C126}" type="datetimeFigureOut">
               <a:rPr lang="en-US" dirty="0"/>
-              <a:t>4/11/2018</a:t>
+              <a:t>4/13/2018</a:t>
             </a:fld>
             <a:endParaRPr lang="en-US" dirty="0"/>
           </a:p>
@@ -4849,7 +4850,7 @@
           <a:p>
             <a:fld id="{48A87A34-81AB-432B-8DAE-1953F412C126}" type="datetimeFigureOut">
               <a:rPr lang="en-US" dirty="0"/>
-              <a:t>4/11/2018</a:t>
+              <a:t>4/13/2018</a:t>
             </a:fld>
             <a:endParaRPr lang="en-US" dirty="0"/>
           </a:p>
@@ -5107,7 +5108,7 @@
           <a:p>
             <a:fld id="{48A87A34-81AB-432B-8DAE-1953F412C126}" type="datetimeFigureOut">
               <a:rPr lang="en-US" dirty="0"/>
-              <a:t>4/11/2018</a:t>
+              <a:t>4/13/2018</a:t>
             </a:fld>
             <a:endParaRPr lang="en-US" dirty="0"/>
           </a:p>
@@ -5536,7 +5537,7 @@
           <a:p>
             <a:fld id="{48A87A34-81AB-432B-8DAE-1953F412C126}" type="datetimeFigureOut">
               <a:rPr lang="en-US" dirty="0"/>
-              <a:t>4/11/2018</a:t>
+              <a:t>4/13/2018</a:t>
             </a:fld>
             <a:endParaRPr lang="en-US" dirty="0"/>
           </a:p>
@@ -6077,7 +6078,7 @@
           <a:p>
             <a:fld id="{48A87A34-81AB-432B-8DAE-1953F412C126}" type="datetimeFigureOut">
               <a:rPr lang="en-US" dirty="0"/>
-              <a:t>4/11/2018</a:t>
+              <a:t>4/13/2018</a:t>
             </a:fld>
             <a:endParaRPr lang="en-US" dirty="0"/>
           </a:p>
@@ -6792,7 +6793,7 @@
           <a:p>
             <a:fld id="{48A87A34-81AB-432B-8DAE-1953F412C126}" type="datetimeFigureOut">
               <a:rPr lang="en-US" dirty="0"/>
-              <a:t>4/11/2018</a:t>
+              <a:t>4/13/2018</a:t>
             </a:fld>
             <a:endParaRPr lang="en-US" dirty="0"/>
           </a:p>
@@ -6957,7 +6958,7 @@
           <a:p>
             <a:fld id="{48A87A34-81AB-432B-8DAE-1953F412C126}" type="datetimeFigureOut">
               <a:rPr lang="en-US" dirty="0"/>
-              <a:t>4/11/2018</a:t>
+              <a:t>4/13/2018</a:t>
             </a:fld>
             <a:endParaRPr lang="en-US" dirty="0"/>
           </a:p>
@@ -7132,7 +7133,7 @@
           <a:p>
             <a:fld id="{48A87A34-81AB-432B-8DAE-1953F412C126}" type="datetimeFigureOut">
               <a:rPr lang="en-US" dirty="0"/>
-              <a:t>4/11/2018</a:t>
+              <a:t>4/13/2018</a:t>
             </a:fld>
             <a:endParaRPr lang="en-US" dirty="0"/>
           </a:p>
@@ -7297,7 +7298,7 @@
           <a:p>
             <a:fld id="{48A87A34-81AB-432B-8DAE-1953F412C126}" type="datetimeFigureOut">
               <a:rPr lang="en-US" dirty="0"/>
-              <a:t>4/11/2018</a:t>
+              <a:t>4/13/2018</a:t>
             </a:fld>
             <a:endParaRPr lang="en-US" dirty="0"/>
           </a:p>
@@ -7542,7 +7543,7 @@
           <a:p>
             <a:fld id="{48A87A34-81AB-432B-8DAE-1953F412C126}" type="datetimeFigureOut">
               <a:rPr lang="en-US" dirty="0"/>
-              <a:t>4/11/2018</a:t>
+              <a:t>4/13/2018</a:t>
             </a:fld>
             <a:endParaRPr lang="en-US" dirty="0"/>
           </a:p>
@@ -7769,7 +7770,7 @@
           <a:p>
             <a:fld id="{48A87A34-81AB-432B-8DAE-1953F412C126}" type="datetimeFigureOut">
               <a:rPr lang="en-US" dirty="0"/>
-              <a:t>4/11/2018</a:t>
+              <a:t>4/13/2018</a:t>
             </a:fld>
             <a:endParaRPr lang="en-US" dirty="0"/>
           </a:p>
@@ -8145,7 +8146,7 @@
           <a:p>
             <a:fld id="{48A87A34-81AB-432B-8DAE-1953F412C126}" type="datetimeFigureOut">
               <a:rPr lang="en-US" dirty="0"/>
-              <a:t>4/11/2018</a:t>
+              <a:t>4/13/2018</a:t>
             </a:fld>
             <a:endParaRPr lang="en-US" dirty="0"/>
           </a:p>
@@ -8258,7 +8259,7 @@
           <a:p>
             <a:fld id="{48A87A34-81AB-432B-8DAE-1953F412C126}" type="datetimeFigureOut">
               <a:rPr lang="en-US" dirty="0"/>
-              <a:t>4/11/2018</a:t>
+              <a:t>4/13/2018</a:t>
             </a:fld>
             <a:endParaRPr lang="en-US" dirty="0"/>
           </a:p>
@@ -8348,7 +8349,7 @@
           <a:p>
             <a:fld id="{48A87A34-81AB-432B-8DAE-1953F412C126}" type="datetimeFigureOut">
               <a:rPr lang="en-US" dirty="0"/>
-              <a:t>4/11/2018</a:t>
+              <a:t>4/13/2018</a:t>
             </a:fld>
             <a:endParaRPr lang="en-US" dirty="0"/>
           </a:p>
@@ -8592,7 +8593,7 @@
           <a:p>
             <a:fld id="{48A87A34-81AB-432B-8DAE-1953F412C126}" type="datetimeFigureOut">
               <a:rPr lang="en-US" dirty="0"/>
-              <a:t>4/11/2018</a:t>
+              <a:t>4/13/2018</a:t>
             </a:fld>
             <a:endParaRPr lang="en-US" dirty="0"/>
           </a:p>
@@ -8867,7 +8868,7 @@
           <a:p>
             <a:fld id="{48A87A34-81AB-432B-8DAE-1953F412C126}" type="datetimeFigureOut">
               <a:rPr lang="en-US" dirty="0"/>
-              <a:t>4/11/2018</a:t>
+              <a:t>4/13/2018</a:t>
             </a:fld>
             <a:endParaRPr lang="en-US" dirty="0"/>
           </a:p>
@@ -8978,7 +8979,7 @@
           <a:noFill/>
           <a:extLst>
             <a:ext uri="{909E8E84-426E-40dd-AFC4-6F175D3DCCD1}">
-              <a14:hiddenFill xmlns:a14="http://schemas.microsoft.com/office/drawing/2010/main" xmlns="">
+              <a14:hiddenFill xmlns="" xmlns:a14="http://schemas.microsoft.com/office/drawing/2010/main">
                 <a:solidFill>
                   <a:srgbClr val="FFFFFF"/>
                 </a:solidFill>
@@ -9052,7 +9053,7 @@
               </a:ln>
               <a:extLst>
                 <a:ext uri="{91240B29-F687-4f45-9708-019B960494DF}">
-                  <a14:hiddenLine xmlns:a14="http://schemas.microsoft.com/office/drawing/2010/main" xmlns="" w="9525">
+                  <a14:hiddenLine xmlns="" xmlns:a14="http://schemas.microsoft.com/office/drawing/2010/main" w="9525">
                     <a:solidFill>
                       <a:srgbClr val="000000"/>
                     </a:solidFill>
@@ -9142,7 +9143,7 @@
               </a:ln>
               <a:extLst>
                 <a:ext uri="{91240B29-F687-4f45-9708-019B960494DF}">
-                  <a14:hiddenLine xmlns:a14="http://schemas.microsoft.com/office/drawing/2010/main" xmlns="" w="9525">
+                  <a14:hiddenLine xmlns="" xmlns:a14="http://schemas.microsoft.com/office/drawing/2010/main" w="9525">
                     <a:solidFill>
                       <a:srgbClr val="000000"/>
                     </a:solidFill>
@@ -9232,7 +9233,7 @@
               </a:ln>
               <a:extLst>
                 <a:ext uri="{91240B29-F687-4f45-9708-019B960494DF}">
-                  <a14:hiddenLine xmlns:a14="http://schemas.microsoft.com/office/drawing/2010/main" xmlns="" w="9525">
+                  <a14:hiddenLine xmlns="" xmlns:a14="http://schemas.microsoft.com/office/drawing/2010/main" w="9525">
                     <a:solidFill>
                       <a:srgbClr val="000000"/>
                     </a:solidFill>
@@ -9294,7 +9295,7 @@
               </a:ln>
               <a:extLst>
                 <a:ext uri="{91240B29-F687-4f45-9708-019B960494DF}">
-                  <a14:hiddenLine xmlns:a14="http://schemas.microsoft.com/office/drawing/2010/main" xmlns="" w="9525">
+                  <a14:hiddenLine xmlns="" xmlns:a14="http://schemas.microsoft.com/office/drawing/2010/main" w="9525">
                     <a:solidFill>
                       <a:srgbClr val="000000"/>
                     </a:solidFill>
@@ -9384,7 +9385,7 @@
               </a:ln>
               <a:extLst>
                 <a:ext uri="{91240B29-F687-4f45-9708-019B960494DF}">
-                  <a14:hiddenLine xmlns:a14="http://schemas.microsoft.com/office/drawing/2010/main" xmlns="" w="9525">
+                  <a14:hiddenLine xmlns="" xmlns:a14="http://schemas.microsoft.com/office/drawing/2010/main" w="9525">
                     <a:solidFill>
                       <a:srgbClr val="000000"/>
                     </a:solidFill>
@@ -9446,7 +9447,7 @@
               </a:ln>
               <a:extLst>
                 <a:ext uri="{91240B29-F687-4f45-9708-019B960494DF}">
-                  <a14:hiddenLine xmlns:a14="http://schemas.microsoft.com/office/drawing/2010/main" xmlns="" w="9525">
+                  <a14:hiddenLine xmlns="" xmlns:a14="http://schemas.microsoft.com/office/drawing/2010/main" w="9525">
                     <a:solidFill>
                       <a:srgbClr val="000000"/>
                     </a:solidFill>
@@ -9508,7 +9509,7 @@
               </a:ln>
               <a:extLst>
                 <a:ext uri="{91240B29-F687-4f45-9708-019B960494DF}">
-                  <a14:hiddenLine xmlns:a14="http://schemas.microsoft.com/office/drawing/2010/main" xmlns="" w="9525">
+                  <a14:hiddenLine xmlns="" xmlns:a14="http://schemas.microsoft.com/office/drawing/2010/main" w="9525">
                     <a:solidFill>
                       <a:srgbClr val="000000"/>
                     </a:solidFill>
@@ -9598,7 +9599,7 @@
               </a:ln>
               <a:extLst>
                 <a:ext uri="{91240B29-F687-4f45-9708-019B960494DF}">
-                  <a14:hiddenLine xmlns:a14="http://schemas.microsoft.com/office/drawing/2010/main" xmlns="" w="9525">
+                  <a14:hiddenLine xmlns="" xmlns:a14="http://schemas.microsoft.com/office/drawing/2010/main" w="9525">
                     <a:solidFill>
                       <a:srgbClr val="000000"/>
                     </a:solidFill>
@@ -9688,7 +9689,7 @@
               </a:ln>
               <a:extLst>
                 <a:ext uri="{91240B29-F687-4f45-9708-019B960494DF}">
-                  <a14:hiddenLine xmlns:a14="http://schemas.microsoft.com/office/drawing/2010/main" xmlns="" w="9525">
+                  <a14:hiddenLine xmlns="" xmlns:a14="http://schemas.microsoft.com/office/drawing/2010/main" w="9525">
                     <a:solidFill>
                       <a:srgbClr val="000000"/>
                     </a:solidFill>
@@ -9750,7 +9751,7 @@
               </a:ln>
               <a:extLst>
                 <a:ext uri="{91240B29-F687-4f45-9708-019B960494DF}">
-                  <a14:hiddenLine xmlns:a14="http://schemas.microsoft.com/office/drawing/2010/main" xmlns="" w="9525">
+                  <a14:hiddenLine xmlns="" xmlns:a14="http://schemas.microsoft.com/office/drawing/2010/main" w="9525">
                     <a:solidFill>
                       <a:srgbClr val="000000"/>
                     </a:solidFill>
@@ -9860,7 +9861,7 @@
               </a:ln>
               <a:extLst>
                 <a:ext uri="{91240B29-F687-4f45-9708-019B960494DF}">
-                  <a14:hiddenLine xmlns:a14="http://schemas.microsoft.com/office/drawing/2010/main" xmlns="" w="9525">
+                  <a14:hiddenLine xmlns="" xmlns:a14="http://schemas.microsoft.com/office/drawing/2010/main" w="9525">
                     <a:solidFill>
                       <a:srgbClr val="000000"/>
                     </a:solidFill>
@@ -9944,7 +9945,7 @@
               </a:ln>
               <a:extLst>
                 <a:ext uri="{91240B29-F687-4f45-9708-019B960494DF}">
-                  <a14:hiddenLine xmlns:a14="http://schemas.microsoft.com/office/drawing/2010/main" xmlns="" w="9525">
+                  <a14:hiddenLine xmlns="" xmlns:a14="http://schemas.microsoft.com/office/drawing/2010/main" w="9525">
                     <a:solidFill>
                       <a:srgbClr val="000000"/>
                     </a:solidFill>
@@ -10006,7 +10007,7 @@
               </a:ln>
               <a:extLst>
                 <a:ext uri="{91240B29-F687-4f45-9708-019B960494DF}">
-                  <a14:hiddenLine xmlns:a14="http://schemas.microsoft.com/office/drawing/2010/main" xmlns="" w="9525">
+                  <a14:hiddenLine xmlns="" xmlns:a14="http://schemas.microsoft.com/office/drawing/2010/main" w="9525">
                     <a:solidFill>
                       <a:srgbClr val="000000"/>
                     </a:solidFill>
@@ -10068,7 +10069,7 @@
               </a:ln>
               <a:extLst>
                 <a:ext uri="{91240B29-F687-4f45-9708-019B960494DF}">
-                  <a14:hiddenLine xmlns:a14="http://schemas.microsoft.com/office/drawing/2010/main" xmlns="" w="9525">
+                  <a14:hiddenLine xmlns="" xmlns:a14="http://schemas.microsoft.com/office/drawing/2010/main" w="9525">
                     <a:solidFill>
                       <a:srgbClr val="000000"/>
                     </a:solidFill>
@@ -10158,7 +10159,7 @@
               </a:ln>
               <a:extLst>
                 <a:ext uri="{91240B29-F687-4f45-9708-019B960494DF}">
-                  <a14:hiddenLine xmlns:a14="http://schemas.microsoft.com/office/drawing/2010/main" xmlns="" w="9525">
+                  <a14:hiddenLine xmlns="" xmlns:a14="http://schemas.microsoft.com/office/drawing/2010/main" w="9525">
                     <a:solidFill>
                       <a:srgbClr val="000000"/>
                     </a:solidFill>
@@ -10192,7 +10193,7 @@
               </a:ln>
               <a:extLst>
                 <a:ext uri="{91240B29-F687-4f45-9708-019B960494DF}">
-                  <a14:hiddenLine xmlns:a14="http://schemas.microsoft.com/office/drawing/2010/main" xmlns="" w="9525">
+                  <a14:hiddenLine xmlns="" xmlns:a14="http://schemas.microsoft.com/office/drawing/2010/main" w="9525">
                     <a:solidFill>
                       <a:srgbClr val="000000"/>
                     </a:solidFill>
@@ -10257,7 +10258,7 @@
               </a:ln>
               <a:extLst>
                 <a:ext uri="{91240B29-F687-4f45-9708-019B960494DF}">
-                  <a14:hiddenLine xmlns:a14="http://schemas.microsoft.com/office/drawing/2010/main" xmlns="" w="9525">
+                  <a14:hiddenLine xmlns="" xmlns:a14="http://schemas.microsoft.com/office/drawing/2010/main" w="9525">
                     <a:solidFill>
                       <a:srgbClr val="000000"/>
                     </a:solidFill>
@@ -10347,7 +10348,7 @@
               </a:ln>
               <a:extLst>
                 <a:ext uri="{91240B29-F687-4f45-9708-019B960494DF}">
-                  <a14:hiddenLine xmlns:a14="http://schemas.microsoft.com/office/drawing/2010/main" xmlns="" w="9525">
+                  <a14:hiddenLine xmlns="" xmlns:a14="http://schemas.microsoft.com/office/drawing/2010/main" w="9525">
                     <a:solidFill>
                       <a:srgbClr val="000000"/>
                     </a:solidFill>
@@ -10409,7 +10410,7 @@
               </a:ln>
               <a:extLst>
                 <a:ext uri="{91240B29-F687-4f45-9708-019B960494DF}">
-                  <a14:hiddenLine xmlns:a14="http://schemas.microsoft.com/office/drawing/2010/main" xmlns="" w="9525">
+                  <a14:hiddenLine xmlns="" xmlns:a14="http://schemas.microsoft.com/office/drawing/2010/main" w="9525">
                     <a:solidFill>
                       <a:srgbClr val="000000"/>
                     </a:solidFill>
@@ -10499,7 +10500,7 @@
               </a:ln>
               <a:extLst>
                 <a:ext uri="{91240B29-F687-4f45-9708-019B960494DF}">
-                  <a14:hiddenLine xmlns:a14="http://schemas.microsoft.com/office/drawing/2010/main" xmlns="" w="9525">
+                  <a14:hiddenLine xmlns="" xmlns:a14="http://schemas.microsoft.com/office/drawing/2010/main" w="9525">
                     <a:solidFill>
                       <a:srgbClr val="000000"/>
                     </a:solidFill>
@@ -10564,7 +10565,7 @@
               </a:ln>
               <a:extLst>
                 <a:ext uri="{91240B29-F687-4f45-9708-019B960494DF}">
-                  <a14:hiddenLine xmlns:a14="http://schemas.microsoft.com/office/drawing/2010/main" xmlns="" w="9525">
+                  <a14:hiddenLine xmlns="" xmlns:a14="http://schemas.microsoft.com/office/drawing/2010/main" w="9525">
                     <a:solidFill>
                       <a:srgbClr val="000000"/>
                     </a:solidFill>
@@ -10626,7 +10627,7 @@
               </a:ln>
               <a:extLst>
                 <a:ext uri="{91240B29-F687-4f45-9708-019B960494DF}">
-                  <a14:hiddenLine xmlns:a14="http://schemas.microsoft.com/office/drawing/2010/main" xmlns="" w="9525">
+                  <a14:hiddenLine xmlns="" xmlns:a14="http://schemas.microsoft.com/office/drawing/2010/main" w="9525">
                     <a:solidFill>
                       <a:srgbClr val="000000"/>
                     </a:solidFill>
@@ -10716,7 +10717,7 @@
               </a:ln>
               <a:extLst>
                 <a:ext uri="{91240B29-F687-4f45-9708-019B960494DF}">
-                  <a14:hiddenLine xmlns:a14="http://schemas.microsoft.com/office/drawing/2010/main" xmlns="" w="9525">
+                  <a14:hiddenLine xmlns="" xmlns:a14="http://schemas.microsoft.com/office/drawing/2010/main" w="9525">
                     <a:solidFill>
                       <a:srgbClr val="000000"/>
                     </a:solidFill>
@@ -10806,7 +10807,7 @@
               </a:ln>
               <a:extLst>
                 <a:ext uri="{91240B29-F687-4f45-9708-019B960494DF}">
-                  <a14:hiddenLine xmlns:a14="http://schemas.microsoft.com/office/drawing/2010/main" xmlns="" w="9525">
+                  <a14:hiddenLine xmlns="" xmlns:a14="http://schemas.microsoft.com/office/drawing/2010/main" w="9525">
                     <a:solidFill>
                       <a:srgbClr val="000000"/>
                     </a:solidFill>
@@ -10871,7 +10872,7 @@
               </a:ln>
               <a:extLst>
                 <a:ext uri="{91240B29-F687-4f45-9708-019B960494DF}">
-                  <a14:hiddenLine xmlns:a14="http://schemas.microsoft.com/office/drawing/2010/main" xmlns="" w="9525">
+                  <a14:hiddenLine xmlns="" xmlns:a14="http://schemas.microsoft.com/office/drawing/2010/main" w="9525">
                     <a:solidFill>
                       <a:srgbClr val="000000"/>
                     </a:solidFill>
@@ -10991,7 +10992,7 @@
               </a:ln>
               <a:extLst>
                 <a:ext uri="{91240B29-F687-4f45-9708-019B960494DF}">
-                  <a14:hiddenLine xmlns:a14="http://schemas.microsoft.com/office/drawing/2010/main" xmlns="" w="9525">
+                  <a14:hiddenLine xmlns="" xmlns:a14="http://schemas.microsoft.com/office/drawing/2010/main" w="9525">
                     <a:solidFill>
                       <a:srgbClr val="000000"/>
                     </a:solidFill>
@@ -11089,7 +11090,7 @@
               </a:ln>
               <a:extLst>
                 <a:ext uri="{91240B29-F687-4f45-9708-019B960494DF}">
-                  <a14:hiddenLine xmlns:a14="http://schemas.microsoft.com/office/drawing/2010/main" xmlns="" w="9525">
+                  <a14:hiddenLine xmlns="" xmlns:a14="http://schemas.microsoft.com/office/drawing/2010/main" w="9525">
                     <a:solidFill>
                       <a:srgbClr val="000000"/>
                     </a:solidFill>
@@ -11204,7 +11205,7 @@
               </a:ln>
               <a:extLst>
                 <a:ext uri="{91240B29-F687-4f45-9708-019B960494DF}">
-                  <a14:hiddenLine xmlns:a14="http://schemas.microsoft.com/office/drawing/2010/main" xmlns="" w="9525">
+                  <a14:hiddenLine xmlns="" xmlns:a14="http://schemas.microsoft.com/office/drawing/2010/main" w="9525">
                     <a:solidFill>
                       <a:srgbClr val="000000"/>
                     </a:solidFill>
@@ -11294,7 +11295,7 @@
               </a:ln>
               <a:extLst>
                 <a:ext uri="{91240B29-F687-4f45-9708-019B960494DF}">
-                  <a14:hiddenLine xmlns:a14="http://schemas.microsoft.com/office/drawing/2010/main" xmlns="" w="9525">
+                  <a14:hiddenLine xmlns="" xmlns:a14="http://schemas.microsoft.com/office/drawing/2010/main" w="9525">
                     <a:solidFill>
                       <a:srgbClr val="000000"/>
                     </a:solidFill>
@@ -11359,7 +11360,7 @@
               </a:ln>
               <a:extLst>
                 <a:ext uri="{91240B29-F687-4f45-9708-019B960494DF}">
-                  <a14:hiddenLine xmlns:a14="http://schemas.microsoft.com/office/drawing/2010/main" xmlns="" w="9525">
+                  <a14:hiddenLine xmlns="" xmlns:a14="http://schemas.microsoft.com/office/drawing/2010/main" w="9525">
                     <a:solidFill>
                       <a:srgbClr val="000000"/>
                     </a:solidFill>
@@ -11449,7 +11450,7 @@
               </a:ln>
               <a:extLst>
                 <a:ext uri="{91240B29-F687-4f45-9708-019B960494DF}">
-                  <a14:hiddenLine xmlns:a14="http://schemas.microsoft.com/office/drawing/2010/main" xmlns="" w="9525">
+                  <a14:hiddenLine xmlns="" xmlns:a14="http://schemas.microsoft.com/office/drawing/2010/main" w="9525">
                     <a:solidFill>
                       <a:srgbClr val="000000"/>
                     </a:solidFill>
@@ -11517,7 +11518,7 @@
               </a:ln>
               <a:extLst>
                 <a:ext uri="{91240B29-F687-4f45-9708-019B960494DF}">
-                  <a14:hiddenLine xmlns:a14="http://schemas.microsoft.com/office/drawing/2010/main" xmlns="" w="9525">
+                  <a14:hiddenLine xmlns="" xmlns:a14="http://schemas.microsoft.com/office/drawing/2010/main" w="9525">
                     <a:solidFill>
                       <a:srgbClr val="000000"/>
                     </a:solidFill>
@@ -11607,7 +11608,7 @@
               </a:ln>
               <a:extLst>
                 <a:ext uri="{91240B29-F687-4f45-9708-019B960494DF}">
-                  <a14:hiddenLine xmlns:a14="http://schemas.microsoft.com/office/drawing/2010/main" xmlns="" w="9525">
+                  <a14:hiddenLine xmlns="" xmlns:a14="http://schemas.microsoft.com/office/drawing/2010/main" w="9525">
                     <a:solidFill>
                       <a:srgbClr val="000000"/>
                     </a:solidFill>
@@ -11675,7 +11676,7 @@
               </a:ln>
               <a:extLst>
                 <a:ext uri="{91240B29-F687-4f45-9708-019B960494DF}">
-                  <a14:hiddenLine xmlns:a14="http://schemas.microsoft.com/office/drawing/2010/main" xmlns="" w="9525">
+                  <a14:hiddenLine xmlns="" xmlns:a14="http://schemas.microsoft.com/office/drawing/2010/main" w="9525">
                     <a:solidFill>
                       <a:srgbClr val="000000"/>
                     </a:solidFill>
@@ -11765,7 +11766,7 @@
               </a:ln>
               <a:extLst>
                 <a:ext uri="{91240B29-F687-4f45-9708-019B960494DF}">
-                  <a14:hiddenLine xmlns:a14="http://schemas.microsoft.com/office/drawing/2010/main" xmlns="" w="9525">
+                  <a14:hiddenLine xmlns="" xmlns:a14="http://schemas.microsoft.com/office/drawing/2010/main" w="9525">
                     <a:solidFill>
                       <a:srgbClr val="000000"/>
                     </a:solidFill>
@@ -11799,7 +11800,7 @@
               </a:ln>
               <a:extLst>
                 <a:ext uri="{91240B29-F687-4f45-9708-019B960494DF}">
-                  <a14:hiddenLine xmlns:a14="http://schemas.microsoft.com/office/drawing/2010/main" xmlns="" w="9525">
+                  <a14:hiddenLine xmlns="" xmlns:a14="http://schemas.microsoft.com/office/drawing/2010/main" w="9525">
                     <a:solidFill>
                       <a:srgbClr val="000000"/>
                     </a:solidFill>
@@ -11940,7 +11941,7 @@
             <a:fld id="{48A87A34-81AB-432B-8DAE-1953F412C126}" type="datetimeFigureOut">
               <a:rPr lang="en-US" dirty="0"/>
               <a:pPr/>
-              <a:t>4/11/2018</a:t>
+              <a:t>4/13/2018</a:t>
             </a:fld>
             <a:endParaRPr lang="en-US" dirty="0"/>
           </a:p>
@@ -12425,6 +12426,92 @@
 </p:sld>
 </file>
 
+<file path=ppt/slides/slide10.xml><?xml version="1.0" encoding="utf-8"?>
+<p:sld xmlns:a="http://schemas.openxmlformats.org/drawingml/2006/main" xmlns:r="http://schemas.openxmlformats.org/officeDocument/2006/relationships" xmlns:p="http://schemas.openxmlformats.org/presentationml/2006/main">
+  <p:cSld>
+    <p:spTree>
+      <p:nvGrpSpPr>
+        <p:cNvPr id="1" name=""/>
+        <p:cNvGrpSpPr/>
+        <p:nvPr/>
+      </p:nvGrpSpPr>
+      <p:grpSpPr>
+        <a:xfrm>
+          <a:off x="0" y="0"/>
+          <a:ext cx="0" cy="0"/>
+          <a:chOff x="0" y="0"/>
+          <a:chExt cx="0" cy="0"/>
+        </a:xfrm>
+      </p:grpSpPr>
+      <p:sp>
+        <p:nvSpPr>
+          <p:cNvPr id="2" name="Title 1">
+            <a:extLst>
+              <a:ext uri="{FF2B5EF4-FFF2-40B4-BE49-F238E27FC236}">
+                <a16:creationId xmlns:a16="http://schemas.microsoft.com/office/drawing/2014/main" id="{DC164D9F-6811-4E28-B993-660A2E1B612D}"/>
+              </a:ext>
+            </a:extLst>
+          </p:cNvPr>
+          <p:cNvSpPr>
+            <a:spLocks noGrp="1"/>
+          </p:cNvSpPr>
+          <p:nvPr>
+            <p:ph type="title"/>
+          </p:nvPr>
+        </p:nvSpPr>
+        <p:spPr/>
+        <p:txBody>
+          <a:bodyPr/>
+          <a:lstStyle/>
+          <a:p>
+            <a:r>
+              <a:rPr lang="en-US" dirty="0"/>
+              <a:t>Bonus</a:t>
+            </a:r>
+          </a:p>
+        </p:txBody>
+      </p:sp>
+      <p:sp>
+        <p:nvSpPr>
+          <p:cNvPr id="3" name="Content Placeholder 2">
+            <a:extLst>
+              <a:ext uri="{FF2B5EF4-FFF2-40B4-BE49-F238E27FC236}">
+                <a16:creationId xmlns:a16="http://schemas.microsoft.com/office/drawing/2014/main" id="{CA57E6CB-EE8B-4FA6-863E-AC42D38F7C20}"/>
+              </a:ext>
+            </a:extLst>
+          </p:cNvPr>
+          <p:cNvSpPr>
+            <a:spLocks noGrp="1"/>
+          </p:cNvSpPr>
+          <p:nvPr>
+            <p:ph idx="1"/>
+          </p:nvPr>
+        </p:nvSpPr>
+        <p:spPr/>
+        <p:txBody>
+          <a:bodyPr/>
+          <a:lstStyle/>
+          <a:p>
+            <a:r>
+              <a:rPr lang="en-US" dirty="0"/>
+              <a:t>The performance for bonus part gave an area curve of 78.23%. This was not expected since it incorporated PCA and LDA. As a result, I was expecting a curve 80% or better.</a:t>
+            </a:r>
+          </a:p>
+        </p:txBody>
+      </p:sp>
+    </p:spTree>
+    <p:extLst>
+      <p:ext uri="{BB962C8B-B14F-4D97-AF65-F5344CB8AC3E}">
+        <p14:creationId xmlns:p14="http://schemas.microsoft.com/office/powerpoint/2010/main" val="3014348387"/>
+      </p:ext>
+    </p:extLst>
+  </p:cSld>
+  <p:clrMapOvr>
+    <a:masterClrMapping/>
+  </p:clrMapOvr>
+</p:sld>
+</file>
+
 <file path=ppt/slides/slide2.xml><?xml version="1.0" encoding="utf-8"?>
 <p:sld xmlns:a="http://schemas.openxmlformats.org/drawingml/2006/main" xmlns:r="http://schemas.openxmlformats.org/officeDocument/2006/relationships" xmlns:p="http://schemas.openxmlformats.org/presentationml/2006/main">
   <p:cSld>
@@ -12493,15 +12580,7 @@
           <a:p>
             <a:r>
               <a:rPr lang="en-US" dirty="0"/>
-              <a:t>The goal of this project is to observe LDA with the 40 samples from the ATT database using the first five images as training and comparing those results with the PCA results for the same </a:t>
-            </a:r>
-            <a:r>
-              <a:rPr lang="en-US" dirty="0" err="1"/>
-              <a:t>critera</a:t>
-            </a:r>
-            <a:r>
-              <a:rPr lang="en-US" dirty="0"/>
-              <a:t> (mode)</a:t>
+              <a:t>The goal of this project is to observe LDA with the 40 samples from the ATT database using the first five images as training and comparing those results with the PCA results for the same criteria (mode)</a:t>
             </a:r>
           </a:p>
         </p:txBody>
@@ -12629,13 +12708,8 @@
           <a:p>
             <a:r>
               <a:rPr lang="en-US" dirty="0"/>
-              <a:t>Using test images which are last five images from ATT database for all subjects and multiply it by the </a:t>
+              <a:t>Using test images which are last five images from ATT database for all subjects and multiply it by the vector space</a:t>
             </a:r>
-            <a:r>
-              <a:rPr lang="en-US" dirty="0" err="1"/>
-              <a:t>vectorspace</a:t>
-            </a:r>
-            <a:endParaRPr lang="en-US" dirty="0"/>
           </a:p>
           <a:p>
             <a:r>
@@ -13400,7 +13474,7 @@
           <a:p>
             <a:r>
               <a:rPr lang="en-US" dirty="0"/>
-              <a:t>PCA Mode 1 Results</a:t>
+              <a:t>PCA Mode 1 Results (from Earlier Project)</a:t>
             </a:r>
           </a:p>
         </p:txBody>
@@ -13556,7 +13630,7 @@
           <p:nvPr>
             <p:extLst>
               <p:ext uri="{D42A27DB-BD31-4B8C-83A1-F6EECF244321}">
-                <p14:modId xmlns:p14="http://schemas.microsoft.com/office/powerpoint/2010/main" val="2084105198"/>
+                <p14:modId xmlns:p14="http://schemas.microsoft.com/office/powerpoint/2010/main" val="2581360600"/>
               </p:ext>
             </p:extLst>
           </p:nvPr>
@@ -13608,7 +13682,7 @@
                     <a:p>
                       <a:r>
                         <a:rPr lang="en-US" dirty="0"/>
-                        <a:t>FRR</a:t>
+                        <a:t>GAR</a:t>
                       </a:r>
                     </a:p>
                   </a:txBody>
@@ -13855,11 +13929,11 @@
             </a:r>
             <a:r>
               <a:rPr lang="en-US" dirty="0"/>
-              <a:t>” Since the results were ~94.5% for LDA and ~94% for PCA, which are both pretty close to 95%. </a:t>
+              <a:t>” Since the results were ~94.5% for LDA and ~94% for PCA, both are pretty close to 95%. </a:t>
             </a:r>
             <a:r>
               <a:rPr lang="en-US" b="1" dirty="0"/>
-              <a:t>Therefore, this shows that the results are in line with accuracy.</a:t>
+              <a:t>Therefore, this shows that the results were fairly accurate.</a:t>
             </a:r>
           </a:p>
         </p:txBody>

--- a/LDA_Project3/ResultsPresentation.pptx
+++ b/LDA_Project3/ResultsPresentation.pptx
@@ -171,7 +171,7 @@
           <a:noFill/>
           <a:extLst>
             <a:ext uri="{909E8E84-426E-40dd-AFC4-6F175D3DCCD1}">
-              <a14:hiddenFill xmlns="" xmlns:a14="http://schemas.microsoft.com/office/drawing/2010/main">
+              <a14:hiddenFill xmlns:a14="http://schemas.microsoft.com/office/drawing/2010/main" xmlns="">
                 <a:solidFill>
                   <a:srgbClr val="FFFFFF"/>
                 </a:solidFill>
@@ -231,7 +231,7 @@
             </a:ln>
             <a:extLst>
               <a:ext uri="{91240B29-F687-4f45-9708-019B960494DF}">
-                <a14:hiddenLine xmlns="" xmlns:a14="http://schemas.microsoft.com/office/drawing/2010/main" w="9525">
+                <a14:hiddenLine xmlns:a14="http://schemas.microsoft.com/office/drawing/2010/main" xmlns="" w="9525">
                   <a:solidFill>
                     <a:srgbClr val="000000"/>
                   </a:solidFill>
@@ -321,7 +321,7 @@
             </a:ln>
             <a:extLst>
               <a:ext uri="{91240B29-F687-4f45-9708-019B960494DF}">
-                <a14:hiddenLine xmlns="" xmlns:a14="http://schemas.microsoft.com/office/drawing/2010/main" w="9525">
+                <a14:hiddenLine xmlns:a14="http://schemas.microsoft.com/office/drawing/2010/main" xmlns="" w="9525">
                   <a:solidFill>
                     <a:srgbClr val="000000"/>
                   </a:solidFill>
@@ -411,7 +411,7 @@
             </a:ln>
             <a:extLst>
               <a:ext uri="{91240B29-F687-4f45-9708-019B960494DF}">
-                <a14:hiddenLine xmlns="" xmlns:a14="http://schemas.microsoft.com/office/drawing/2010/main" w="9525">
+                <a14:hiddenLine xmlns:a14="http://schemas.microsoft.com/office/drawing/2010/main" xmlns="" w="9525">
                   <a:solidFill>
                     <a:srgbClr val="000000"/>
                   </a:solidFill>
@@ -445,7 +445,7 @@
             </a:ln>
             <a:extLst>
               <a:ext uri="{91240B29-F687-4f45-9708-019B960494DF}">
-                <a14:hiddenLine xmlns="" xmlns:a14="http://schemas.microsoft.com/office/drawing/2010/main" w="9525">
+                <a14:hiddenLine xmlns:a14="http://schemas.microsoft.com/office/drawing/2010/main" xmlns="" w="9525">
                   <a:solidFill>
                     <a:srgbClr val="000000"/>
                   </a:solidFill>
@@ -535,7 +535,7 @@
             </a:ln>
             <a:extLst>
               <a:ext uri="{91240B29-F687-4f45-9708-019B960494DF}">
-                <a14:hiddenLine xmlns="" xmlns:a14="http://schemas.microsoft.com/office/drawing/2010/main" w="9525">
+                <a14:hiddenLine xmlns:a14="http://schemas.microsoft.com/office/drawing/2010/main" xmlns="" w="9525">
                   <a:solidFill>
                     <a:srgbClr val="000000"/>
                   </a:solidFill>
@@ -597,7 +597,7 @@
             </a:ln>
             <a:extLst>
               <a:ext uri="{91240B29-F687-4f45-9708-019B960494DF}">
-                <a14:hiddenLine xmlns="" xmlns:a14="http://schemas.microsoft.com/office/drawing/2010/main" w="9525">
+                <a14:hiddenLine xmlns:a14="http://schemas.microsoft.com/office/drawing/2010/main" xmlns="" w="9525">
                   <a:solidFill>
                     <a:srgbClr val="000000"/>
                   </a:solidFill>
@@ -659,7 +659,7 @@
             </a:ln>
             <a:extLst>
               <a:ext uri="{91240B29-F687-4f45-9708-019B960494DF}">
-                <a14:hiddenLine xmlns="" xmlns:a14="http://schemas.microsoft.com/office/drawing/2010/main" w="9525">
+                <a14:hiddenLine xmlns:a14="http://schemas.microsoft.com/office/drawing/2010/main" xmlns="" w="9525">
                   <a:solidFill>
                     <a:srgbClr val="000000"/>
                   </a:solidFill>
@@ -749,7 +749,7 @@
             </a:ln>
             <a:extLst>
               <a:ext uri="{91240B29-F687-4f45-9708-019B960494DF}">
-                <a14:hiddenLine xmlns="" xmlns:a14="http://schemas.microsoft.com/office/drawing/2010/main" w="9525">
+                <a14:hiddenLine xmlns:a14="http://schemas.microsoft.com/office/drawing/2010/main" xmlns="" w="9525">
                   <a:solidFill>
                     <a:srgbClr val="000000"/>
                   </a:solidFill>
@@ -811,7 +811,7 @@
             </a:ln>
             <a:extLst>
               <a:ext uri="{91240B29-F687-4f45-9708-019B960494DF}">
-                <a14:hiddenLine xmlns="" xmlns:a14="http://schemas.microsoft.com/office/drawing/2010/main" w="9525">
+                <a14:hiddenLine xmlns:a14="http://schemas.microsoft.com/office/drawing/2010/main" xmlns="" w="9525">
                   <a:solidFill>
                     <a:srgbClr val="000000"/>
                   </a:solidFill>
@@ -873,7 +873,7 @@
             </a:ln>
             <a:extLst>
               <a:ext uri="{91240B29-F687-4f45-9708-019B960494DF}">
-                <a14:hiddenLine xmlns="" xmlns:a14="http://schemas.microsoft.com/office/drawing/2010/main" w="9525">
+                <a14:hiddenLine xmlns:a14="http://schemas.microsoft.com/office/drawing/2010/main" xmlns="" w="9525">
                   <a:solidFill>
                     <a:srgbClr val="000000"/>
                   </a:solidFill>
@@ -963,7 +963,7 @@
             </a:ln>
             <a:extLst>
               <a:ext uri="{91240B29-F687-4f45-9708-019B960494DF}">
-                <a14:hiddenLine xmlns="" xmlns:a14="http://schemas.microsoft.com/office/drawing/2010/main" w="9525">
+                <a14:hiddenLine xmlns:a14="http://schemas.microsoft.com/office/drawing/2010/main" xmlns="" w="9525">
                   <a:solidFill>
                     <a:srgbClr val="000000"/>
                   </a:solidFill>
@@ -1053,7 +1053,7 @@
             </a:ln>
             <a:extLst>
               <a:ext uri="{91240B29-F687-4f45-9708-019B960494DF}">
-                <a14:hiddenLine xmlns="" xmlns:a14="http://schemas.microsoft.com/office/drawing/2010/main" w="9525">
+                <a14:hiddenLine xmlns:a14="http://schemas.microsoft.com/office/drawing/2010/main" xmlns="" w="9525">
                   <a:solidFill>
                     <a:srgbClr val="000000"/>
                   </a:solidFill>
@@ -1115,7 +1115,7 @@
             </a:ln>
             <a:extLst>
               <a:ext uri="{91240B29-F687-4f45-9708-019B960494DF}">
-                <a14:hiddenLine xmlns="" xmlns:a14="http://schemas.microsoft.com/office/drawing/2010/main" w="9525">
+                <a14:hiddenLine xmlns:a14="http://schemas.microsoft.com/office/drawing/2010/main" xmlns="" w="9525">
                   <a:solidFill>
                     <a:srgbClr val="000000"/>
                   </a:solidFill>
@@ -1225,7 +1225,7 @@
             </a:ln>
             <a:extLst>
               <a:ext uri="{91240B29-F687-4f45-9708-019B960494DF}">
-                <a14:hiddenLine xmlns="" xmlns:a14="http://schemas.microsoft.com/office/drawing/2010/main" w="9525">
+                <a14:hiddenLine xmlns:a14="http://schemas.microsoft.com/office/drawing/2010/main" xmlns="" w="9525">
                   <a:solidFill>
                     <a:srgbClr val="000000"/>
                   </a:solidFill>
@@ -1287,7 +1287,7 @@
             </a:ln>
             <a:extLst>
               <a:ext uri="{91240B29-F687-4f45-9708-019B960494DF}">
-                <a14:hiddenLine xmlns="" xmlns:a14="http://schemas.microsoft.com/office/drawing/2010/main" w="9525">
+                <a14:hiddenLine xmlns:a14="http://schemas.microsoft.com/office/drawing/2010/main" xmlns="" w="9525">
                   <a:solidFill>
                     <a:srgbClr val="000000"/>
                   </a:solidFill>
@@ -1377,7 +1377,7 @@
             </a:ln>
             <a:extLst>
               <a:ext uri="{91240B29-F687-4f45-9708-019B960494DF}">
-                <a14:hiddenLine xmlns="" xmlns:a14="http://schemas.microsoft.com/office/drawing/2010/main" w="9525">
+                <a14:hiddenLine xmlns:a14="http://schemas.microsoft.com/office/drawing/2010/main" xmlns="" w="9525">
                   <a:solidFill>
                     <a:srgbClr val="000000"/>
                   </a:solidFill>
@@ -1467,7 +1467,7 @@
             </a:ln>
             <a:extLst>
               <a:ext uri="{91240B29-F687-4f45-9708-019B960494DF}">
-                <a14:hiddenLine xmlns="" xmlns:a14="http://schemas.microsoft.com/office/drawing/2010/main" w="9525">
+                <a14:hiddenLine xmlns:a14="http://schemas.microsoft.com/office/drawing/2010/main" xmlns="" w="9525">
                   <a:solidFill>
                     <a:srgbClr val="000000"/>
                   </a:solidFill>
@@ -1529,7 +1529,7 @@
             </a:ln>
             <a:extLst>
               <a:ext uri="{91240B29-F687-4f45-9708-019B960494DF}">
-                <a14:hiddenLine xmlns="" xmlns:a14="http://schemas.microsoft.com/office/drawing/2010/main" w="9525">
+                <a14:hiddenLine xmlns:a14="http://schemas.microsoft.com/office/drawing/2010/main" xmlns="" w="9525">
                   <a:solidFill>
                     <a:srgbClr val="000000"/>
                   </a:solidFill>
@@ -1619,7 +1619,7 @@
             </a:ln>
             <a:extLst>
               <a:ext uri="{91240B29-F687-4f45-9708-019B960494DF}">
-                <a14:hiddenLine xmlns="" xmlns:a14="http://schemas.microsoft.com/office/drawing/2010/main" w="9525">
+                <a14:hiddenLine xmlns:a14="http://schemas.microsoft.com/office/drawing/2010/main" xmlns="" w="9525">
                   <a:solidFill>
                     <a:srgbClr val="000000"/>
                   </a:solidFill>
@@ -1709,7 +1709,7 @@
             </a:ln>
             <a:extLst>
               <a:ext uri="{91240B29-F687-4f45-9708-019B960494DF}">
-                <a14:hiddenLine xmlns="" xmlns:a14="http://schemas.microsoft.com/office/drawing/2010/main" w="9525">
+                <a14:hiddenLine xmlns:a14="http://schemas.microsoft.com/office/drawing/2010/main" xmlns="" w="9525">
                   <a:solidFill>
                     <a:srgbClr val="000000"/>
                   </a:solidFill>
@@ -1765,7 +1765,7 @@
             </a:ln>
             <a:extLst>
               <a:ext uri="{91240B29-F687-4f45-9708-019B960494DF}">
-                <a14:hiddenLine xmlns="" xmlns:a14="http://schemas.microsoft.com/office/drawing/2010/main" w="9525">
+                <a14:hiddenLine xmlns:a14="http://schemas.microsoft.com/office/drawing/2010/main" xmlns="" w="9525">
                   <a:solidFill>
                     <a:srgbClr val="000000"/>
                   </a:solidFill>
@@ -1855,7 +1855,7 @@
             </a:ln>
             <a:extLst>
               <a:ext uri="{91240B29-F687-4f45-9708-019B960494DF}">
-                <a14:hiddenLine xmlns="" xmlns:a14="http://schemas.microsoft.com/office/drawing/2010/main" w="9525">
+                <a14:hiddenLine xmlns:a14="http://schemas.microsoft.com/office/drawing/2010/main" xmlns="" w="9525">
                   <a:solidFill>
                     <a:srgbClr val="000000"/>
                   </a:solidFill>
@@ -1911,7 +1911,7 @@
             </a:ln>
             <a:extLst>
               <a:ext uri="{91240B29-F687-4f45-9708-019B960494DF}">
-                <a14:hiddenLine xmlns="" xmlns:a14="http://schemas.microsoft.com/office/drawing/2010/main" w="9525">
+                <a14:hiddenLine xmlns:a14="http://schemas.microsoft.com/office/drawing/2010/main" xmlns="" w="9525">
                   <a:solidFill>
                     <a:srgbClr val="000000"/>
                   </a:solidFill>
@@ -2001,7 +2001,7 @@
             </a:ln>
             <a:extLst>
               <a:ext uri="{91240B29-F687-4f45-9708-019B960494DF}">
-                <a14:hiddenLine xmlns="" xmlns:a14="http://schemas.microsoft.com/office/drawing/2010/main" w="9525">
+                <a14:hiddenLine xmlns:a14="http://schemas.microsoft.com/office/drawing/2010/main" xmlns="" w="9525">
                   <a:solidFill>
                     <a:srgbClr val="000000"/>
                   </a:solidFill>
@@ -2069,7 +2069,7 @@
             </a:ln>
             <a:extLst>
               <a:ext uri="{91240B29-F687-4f45-9708-019B960494DF}">
-                <a14:hiddenLine xmlns="" xmlns:a14="http://schemas.microsoft.com/office/drawing/2010/main" w="9525">
+                <a14:hiddenLine xmlns:a14="http://schemas.microsoft.com/office/drawing/2010/main" xmlns="" w="9525">
                   <a:solidFill>
                     <a:srgbClr val="000000"/>
                   </a:solidFill>
@@ -2159,7 +2159,7 @@
             </a:ln>
             <a:extLst>
               <a:ext uri="{91240B29-F687-4f45-9708-019B960494DF}">
-                <a14:hiddenLine xmlns="" xmlns:a14="http://schemas.microsoft.com/office/drawing/2010/main" w="9525">
+                <a14:hiddenLine xmlns:a14="http://schemas.microsoft.com/office/drawing/2010/main" xmlns="" w="9525">
                   <a:solidFill>
                     <a:srgbClr val="000000"/>
                   </a:solidFill>
@@ -2227,7 +2227,7 @@
             </a:ln>
             <a:extLst>
               <a:ext uri="{91240B29-F687-4f45-9708-019B960494DF}">
-                <a14:hiddenLine xmlns="" xmlns:a14="http://schemas.microsoft.com/office/drawing/2010/main" w="9525">
+                <a14:hiddenLine xmlns:a14="http://schemas.microsoft.com/office/drawing/2010/main" xmlns="" w="9525">
                   <a:solidFill>
                     <a:srgbClr val="000000"/>
                   </a:solidFill>
@@ -2317,7 +2317,7 @@
             </a:ln>
             <a:extLst>
               <a:ext uri="{91240B29-F687-4f45-9708-019B960494DF}">
-                <a14:hiddenLine xmlns="" xmlns:a14="http://schemas.microsoft.com/office/drawing/2010/main" w="9525">
+                <a14:hiddenLine xmlns:a14="http://schemas.microsoft.com/office/drawing/2010/main" xmlns="" w="9525">
                   <a:solidFill>
                     <a:srgbClr val="000000"/>
                   </a:solidFill>
@@ -2351,7 +2351,7 @@
             </a:ln>
             <a:extLst>
               <a:ext uri="{91240B29-F687-4f45-9708-019B960494DF}">
-                <a14:hiddenLine xmlns="" xmlns:a14="http://schemas.microsoft.com/office/drawing/2010/main" w="9525">
+                <a14:hiddenLine xmlns:a14="http://schemas.microsoft.com/office/drawing/2010/main" xmlns="" w="9525">
                   <a:solidFill>
                     <a:srgbClr val="000000"/>
                   </a:solidFill>
@@ -2441,7 +2441,7 @@
             </a:ln>
             <a:extLst>
               <a:ext uri="{91240B29-F687-4f45-9708-019B960494DF}">
-                <a14:hiddenLine xmlns="" xmlns:a14="http://schemas.microsoft.com/office/drawing/2010/main" w="9525">
+                <a14:hiddenLine xmlns:a14="http://schemas.microsoft.com/office/drawing/2010/main" xmlns="" w="9525">
                   <a:solidFill>
                     <a:srgbClr val="000000"/>
                   </a:solidFill>
@@ -2503,7 +2503,7 @@
             </a:ln>
             <a:extLst>
               <a:ext uri="{91240B29-F687-4f45-9708-019B960494DF}">
-                <a14:hiddenLine xmlns="" xmlns:a14="http://schemas.microsoft.com/office/drawing/2010/main" w="9525">
+                <a14:hiddenLine xmlns:a14="http://schemas.microsoft.com/office/drawing/2010/main" xmlns="" w="9525">
                   <a:solidFill>
                     <a:srgbClr val="000000"/>
                   </a:solidFill>
@@ -2565,7 +2565,7 @@
             </a:ln>
             <a:extLst>
               <a:ext uri="{91240B29-F687-4f45-9708-019B960494DF}">
-                <a14:hiddenLine xmlns="" xmlns:a14="http://schemas.microsoft.com/office/drawing/2010/main" w="9525">
+                <a14:hiddenLine xmlns:a14="http://schemas.microsoft.com/office/drawing/2010/main" xmlns="" w="9525">
                   <a:solidFill>
                     <a:srgbClr val="000000"/>
                   </a:solidFill>
@@ -2655,7 +2655,7 @@
             </a:ln>
             <a:extLst>
               <a:ext uri="{91240B29-F687-4f45-9708-019B960494DF}">
-                <a14:hiddenLine xmlns="" xmlns:a14="http://schemas.microsoft.com/office/drawing/2010/main" w="9525">
+                <a14:hiddenLine xmlns:a14="http://schemas.microsoft.com/office/drawing/2010/main" xmlns="" w="9525">
                   <a:solidFill>
                     <a:srgbClr val="000000"/>
                   </a:solidFill>
@@ -2723,7 +2723,7 @@
             </a:ln>
             <a:extLst>
               <a:ext uri="{91240B29-F687-4f45-9708-019B960494DF}">
-                <a14:hiddenLine xmlns="" xmlns:a14="http://schemas.microsoft.com/office/drawing/2010/main" w="9525">
+                <a14:hiddenLine xmlns:a14="http://schemas.microsoft.com/office/drawing/2010/main" xmlns="" w="9525">
                   <a:solidFill>
                     <a:srgbClr val="000000"/>
                   </a:solidFill>
@@ -2785,7 +2785,7 @@
             </a:ln>
             <a:extLst>
               <a:ext uri="{91240B29-F687-4f45-9708-019B960494DF}">
-                <a14:hiddenLine xmlns="" xmlns:a14="http://schemas.microsoft.com/office/drawing/2010/main" w="9525">
+                <a14:hiddenLine xmlns:a14="http://schemas.microsoft.com/office/drawing/2010/main" xmlns="" w="9525">
                   <a:solidFill>
                     <a:srgbClr val="000000"/>
                   </a:solidFill>
@@ -2875,7 +2875,7 @@
             </a:ln>
             <a:extLst>
               <a:ext uri="{91240B29-F687-4f45-9708-019B960494DF}">
-                <a14:hiddenLine xmlns="" xmlns:a14="http://schemas.microsoft.com/office/drawing/2010/main" w="9525">
+                <a14:hiddenLine xmlns:a14="http://schemas.microsoft.com/office/drawing/2010/main" xmlns="" w="9525">
                   <a:solidFill>
                     <a:srgbClr val="000000"/>
                   </a:solidFill>
@@ -2937,7 +2937,7 @@
             </a:ln>
             <a:extLst>
               <a:ext uri="{91240B29-F687-4f45-9708-019B960494DF}">
-                <a14:hiddenLine xmlns="" xmlns:a14="http://schemas.microsoft.com/office/drawing/2010/main" w="9525">
+                <a14:hiddenLine xmlns:a14="http://schemas.microsoft.com/office/drawing/2010/main" xmlns="" w="9525">
                   <a:solidFill>
                     <a:srgbClr val="000000"/>
                   </a:solidFill>
@@ -3027,7 +3027,7 @@
             </a:ln>
             <a:extLst>
               <a:ext uri="{91240B29-F687-4f45-9708-019B960494DF}">
-                <a14:hiddenLine xmlns="" xmlns:a14="http://schemas.microsoft.com/office/drawing/2010/main" w="9525">
+                <a14:hiddenLine xmlns:a14="http://schemas.microsoft.com/office/drawing/2010/main" xmlns="" w="9525">
                   <a:solidFill>
                     <a:srgbClr val="000000"/>
                   </a:solidFill>
@@ -3089,7 +3089,7 @@
             </a:ln>
             <a:extLst>
               <a:ext uri="{91240B29-F687-4f45-9708-019B960494DF}">
-                <a14:hiddenLine xmlns="" xmlns:a14="http://schemas.microsoft.com/office/drawing/2010/main" w="9525">
+                <a14:hiddenLine xmlns:a14="http://schemas.microsoft.com/office/drawing/2010/main" xmlns="" w="9525">
                   <a:solidFill>
                     <a:srgbClr val="000000"/>
                   </a:solidFill>
@@ -3179,7 +3179,7 @@
             </a:ln>
             <a:extLst>
               <a:ext uri="{91240B29-F687-4f45-9708-019B960494DF}">
-                <a14:hiddenLine xmlns="" xmlns:a14="http://schemas.microsoft.com/office/drawing/2010/main" w="9525">
+                <a14:hiddenLine xmlns:a14="http://schemas.microsoft.com/office/drawing/2010/main" xmlns="" w="9525">
                   <a:solidFill>
                     <a:srgbClr val="000000"/>
                   </a:solidFill>
@@ -3213,7 +3213,7 @@
             </a:ln>
             <a:extLst>
               <a:ext uri="{91240B29-F687-4f45-9708-019B960494DF}">
-                <a14:hiddenLine xmlns="" xmlns:a14="http://schemas.microsoft.com/office/drawing/2010/main" w="9525">
+                <a14:hiddenLine xmlns:a14="http://schemas.microsoft.com/office/drawing/2010/main" xmlns="" w="9525">
                   <a:solidFill>
                     <a:srgbClr val="000000"/>
                   </a:solidFill>
@@ -3278,7 +3278,7 @@
             </a:ln>
             <a:extLst>
               <a:ext uri="{91240B29-F687-4f45-9708-019B960494DF}">
-                <a14:hiddenLine xmlns="" xmlns:a14="http://schemas.microsoft.com/office/drawing/2010/main" w="9525">
+                <a14:hiddenLine xmlns:a14="http://schemas.microsoft.com/office/drawing/2010/main" xmlns="" w="9525">
                   <a:solidFill>
                     <a:srgbClr val="000000"/>
                   </a:solidFill>
@@ -3368,7 +3368,7 @@
             </a:ln>
             <a:extLst>
               <a:ext uri="{91240B29-F687-4f45-9708-019B960494DF}">
-                <a14:hiddenLine xmlns="" xmlns:a14="http://schemas.microsoft.com/office/drawing/2010/main" w="9525">
+                <a14:hiddenLine xmlns:a14="http://schemas.microsoft.com/office/drawing/2010/main" xmlns="" w="9525">
                   <a:solidFill>
                     <a:srgbClr val="000000"/>
                   </a:solidFill>
@@ -3430,7 +3430,7 @@
             </a:ln>
             <a:extLst>
               <a:ext uri="{91240B29-F687-4f45-9708-019B960494DF}">
-                <a14:hiddenLine xmlns="" xmlns:a14="http://schemas.microsoft.com/office/drawing/2010/main" w="9525">
+                <a14:hiddenLine xmlns:a14="http://schemas.microsoft.com/office/drawing/2010/main" xmlns="" w="9525">
                   <a:solidFill>
                     <a:srgbClr val="000000"/>
                   </a:solidFill>
@@ -3520,7 +3520,7 @@
             </a:ln>
             <a:extLst>
               <a:ext uri="{91240B29-F687-4f45-9708-019B960494DF}">
-                <a14:hiddenLine xmlns="" xmlns:a14="http://schemas.microsoft.com/office/drawing/2010/main" w="9525">
+                <a14:hiddenLine xmlns:a14="http://schemas.microsoft.com/office/drawing/2010/main" xmlns="" w="9525">
                   <a:solidFill>
                     <a:srgbClr val="000000"/>
                   </a:solidFill>
@@ -3610,7 +3610,7 @@
             </a:ln>
             <a:extLst>
               <a:ext uri="{91240B29-F687-4f45-9708-019B960494DF}">
-                <a14:hiddenLine xmlns="" xmlns:a14="http://schemas.microsoft.com/office/drawing/2010/main" w="9525">
+                <a14:hiddenLine xmlns:a14="http://schemas.microsoft.com/office/drawing/2010/main" xmlns="" w="9525">
                   <a:solidFill>
                     <a:srgbClr val="000000"/>
                   </a:solidFill>
@@ -3675,7 +3675,7 @@
             </a:ln>
             <a:extLst>
               <a:ext uri="{91240B29-F687-4f45-9708-019B960494DF}">
-                <a14:hiddenLine xmlns="" xmlns:a14="http://schemas.microsoft.com/office/drawing/2010/main" w="9525">
+                <a14:hiddenLine xmlns:a14="http://schemas.microsoft.com/office/drawing/2010/main" xmlns="" w="9525">
                   <a:solidFill>
                     <a:srgbClr val="000000"/>
                   </a:solidFill>
@@ -3737,7 +3737,7 @@
             </a:ln>
             <a:extLst>
               <a:ext uri="{91240B29-F687-4f45-9708-019B960494DF}">
-                <a14:hiddenLine xmlns="" xmlns:a14="http://schemas.microsoft.com/office/drawing/2010/main" w="9525">
+                <a14:hiddenLine xmlns:a14="http://schemas.microsoft.com/office/drawing/2010/main" xmlns="" w="9525">
                   <a:solidFill>
                     <a:srgbClr val="000000"/>
                   </a:solidFill>
@@ -3827,7 +3827,7 @@
             </a:ln>
             <a:extLst>
               <a:ext uri="{91240B29-F687-4f45-9708-019B960494DF}">
-                <a14:hiddenLine xmlns="" xmlns:a14="http://schemas.microsoft.com/office/drawing/2010/main" w="9525">
+                <a14:hiddenLine xmlns:a14="http://schemas.microsoft.com/office/drawing/2010/main" xmlns="" w="9525">
                   <a:solidFill>
                     <a:srgbClr val="000000"/>
                   </a:solidFill>
@@ -3917,7 +3917,7 @@
             </a:ln>
             <a:extLst>
               <a:ext uri="{91240B29-F687-4f45-9708-019B960494DF}">
-                <a14:hiddenLine xmlns="" xmlns:a14="http://schemas.microsoft.com/office/drawing/2010/main" w="9525">
+                <a14:hiddenLine xmlns:a14="http://schemas.microsoft.com/office/drawing/2010/main" xmlns="" w="9525">
                   <a:solidFill>
                     <a:srgbClr val="000000"/>
                   </a:solidFill>
@@ -3979,7 +3979,7 @@
             </a:ln>
             <a:extLst>
               <a:ext uri="{91240B29-F687-4f45-9708-019B960494DF}">
-                <a14:hiddenLine xmlns="" xmlns:a14="http://schemas.microsoft.com/office/drawing/2010/main" w="9525">
+                <a14:hiddenLine xmlns:a14="http://schemas.microsoft.com/office/drawing/2010/main" xmlns="" w="9525">
                   <a:solidFill>
                     <a:srgbClr val="000000"/>
                   </a:solidFill>
@@ -4099,7 +4099,7 @@
             </a:ln>
             <a:extLst>
               <a:ext uri="{91240B29-F687-4f45-9708-019B960494DF}">
-                <a14:hiddenLine xmlns="" xmlns:a14="http://schemas.microsoft.com/office/drawing/2010/main" w="9525">
+                <a14:hiddenLine xmlns:a14="http://schemas.microsoft.com/office/drawing/2010/main" xmlns="" w="9525">
                   <a:solidFill>
                     <a:srgbClr val="000000"/>
                   </a:solidFill>
@@ -4167,7 +4167,7 @@
             </a:ln>
             <a:extLst>
               <a:ext uri="{91240B29-F687-4f45-9708-019B960494DF}">
-                <a14:hiddenLine xmlns="" xmlns:a14="http://schemas.microsoft.com/office/drawing/2010/main" w="9525">
+                <a14:hiddenLine xmlns:a14="http://schemas.microsoft.com/office/drawing/2010/main" xmlns="" w="9525">
                   <a:solidFill>
                     <a:srgbClr val="000000"/>
                   </a:solidFill>
@@ -4257,7 +4257,7 @@
             </a:ln>
             <a:extLst>
               <a:ext uri="{91240B29-F687-4f45-9708-019B960494DF}">
-                <a14:hiddenLine xmlns="" xmlns:a14="http://schemas.microsoft.com/office/drawing/2010/main" w="9525">
+                <a14:hiddenLine xmlns:a14="http://schemas.microsoft.com/office/drawing/2010/main" xmlns="" w="9525">
                   <a:solidFill>
                     <a:srgbClr val="000000"/>
                   </a:solidFill>
@@ -8979,7 +8979,7 @@
           <a:noFill/>
           <a:extLst>
             <a:ext uri="{909E8E84-426E-40dd-AFC4-6F175D3DCCD1}">
-              <a14:hiddenFill xmlns="" xmlns:a14="http://schemas.microsoft.com/office/drawing/2010/main">
+              <a14:hiddenFill xmlns:a14="http://schemas.microsoft.com/office/drawing/2010/main" xmlns="">
                 <a:solidFill>
                   <a:srgbClr val="FFFFFF"/>
                 </a:solidFill>
@@ -9053,7 +9053,7 @@
               </a:ln>
               <a:extLst>
                 <a:ext uri="{91240B29-F687-4f45-9708-019B960494DF}">
-                  <a14:hiddenLine xmlns="" xmlns:a14="http://schemas.microsoft.com/office/drawing/2010/main" w="9525">
+                  <a14:hiddenLine xmlns:a14="http://schemas.microsoft.com/office/drawing/2010/main" xmlns="" w="9525">
                     <a:solidFill>
                       <a:srgbClr val="000000"/>
                     </a:solidFill>
@@ -9143,7 +9143,7 @@
               </a:ln>
               <a:extLst>
                 <a:ext uri="{91240B29-F687-4f45-9708-019B960494DF}">
-                  <a14:hiddenLine xmlns="" xmlns:a14="http://schemas.microsoft.com/office/drawing/2010/main" w="9525">
+                  <a14:hiddenLine xmlns:a14="http://schemas.microsoft.com/office/drawing/2010/main" xmlns="" w="9525">
                     <a:solidFill>
                       <a:srgbClr val="000000"/>
                     </a:solidFill>
@@ -9233,7 +9233,7 @@
               </a:ln>
               <a:extLst>
                 <a:ext uri="{91240B29-F687-4f45-9708-019B960494DF}">
-                  <a14:hiddenLine xmlns="" xmlns:a14="http://schemas.microsoft.com/office/drawing/2010/main" w="9525">
+                  <a14:hiddenLine xmlns:a14="http://schemas.microsoft.com/office/drawing/2010/main" xmlns="" w="9525">
                     <a:solidFill>
                       <a:srgbClr val="000000"/>
                     </a:solidFill>
@@ -9295,7 +9295,7 @@
               </a:ln>
               <a:extLst>
                 <a:ext uri="{91240B29-F687-4f45-9708-019B960494DF}">
-                  <a14:hiddenLine xmlns="" xmlns:a14="http://schemas.microsoft.com/office/drawing/2010/main" w="9525">
+                  <a14:hiddenLine xmlns:a14="http://schemas.microsoft.com/office/drawing/2010/main" xmlns="" w="9525">
                     <a:solidFill>
                       <a:srgbClr val="000000"/>
                     </a:solidFill>
@@ -9385,7 +9385,7 @@
               </a:ln>
               <a:extLst>
                 <a:ext uri="{91240B29-F687-4f45-9708-019B960494DF}">
-                  <a14:hiddenLine xmlns="" xmlns:a14="http://schemas.microsoft.com/office/drawing/2010/main" w="9525">
+                  <a14:hiddenLine xmlns:a14="http://schemas.microsoft.com/office/drawing/2010/main" xmlns="" w="9525">
                     <a:solidFill>
                       <a:srgbClr val="000000"/>
                     </a:solidFill>
@@ -9447,7 +9447,7 @@
               </a:ln>
               <a:extLst>
                 <a:ext uri="{91240B29-F687-4f45-9708-019B960494DF}">
-                  <a14:hiddenLine xmlns="" xmlns:a14="http://schemas.microsoft.com/office/drawing/2010/main" w="9525">
+                  <a14:hiddenLine xmlns:a14="http://schemas.microsoft.com/office/drawing/2010/main" xmlns="" w="9525">
                     <a:solidFill>
                       <a:srgbClr val="000000"/>
                     </a:solidFill>
@@ -9509,7 +9509,7 @@
               </a:ln>
               <a:extLst>
                 <a:ext uri="{91240B29-F687-4f45-9708-019B960494DF}">
-                  <a14:hiddenLine xmlns="" xmlns:a14="http://schemas.microsoft.com/office/drawing/2010/main" w="9525">
+                  <a14:hiddenLine xmlns:a14="http://schemas.microsoft.com/office/drawing/2010/main" xmlns="" w="9525">
                     <a:solidFill>
                       <a:srgbClr val="000000"/>
                     </a:solidFill>
@@ -9599,7 +9599,7 @@
               </a:ln>
               <a:extLst>
                 <a:ext uri="{91240B29-F687-4f45-9708-019B960494DF}">
-                  <a14:hiddenLine xmlns="" xmlns:a14="http://schemas.microsoft.com/office/drawing/2010/main" w="9525">
+                  <a14:hiddenLine xmlns:a14="http://schemas.microsoft.com/office/drawing/2010/main" xmlns="" w="9525">
                     <a:solidFill>
                       <a:srgbClr val="000000"/>
                     </a:solidFill>
@@ -9689,7 +9689,7 @@
               </a:ln>
               <a:extLst>
                 <a:ext uri="{91240B29-F687-4f45-9708-019B960494DF}">
-                  <a14:hiddenLine xmlns="" xmlns:a14="http://schemas.microsoft.com/office/drawing/2010/main" w="9525">
+                  <a14:hiddenLine xmlns:a14="http://schemas.microsoft.com/office/drawing/2010/main" xmlns="" w="9525">
                     <a:solidFill>
                       <a:srgbClr val="000000"/>
                     </a:solidFill>
@@ -9751,7 +9751,7 @@
               </a:ln>
               <a:extLst>
                 <a:ext uri="{91240B29-F687-4f45-9708-019B960494DF}">
-                  <a14:hiddenLine xmlns="" xmlns:a14="http://schemas.microsoft.com/office/drawing/2010/main" w="9525">
+                  <a14:hiddenLine xmlns:a14="http://schemas.microsoft.com/office/drawing/2010/main" xmlns="" w="9525">
                     <a:solidFill>
                       <a:srgbClr val="000000"/>
                     </a:solidFill>
@@ -9861,7 +9861,7 @@
               </a:ln>
               <a:extLst>
                 <a:ext uri="{91240B29-F687-4f45-9708-019B960494DF}">
-                  <a14:hiddenLine xmlns="" xmlns:a14="http://schemas.microsoft.com/office/drawing/2010/main" w="9525">
+                  <a14:hiddenLine xmlns:a14="http://schemas.microsoft.com/office/drawing/2010/main" xmlns="" w="9525">
                     <a:solidFill>
                       <a:srgbClr val="000000"/>
                     </a:solidFill>
@@ -9945,7 +9945,7 @@
               </a:ln>
               <a:extLst>
                 <a:ext uri="{91240B29-F687-4f45-9708-019B960494DF}">
-                  <a14:hiddenLine xmlns="" xmlns:a14="http://schemas.microsoft.com/office/drawing/2010/main" w="9525">
+                  <a14:hiddenLine xmlns:a14="http://schemas.microsoft.com/office/drawing/2010/main" xmlns="" w="9525">
                     <a:solidFill>
                       <a:srgbClr val="000000"/>
                     </a:solidFill>
@@ -10007,7 +10007,7 @@
               </a:ln>
               <a:extLst>
                 <a:ext uri="{91240B29-F687-4f45-9708-019B960494DF}">
-                  <a14:hiddenLine xmlns="" xmlns:a14="http://schemas.microsoft.com/office/drawing/2010/main" w="9525">
+                  <a14:hiddenLine xmlns:a14="http://schemas.microsoft.com/office/drawing/2010/main" xmlns="" w="9525">
                     <a:solidFill>
                       <a:srgbClr val="000000"/>
                     </a:solidFill>
@@ -10069,7 +10069,7 @@
               </a:ln>
               <a:extLst>
                 <a:ext uri="{91240B29-F687-4f45-9708-019B960494DF}">
-                  <a14:hiddenLine xmlns="" xmlns:a14="http://schemas.microsoft.com/office/drawing/2010/main" w="9525">
+                  <a14:hiddenLine xmlns:a14="http://schemas.microsoft.com/office/drawing/2010/main" xmlns="" w="9525">
                     <a:solidFill>
                       <a:srgbClr val="000000"/>
                     </a:solidFill>
@@ -10159,7 +10159,7 @@
               </a:ln>
               <a:extLst>
                 <a:ext uri="{91240B29-F687-4f45-9708-019B960494DF}">
-                  <a14:hiddenLine xmlns="" xmlns:a14="http://schemas.microsoft.com/office/drawing/2010/main" w="9525">
+                  <a14:hiddenLine xmlns:a14="http://schemas.microsoft.com/office/drawing/2010/main" xmlns="" w="9525">
                     <a:solidFill>
                       <a:srgbClr val="000000"/>
                     </a:solidFill>
@@ -10193,7 +10193,7 @@
               </a:ln>
               <a:extLst>
                 <a:ext uri="{91240B29-F687-4f45-9708-019B960494DF}">
-                  <a14:hiddenLine xmlns="" xmlns:a14="http://schemas.microsoft.com/office/drawing/2010/main" w="9525">
+                  <a14:hiddenLine xmlns:a14="http://schemas.microsoft.com/office/drawing/2010/main" xmlns="" w="9525">
                     <a:solidFill>
                       <a:srgbClr val="000000"/>
                     </a:solidFill>
@@ -10258,7 +10258,7 @@
               </a:ln>
               <a:extLst>
                 <a:ext uri="{91240B29-F687-4f45-9708-019B960494DF}">
-                  <a14:hiddenLine xmlns="" xmlns:a14="http://schemas.microsoft.com/office/drawing/2010/main" w="9525">
+                  <a14:hiddenLine xmlns:a14="http://schemas.microsoft.com/office/drawing/2010/main" xmlns="" w="9525">
                     <a:solidFill>
                       <a:srgbClr val="000000"/>
                     </a:solidFill>
@@ -10348,7 +10348,7 @@
               </a:ln>
               <a:extLst>
                 <a:ext uri="{91240B29-F687-4f45-9708-019B960494DF}">
-                  <a14:hiddenLine xmlns="" xmlns:a14="http://schemas.microsoft.com/office/drawing/2010/main" w="9525">
+                  <a14:hiddenLine xmlns:a14="http://schemas.microsoft.com/office/drawing/2010/main" xmlns="" w="9525">
                     <a:solidFill>
                       <a:srgbClr val="000000"/>
                     </a:solidFill>
@@ -10410,7 +10410,7 @@
               </a:ln>
               <a:extLst>
                 <a:ext uri="{91240B29-F687-4f45-9708-019B960494DF}">
-                  <a14:hiddenLine xmlns="" xmlns:a14="http://schemas.microsoft.com/office/drawing/2010/main" w="9525">
+                  <a14:hiddenLine xmlns:a14="http://schemas.microsoft.com/office/drawing/2010/main" xmlns="" w="9525">
                     <a:solidFill>
                       <a:srgbClr val="000000"/>
                     </a:solidFill>
@@ -10500,7 +10500,7 @@
               </a:ln>
               <a:extLst>
                 <a:ext uri="{91240B29-F687-4f45-9708-019B960494DF}">
-                  <a14:hiddenLine xmlns="" xmlns:a14="http://schemas.microsoft.com/office/drawing/2010/main" w="9525">
+                  <a14:hiddenLine xmlns:a14="http://schemas.microsoft.com/office/drawing/2010/main" xmlns="" w="9525">
                     <a:solidFill>
                       <a:srgbClr val="000000"/>
                     </a:solidFill>
@@ -10565,7 +10565,7 @@
               </a:ln>
               <a:extLst>
                 <a:ext uri="{91240B29-F687-4f45-9708-019B960494DF}">
-                  <a14:hiddenLine xmlns="" xmlns:a14="http://schemas.microsoft.com/office/drawing/2010/main" w="9525">
+                  <a14:hiddenLine xmlns:a14="http://schemas.microsoft.com/office/drawing/2010/main" xmlns="" w="9525">
                     <a:solidFill>
                       <a:srgbClr val="000000"/>
                     </a:solidFill>
@@ -10627,7 +10627,7 @@
               </a:ln>
               <a:extLst>
                 <a:ext uri="{91240B29-F687-4f45-9708-019B960494DF}">
-                  <a14:hiddenLine xmlns="" xmlns:a14="http://schemas.microsoft.com/office/drawing/2010/main" w="9525">
+                  <a14:hiddenLine xmlns:a14="http://schemas.microsoft.com/office/drawing/2010/main" xmlns="" w="9525">
                     <a:solidFill>
                       <a:srgbClr val="000000"/>
                     </a:solidFill>
@@ -10717,7 +10717,7 @@
               </a:ln>
               <a:extLst>
                 <a:ext uri="{91240B29-F687-4f45-9708-019B960494DF}">
-                  <a14:hiddenLine xmlns="" xmlns:a14="http://schemas.microsoft.com/office/drawing/2010/main" w="9525">
+                  <a14:hiddenLine xmlns:a14="http://schemas.microsoft.com/office/drawing/2010/main" xmlns="" w="9525">
                     <a:solidFill>
                       <a:srgbClr val="000000"/>
                     </a:solidFill>
@@ -10807,7 +10807,7 @@
               </a:ln>
               <a:extLst>
                 <a:ext uri="{91240B29-F687-4f45-9708-019B960494DF}">
-                  <a14:hiddenLine xmlns="" xmlns:a14="http://schemas.microsoft.com/office/drawing/2010/main" w="9525">
+                  <a14:hiddenLine xmlns:a14="http://schemas.microsoft.com/office/drawing/2010/main" xmlns="" w="9525">
                     <a:solidFill>
                       <a:srgbClr val="000000"/>
                     </a:solidFill>
@@ -10872,7 +10872,7 @@
               </a:ln>
               <a:extLst>
                 <a:ext uri="{91240B29-F687-4f45-9708-019B960494DF}">
-                  <a14:hiddenLine xmlns="" xmlns:a14="http://schemas.microsoft.com/office/drawing/2010/main" w="9525">
+                  <a14:hiddenLine xmlns:a14="http://schemas.microsoft.com/office/drawing/2010/main" xmlns="" w="9525">
                     <a:solidFill>
                       <a:srgbClr val="000000"/>
                     </a:solidFill>
@@ -10992,7 +10992,7 @@
               </a:ln>
               <a:extLst>
                 <a:ext uri="{91240B29-F687-4f45-9708-019B960494DF}">
-                  <a14:hiddenLine xmlns="" xmlns:a14="http://schemas.microsoft.com/office/drawing/2010/main" w="9525">
+                  <a14:hiddenLine xmlns:a14="http://schemas.microsoft.com/office/drawing/2010/main" xmlns="" w="9525">
                     <a:solidFill>
                       <a:srgbClr val="000000"/>
                     </a:solidFill>
@@ -11090,7 +11090,7 @@
               </a:ln>
               <a:extLst>
                 <a:ext uri="{91240B29-F687-4f45-9708-019B960494DF}">
-                  <a14:hiddenLine xmlns="" xmlns:a14="http://schemas.microsoft.com/office/drawing/2010/main" w="9525">
+                  <a14:hiddenLine xmlns:a14="http://schemas.microsoft.com/office/drawing/2010/main" xmlns="" w="9525">
                     <a:solidFill>
                       <a:srgbClr val="000000"/>
                     </a:solidFill>
@@ -11205,7 +11205,7 @@
               </a:ln>
               <a:extLst>
                 <a:ext uri="{91240B29-F687-4f45-9708-019B960494DF}">
-                  <a14:hiddenLine xmlns="" xmlns:a14="http://schemas.microsoft.com/office/drawing/2010/main" w="9525">
+                  <a14:hiddenLine xmlns:a14="http://schemas.microsoft.com/office/drawing/2010/main" xmlns="" w="9525">
                     <a:solidFill>
                       <a:srgbClr val="000000"/>
                     </a:solidFill>
@@ -11295,7 +11295,7 @@
               </a:ln>
               <a:extLst>
                 <a:ext uri="{91240B29-F687-4f45-9708-019B960494DF}">
-                  <a14:hiddenLine xmlns="" xmlns:a14="http://schemas.microsoft.com/office/drawing/2010/main" w="9525">
+                  <a14:hiddenLine xmlns:a14="http://schemas.microsoft.com/office/drawing/2010/main" xmlns="" w="9525">
                     <a:solidFill>
                       <a:srgbClr val="000000"/>
                     </a:solidFill>
@@ -11360,7 +11360,7 @@
               </a:ln>
               <a:extLst>
                 <a:ext uri="{91240B29-F687-4f45-9708-019B960494DF}">
-                  <a14:hiddenLine xmlns="" xmlns:a14="http://schemas.microsoft.com/office/drawing/2010/main" w="9525">
+                  <a14:hiddenLine xmlns:a14="http://schemas.microsoft.com/office/drawing/2010/main" xmlns="" w="9525">
                     <a:solidFill>
                       <a:srgbClr val="000000"/>
                     </a:solidFill>
@@ -11450,7 +11450,7 @@
               </a:ln>
               <a:extLst>
                 <a:ext uri="{91240B29-F687-4f45-9708-019B960494DF}">
-                  <a14:hiddenLine xmlns="" xmlns:a14="http://schemas.microsoft.com/office/drawing/2010/main" w="9525">
+                  <a14:hiddenLine xmlns:a14="http://schemas.microsoft.com/office/drawing/2010/main" xmlns="" w="9525">
                     <a:solidFill>
                       <a:srgbClr val="000000"/>
                     </a:solidFill>
@@ -11518,7 +11518,7 @@
               </a:ln>
               <a:extLst>
                 <a:ext uri="{91240B29-F687-4f45-9708-019B960494DF}">
-                  <a14:hiddenLine xmlns="" xmlns:a14="http://schemas.microsoft.com/office/drawing/2010/main" w="9525">
+                  <a14:hiddenLine xmlns:a14="http://schemas.microsoft.com/office/drawing/2010/main" xmlns="" w="9525">
                     <a:solidFill>
                       <a:srgbClr val="000000"/>
                     </a:solidFill>
@@ -11608,7 +11608,7 @@
               </a:ln>
               <a:extLst>
                 <a:ext uri="{91240B29-F687-4f45-9708-019B960494DF}">
-                  <a14:hiddenLine xmlns="" xmlns:a14="http://schemas.microsoft.com/office/drawing/2010/main" w="9525">
+                  <a14:hiddenLine xmlns:a14="http://schemas.microsoft.com/office/drawing/2010/main" xmlns="" w="9525">
                     <a:solidFill>
                       <a:srgbClr val="000000"/>
                     </a:solidFill>
@@ -11676,7 +11676,7 @@
               </a:ln>
               <a:extLst>
                 <a:ext uri="{91240B29-F687-4f45-9708-019B960494DF}">
-                  <a14:hiddenLine xmlns="" xmlns:a14="http://schemas.microsoft.com/office/drawing/2010/main" w="9525">
+                  <a14:hiddenLine xmlns:a14="http://schemas.microsoft.com/office/drawing/2010/main" xmlns="" w="9525">
                     <a:solidFill>
                       <a:srgbClr val="000000"/>
                     </a:solidFill>
@@ -11766,7 +11766,7 @@
               </a:ln>
               <a:extLst>
                 <a:ext uri="{91240B29-F687-4f45-9708-019B960494DF}">
-                  <a14:hiddenLine xmlns="" xmlns:a14="http://schemas.microsoft.com/office/drawing/2010/main" w="9525">
+                  <a14:hiddenLine xmlns:a14="http://schemas.microsoft.com/office/drawing/2010/main" xmlns="" w="9525">
                     <a:solidFill>
                       <a:srgbClr val="000000"/>
                     </a:solidFill>
@@ -11800,7 +11800,7 @@
               </a:ln>
               <a:extLst>
                 <a:ext uri="{91240B29-F687-4f45-9708-019B960494DF}">
-                  <a14:hiddenLine xmlns="" xmlns:a14="http://schemas.microsoft.com/office/drawing/2010/main" w="9525">
+                  <a14:hiddenLine xmlns:a14="http://schemas.microsoft.com/office/drawing/2010/main" xmlns="" w="9525">
                     <a:solidFill>
                       <a:srgbClr val="000000"/>
                     </a:solidFill>
@@ -12487,7 +12487,12 @@
             <p:ph idx="1"/>
           </p:nvPr>
         </p:nvSpPr>
-        <p:spPr/>
+        <p:spPr>
+          <a:xfrm>
+            <a:off x="1141413" y="1797760"/>
+            <a:ext cx="9905999" cy="3541714"/>
+          </a:xfrm>
+        </p:spPr>
         <p:txBody>
           <a:bodyPr/>
           <a:lstStyle/>
@@ -12499,6 +12504,36 @@
           </a:p>
         </p:txBody>
       </p:sp>
+      <p:pic>
+        <p:nvPicPr>
+          <p:cNvPr id="4" name="Picture 3">
+            <a:extLst>
+              <a:ext uri="{FF2B5EF4-FFF2-40B4-BE49-F238E27FC236}">
+                <a16:creationId xmlns:a16="http://schemas.microsoft.com/office/drawing/2014/main" id="{08CCEF59-728A-4FD6-ADCA-D7B186010559}"/>
+              </a:ext>
+            </a:extLst>
+          </p:cNvPr>
+          <p:cNvPicPr>
+            <a:picLocks noChangeAspect="1"/>
+          </p:cNvPicPr>
+          <p:nvPr/>
+        </p:nvPicPr>
+        <p:blipFill>
+          <a:blip r:embed="rId2"/>
+          <a:stretch>
+            <a:fillRect/>
+          </a:stretch>
+        </p:blipFill>
+        <p:spPr>
+          <a:xfrm>
+            <a:off x="4930220" y="2809701"/>
+            <a:ext cx="4515880" cy="3429782"/>
+          </a:xfrm>
+          <a:prstGeom prst="rect">
+            <a:avLst/>
+          </a:prstGeom>
+        </p:spPr>
+      </p:pic>
     </p:spTree>
     <p:extLst>
       <p:ext uri="{BB962C8B-B14F-4D97-AF65-F5344CB8AC3E}">
